--- a/SChickenPresent-SakulinIM.pptx
+++ b/SChickenPresent-SakulinIM.pptx
@@ -1,15 +1,16 @@
 
 <file path=ppt/presentation.xml><?xml version="1.0" encoding="utf-8"?>
-<p:presentation xmlns:a="http://schemas.openxmlformats.org/drawingml/2006/main" xmlns:r="http://schemas.openxmlformats.org/officeDocument/2006/relationships" xmlns:p="http://schemas.openxmlformats.org/presentationml/2006/main" showSpecialPlsOnTitleSld="0" saveSubsetFonts="1">
+<p:presentation xmlns:a="http://schemas.openxmlformats.org/drawingml/2006/main" xmlns:r="http://schemas.openxmlformats.org/officeDocument/2006/relationships" xmlns:p="http://schemas.openxmlformats.org/presentationml/2006/main" saveSubsetFonts="1">
   <p:sldMasterIdLst>
     <p:sldMasterId id="2147483722" r:id="rId1"/>
   </p:sldMasterIdLst>
   <p:notesMasterIdLst>
-    <p:notesMasterId r:id="rId4"/>
+    <p:notesMasterId r:id="rId5"/>
   </p:notesMasterIdLst>
   <p:sldIdLst>
     <p:sldId id="257" r:id="rId2"/>
     <p:sldId id="259" r:id="rId3"/>
+    <p:sldId id="260" r:id="rId4"/>
   </p:sldIdLst>
   <p:sldSz cx="12192000" cy="6858000"/>
   <p:notesSz cx="6858000" cy="9144000"/>
@@ -119,6 +120,4172 @@
 </p:presentation>
 </file>
 
+<file path=ppt/diagrams/colors1.xml><?xml version="1.0" encoding="utf-8"?>
+<dgm:colorsDef xmlns:dgm="http://schemas.openxmlformats.org/drawingml/2006/diagram" xmlns:a="http://schemas.openxmlformats.org/drawingml/2006/main" uniqueId="urn:microsoft.com/office/officeart/2005/8/colors/accent0_1">
+  <dgm:title val=""/>
+  <dgm:desc val=""/>
+  <dgm:catLst>
+    <dgm:cat type="mainScheme" pri="10100"/>
+  </dgm:catLst>
+  <dgm:styleLbl name="node0">
+    <dgm:fillClrLst meth="repeat">
+      <a:schemeClr val="lt1"/>
+    </dgm:fillClrLst>
+    <dgm:linClrLst meth="repeat">
+      <a:schemeClr val="dk1">
+        <a:shade val="80000"/>
+      </a:schemeClr>
+    </dgm:linClrLst>
+    <dgm:effectClrLst/>
+    <dgm:txLinClrLst/>
+    <dgm:txFillClrLst meth="repeat">
+      <a:schemeClr val="dk1"/>
+    </dgm:txFillClrLst>
+    <dgm:txEffectClrLst/>
+  </dgm:styleLbl>
+  <dgm:styleLbl name="node1">
+    <dgm:fillClrLst meth="repeat">
+      <a:schemeClr val="lt1"/>
+    </dgm:fillClrLst>
+    <dgm:linClrLst meth="repeat">
+      <a:schemeClr val="dk1">
+        <a:shade val="80000"/>
+      </a:schemeClr>
+    </dgm:linClrLst>
+    <dgm:effectClrLst/>
+    <dgm:txLinClrLst/>
+    <dgm:txFillClrLst meth="repeat">
+      <a:schemeClr val="dk1"/>
+    </dgm:txFillClrLst>
+    <dgm:txEffectClrLst/>
+  </dgm:styleLbl>
+  <dgm:styleLbl name="alignNode1">
+    <dgm:fillClrLst meth="repeat">
+      <a:schemeClr val="lt1"/>
+    </dgm:fillClrLst>
+    <dgm:linClrLst meth="repeat">
+      <a:schemeClr val="dk1">
+        <a:shade val="80000"/>
+      </a:schemeClr>
+    </dgm:linClrLst>
+    <dgm:effectClrLst/>
+    <dgm:txLinClrLst/>
+    <dgm:txFillClrLst meth="repeat">
+      <a:schemeClr val="dk1"/>
+    </dgm:txFillClrLst>
+    <dgm:txEffectClrLst/>
+  </dgm:styleLbl>
+  <dgm:styleLbl name="lnNode1">
+    <dgm:fillClrLst meth="repeat">
+      <a:schemeClr val="lt1"/>
+    </dgm:fillClrLst>
+    <dgm:linClrLst meth="repeat">
+      <a:schemeClr val="dk1">
+        <a:shade val="80000"/>
+      </a:schemeClr>
+    </dgm:linClrLst>
+    <dgm:effectClrLst/>
+    <dgm:txLinClrLst/>
+    <dgm:txFillClrLst meth="repeat">
+      <a:schemeClr val="dk1"/>
+    </dgm:txFillClrLst>
+    <dgm:txEffectClrLst/>
+  </dgm:styleLbl>
+  <dgm:styleLbl name="vennNode1">
+    <dgm:fillClrLst meth="repeat">
+      <a:schemeClr val="lt1">
+        <a:alpha val="50000"/>
+      </a:schemeClr>
+    </dgm:fillClrLst>
+    <dgm:linClrLst meth="repeat">
+      <a:schemeClr val="dk1">
+        <a:shade val="80000"/>
+      </a:schemeClr>
+    </dgm:linClrLst>
+    <dgm:effectClrLst/>
+    <dgm:txLinClrLst/>
+    <dgm:txFillClrLst/>
+    <dgm:txEffectClrLst/>
+  </dgm:styleLbl>
+  <dgm:styleLbl name="node2">
+    <dgm:fillClrLst meth="repeat">
+      <a:schemeClr val="lt1"/>
+    </dgm:fillClrLst>
+    <dgm:linClrLst meth="repeat">
+      <a:schemeClr val="dk1">
+        <a:shade val="80000"/>
+      </a:schemeClr>
+    </dgm:linClrLst>
+    <dgm:effectClrLst/>
+    <dgm:txLinClrLst/>
+    <dgm:txFillClrLst meth="repeat">
+      <a:schemeClr val="dk1"/>
+    </dgm:txFillClrLst>
+    <dgm:txEffectClrLst/>
+  </dgm:styleLbl>
+  <dgm:styleLbl name="node3">
+    <dgm:fillClrLst meth="repeat">
+      <a:schemeClr val="lt1"/>
+    </dgm:fillClrLst>
+    <dgm:linClrLst meth="repeat">
+      <a:schemeClr val="dk1">
+        <a:shade val="80000"/>
+      </a:schemeClr>
+    </dgm:linClrLst>
+    <dgm:effectClrLst/>
+    <dgm:txLinClrLst/>
+    <dgm:txFillClrLst meth="repeat">
+      <a:schemeClr val="dk1"/>
+    </dgm:txFillClrLst>
+    <dgm:txEffectClrLst/>
+  </dgm:styleLbl>
+  <dgm:styleLbl name="node4">
+    <dgm:fillClrLst meth="repeat">
+      <a:schemeClr val="lt1"/>
+    </dgm:fillClrLst>
+    <dgm:linClrLst meth="repeat">
+      <a:schemeClr val="dk1">
+        <a:shade val="80000"/>
+      </a:schemeClr>
+    </dgm:linClrLst>
+    <dgm:effectClrLst/>
+    <dgm:txLinClrLst/>
+    <dgm:txFillClrLst meth="repeat">
+      <a:schemeClr val="dk1"/>
+    </dgm:txFillClrLst>
+    <dgm:txEffectClrLst/>
+  </dgm:styleLbl>
+  <dgm:styleLbl name="fgImgPlace1">
+    <dgm:fillClrLst meth="repeat">
+      <a:schemeClr val="dk1">
+        <a:tint val="40000"/>
+      </a:schemeClr>
+    </dgm:fillClrLst>
+    <dgm:linClrLst meth="repeat">
+      <a:schemeClr val="dk1">
+        <a:shade val="80000"/>
+      </a:schemeClr>
+    </dgm:linClrLst>
+    <dgm:effectClrLst/>
+    <dgm:txLinClrLst/>
+    <dgm:txFillClrLst meth="repeat">
+      <a:schemeClr val="lt1"/>
+    </dgm:txFillClrLst>
+    <dgm:txEffectClrLst/>
+  </dgm:styleLbl>
+  <dgm:styleLbl name="alignImgPlace1">
+    <dgm:fillClrLst meth="repeat">
+      <a:schemeClr val="dk1">
+        <a:tint val="40000"/>
+      </a:schemeClr>
+    </dgm:fillClrLst>
+    <dgm:linClrLst meth="repeat">
+      <a:schemeClr val="dk1">
+        <a:shade val="80000"/>
+      </a:schemeClr>
+    </dgm:linClrLst>
+    <dgm:effectClrLst/>
+    <dgm:txLinClrLst/>
+    <dgm:txFillClrLst meth="repeat">
+      <a:schemeClr val="lt1"/>
+    </dgm:txFillClrLst>
+    <dgm:txEffectClrLst/>
+  </dgm:styleLbl>
+  <dgm:styleLbl name="bgImgPlace1">
+    <dgm:fillClrLst meth="repeat">
+      <a:schemeClr val="dk1">
+        <a:tint val="40000"/>
+      </a:schemeClr>
+    </dgm:fillClrLst>
+    <dgm:linClrLst meth="repeat">
+      <a:schemeClr val="dk1">
+        <a:shade val="80000"/>
+      </a:schemeClr>
+    </dgm:linClrLst>
+    <dgm:effectClrLst/>
+    <dgm:txLinClrLst/>
+    <dgm:txFillClrLst meth="repeat">
+      <a:schemeClr val="lt1"/>
+    </dgm:txFillClrLst>
+    <dgm:txEffectClrLst/>
+  </dgm:styleLbl>
+  <dgm:styleLbl name="sibTrans2D1">
+    <dgm:fillClrLst meth="repeat">
+      <a:schemeClr val="dk1">
+        <a:tint val="60000"/>
+      </a:schemeClr>
+    </dgm:fillClrLst>
+    <dgm:linClrLst meth="repeat">
+      <a:schemeClr val="dk1">
+        <a:tint val="60000"/>
+      </a:schemeClr>
+    </dgm:linClrLst>
+    <dgm:effectClrLst/>
+    <dgm:txLinClrLst/>
+    <dgm:txFillClrLst meth="repeat">
+      <a:schemeClr val="dk1"/>
+    </dgm:txFillClrLst>
+    <dgm:txEffectClrLst/>
+  </dgm:styleLbl>
+  <dgm:styleLbl name="fgSibTrans2D1">
+    <dgm:fillClrLst meth="repeat">
+      <a:schemeClr val="dk1">
+        <a:tint val="60000"/>
+      </a:schemeClr>
+    </dgm:fillClrLst>
+    <dgm:linClrLst meth="repeat">
+      <a:schemeClr val="dk1">
+        <a:tint val="60000"/>
+      </a:schemeClr>
+    </dgm:linClrLst>
+    <dgm:effectClrLst/>
+    <dgm:txLinClrLst/>
+    <dgm:txFillClrLst meth="repeat">
+      <a:schemeClr val="dk1"/>
+    </dgm:txFillClrLst>
+    <dgm:txEffectClrLst/>
+  </dgm:styleLbl>
+  <dgm:styleLbl name="bgSibTrans2D1">
+    <dgm:fillClrLst meth="repeat">
+      <a:schemeClr val="dk1">
+        <a:tint val="60000"/>
+      </a:schemeClr>
+    </dgm:fillClrLst>
+    <dgm:linClrLst meth="repeat">
+      <a:schemeClr val="dk1">
+        <a:tint val="60000"/>
+      </a:schemeClr>
+    </dgm:linClrLst>
+    <dgm:effectClrLst/>
+    <dgm:txLinClrLst/>
+    <dgm:txFillClrLst meth="repeat">
+      <a:schemeClr val="dk1"/>
+    </dgm:txFillClrLst>
+    <dgm:txEffectClrLst/>
+  </dgm:styleLbl>
+  <dgm:styleLbl name="sibTrans1D1">
+    <dgm:fillClrLst meth="repeat">
+      <a:schemeClr val="dk1"/>
+    </dgm:fillClrLst>
+    <dgm:linClrLst meth="repeat">
+      <a:schemeClr val="dk1"/>
+    </dgm:linClrLst>
+    <dgm:effectClrLst/>
+    <dgm:txLinClrLst/>
+    <dgm:txFillClrLst meth="repeat">
+      <a:schemeClr val="tx1"/>
+    </dgm:txFillClrLst>
+    <dgm:txEffectClrLst/>
+  </dgm:styleLbl>
+  <dgm:styleLbl name="callout">
+    <dgm:fillClrLst meth="repeat">
+      <a:schemeClr val="dk1"/>
+    </dgm:fillClrLst>
+    <dgm:linClrLst meth="repeat">
+      <a:schemeClr val="dk1"/>
+    </dgm:linClrLst>
+    <dgm:effectClrLst/>
+    <dgm:txLinClrLst/>
+    <dgm:txFillClrLst meth="repeat">
+      <a:schemeClr val="tx1"/>
+    </dgm:txFillClrLst>
+    <dgm:txEffectClrLst/>
+  </dgm:styleLbl>
+  <dgm:styleLbl name="asst0">
+    <dgm:fillClrLst meth="repeat">
+      <a:schemeClr val="lt1"/>
+    </dgm:fillClrLst>
+    <dgm:linClrLst meth="repeat">
+      <a:schemeClr val="dk1">
+        <a:shade val="80000"/>
+      </a:schemeClr>
+    </dgm:linClrLst>
+    <dgm:effectClrLst/>
+    <dgm:txLinClrLst/>
+    <dgm:txFillClrLst meth="repeat">
+      <a:schemeClr val="dk1"/>
+    </dgm:txFillClrLst>
+    <dgm:txEffectClrLst/>
+  </dgm:styleLbl>
+  <dgm:styleLbl name="asst1">
+    <dgm:fillClrLst meth="repeat">
+      <a:schemeClr val="lt1"/>
+    </dgm:fillClrLst>
+    <dgm:linClrLst meth="repeat">
+      <a:schemeClr val="dk1">
+        <a:shade val="80000"/>
+      </a:schemeClr>
+    </dgm:linClrLst>
+    <dgm:effectClrLst/>
+    <dgm:txLinClrLst/>
+    <dgm:txFillClrLst meth="repeat">
+      <a:schemeClr val="dk1"/>
+    </dgm:txFillClrLst>
+    <dgm:txEffectClrLst/>
+  </dgm:styleLbl>
+  <dgm:styleLbl name="asst2">
+    <dgm:fillClrLst meth="repeat">
+      <a:schemeClr val="lt1"/>
+    </dgm:fillClrLst>
+    <dgm:linClrLst meth="repeat">
+      <a:schemeClr val="dk1">
+        <a:shade val="80000"/>
+      </a:schemeClr>
+    </dgm:linClrLst>
+    <dgm:effectClrLst/>
+    <dgm:txLinClrLst/>
+    <dgm:txFillClrLst meth="repeat">
+      <a:schemeClr val="dk1"/>
+    </dgm:txFillClrLst>
+    <dgm:txEffectClrLst/>
+  </dgm:styleLbl>
+  <dgm:styleLbl name="asst3">
+    <dgm:fillClrLst meth="repeat">
+      <a:schemeClr val="lt1"/>
+    </dgm:fillClrLst>
+    <dgm:linClrLst meth="repeat">
+      <a:schemeClr val="dk1">
+        <a:shade val="80000"/>
+      </a:schemeClr>
+    </dgm:linClrLst>
+    <dgm:effectClrLst/>
+    <dgm:txLinClrLst/>
+    <dgm:txFillClrLst meth="repeat">
+      <a:schemeClr val="dk1"/>
+    </dgm:txFillClrLst>
+    <dgm:txEffectClrLst/>
+  </dgm:styleLbl>
+  <dgm:styleLbl name="asst4">
+    <dgm:fillClrLst meth="repeat">
+      <a:schemeClr val="lt1"/>
+    </dgm:fillClrLst>
+    <dgm:linClrLst meth="repeat">
+      <a:schemeClr val="dk1">
+        <a:shade val="80000"/>
+      </a:schemeClr>
+    </dgm:linClrLst>
+    <dgm:effectClrLst/>
+    <dgm:txLinClrLst/>
+    <dgm:txFillClrLst meth="repeat">
+      <a:schemeClr val="dk1"/>
+    </dgm:txFillClrLst>
+    <dgm:txEffectClrLst/>
+  </dgm:styleLbl>
+  <dgm:styleLbl name="parChTrans2D1">
+    <dgm:fillClrLst meth="repeat">
+      <a:schemeClr val="dk1">
+        <a:tint val="60000"/>
+      </a:schemeClr>
+    </dgm:fillClrLst>
+    <dgm:linClrLst meth="repeat">
+      <a:schemeClr val="dk1">
+        <a:tint val="60000"/>
+      </a:schemeClr>
+    </dgm:linClrLst>
+    <dgm:effectClrLst/>
+    <dgm:txLinClrLst/>
+    <dgm:txFillClrLst/>
+    <dgm:txEffectClrLst/>
+  </dgm:styleLbl>
+  <dgm:styleLbl name="parChTrans2D2">
+    <dgm:fillClrLst meth="repeat">
+      <a:schemeClr val="dk1"/>
+    </dgm:fillClrLst>
+    <dgm:linClrLst meth="repeat">
+      <a:schemeClr val="dk1"/>
+    </dgm:linClrLst>
+    <dgm:effectClrLst/>
+    <dgm:txLinClrLst/>
+    <dgm:txFillClrLst/>
+    <dgm:txEffectClrLst/>
+  </dgm:styleLbl>
+  <dgm:styleLbl name="parChTrans2D3">
+    <dgm:fillClrLst meth="repeat">
+      <a:schemeClr val="dk1"/>
+    </dgm:fillClrLst>
+    <dgm:linClrLst meth="repeat">
+      <a:schemeClr val="dk1"/>
+    </dgm:linClrLst>
+    <dgm:effectClrLst/>
+    <dgm:txLinClrLst/>
+    <dgm:txFillClrLst/>
+    <dgm:txEffectClrLst/>
+  </dgm:styleLbl>
+  <dgm:styleLbl name="parChTrans2D4">
+    <dgm:fillClrLst meth="repeat">
+      <a:schemeClr val="dk1"/>
+    </dgm:fillClrLst>
+    <dgm:linClrLst meth="repeat">
+      <a:schemeClr val="dk1"/>
+    </dgm:linClrLst>
+    <dgm:effectClrLst/>
+    <dgm:txLinClrLst/>
+    <dgm:txFillClrLst meth="repeat">
+      <a:schemeClr val="lt1"/>
+    </dgm:txFillClrLst>
+    <dgm:txEffectClrLst/>
+  </dgm:styleLbl>
+  <dgm:styleLbl name="parChTrans1D1">
+    <dgm:fillClrLst meth="repeat">
+      <a:schemeClr val="dk1"/>
+    </dgm:fillClrLst>
+    <dgm:linClrLst meth="repeat">
+      <a:schemeClr val="dk1">
+        <a:shade val="60000"/>
+      </a:schemeClr>
+    </dgm:linClrLst>
+    <dgm:effectClrLst/>
+    <dgm:txLinClrLst/>
+    <dgm:txFillClrLst meth="repeat">
+      <a:schemeClr val="tx1"/>
+    </dgm:txFillClrLst>
+    <dgm:txEffectClrLst/>
+  </dgm:styleLbl>
+  <dgm:styleLbl name="parChTrans1D2">
+    <dgm:fillClrLst meth="repeat">
+      <a:schemeClr val="dk1"/>
+    </dgm:fillClrLst>
+    <dgm:linClrLst meth="repeat">
+      <a:schemeClr val="dk1">
+        <a:shade val="60000"/>
+      </a:schemeClr>
+    </dgm:linClrLst>
+    <dgm:effectClrLst/>
+    <dgm:txLinClrLst/>
+    <dgm:txFillClrLst meth="repeat">
+      <a:schemeClr val="tx1"/>
+    </dgm:txFillClrLst>
+    <dgm:txEffectClrLst/>
+  </dgm:styleLbl>
+  <dgm:styleLbl name="parChTrans1D3">
+    <dgm:fillClrLst meth="repeat">
+      <a:schemeClr val="dk1"/>
+    </dgm:fillClrLst>
+    <dgm:linClrLst meth="repeat">
+      <a:schemeClr val="dk1">
+        <a:shade val="80000"/>
+      </a:schemeClr>
+    </dgm:linClrLst>
+    <dgm:effectClrLst/>
+    <dgm:txLinClrLst/>
+    <dgm:txFillClrLst meth="repeat">
+      <a:schemeClr val="tx1"/>
+    </dgm:txFillClrLst>
+    <dgm:txEffectClrLst/>
+  </dgm:styleLbl>
+  <dgm:styleLbl name="parChTrans1D4">
+    <dgm:fillClrLst meth="repeat">
+      <a:schemeClr val="dk1"/>
+    </dgm:fillClrLst>
+    <dgm:linClrLst meth="repeat">
+      <a:schemeClr val="dk1">
+        <a:shade val="80000"/>
+      </a:schemeClr>
+    </dgm:linClrLst>
+    <dgm:effectClrLst/>
+    <dgm:txLinClrLst/>
+    <dgm:txFillClrLst meth="repeat">
+      <a:schemeClr val="tx1"/>
+    </dgm:txFillClrLst>
+    <dgm:txEffectClrLst/>
+  </dgm:styleLbl>
+  <dgm:styleLbl name="fgAcc1">
+    <dgm:fillClrLst meth="repeat">
+      <a:schemeClr val="dk1">
+        <a:alpha val="90000"/>
+        <a:tint val="40000"/>
+      </a:schemeClr>
+    </dgm:fillClrLst>
+    <dgm:linClrLst meth="repeat">
+      <a:schemeClr val="dk1"/>
+    </dgm:linClrLst>
+    <dgm:effectClrLst/>
+    <dgm:txLinClrLst/>
+    <dgm:txFillClrLst meth="repeat">
+      <a:schemeClr val="dk1"/>
+    </dgm:txFillClrLst>
+    <dgm:txEffectClrLst/>
+  </dgm:styleLbl>
+  <dgm:styleLbl name="conFgAcc1">
+    <dgm:fillClrLst meth="repeat">
+      <a:schemeClr val="dk1">
+        <a:alpha val="90000"/>
+        <a:tint val="40000"/>
+      </a:schemeClr>
+    </dgm:fillClrLst>
+    <dgm:linClrLst meth="repeat">
+      <a:schemeClr val="dk1"/>
+    </dgm:linClrLst>
+    <dgm:effectClrLst/>
+    <dgm:txLinClrLst/>
+    <dgm:txFillClrLst meth="repeat">
+      <a:schemeClr val="dk1"/>
+    </dgm:txFillClrLst>
+    <dgm:txEffectClrLst/>
+  </dgm:styleLbl>
+  <dgm:styleLbl name="alignAcc1">
+    <dgm:fillClrLst meth="repeat">
+      <a:schemeClr val="dk1">
+        <a:alpha val="90000"/>
+        <a:tint val="40000"/>
+      </a:schemeClr>
+    </dgm:fillClrLst>
+    <dgm:linClrLst meth="repeat">
+      <a:schemeClr val="dk1"/>
+    </dgm:linClrLst>
+    <dgm:effectClrLst/>
+    <dgm:txLinClrLst/>
+    <dgm:txFillClrLst meth="repeat">
+      <a:schemeClr val="dk1"/>
+    </dgm:txFillClrLst>
+    <dgm:txEffectClrLst/>
+  </dgm:styleLbl>
+  <dgm:styleLbl name="trAlignAcc1">
+    <dgm:fillClrLst meth="repeat">
+      <a:schemeClr val="dk1">
+        <a:alpha val="40000"/>
+        <a:tint val="40000"/>
+      </a:schemeClr>
+    </dgm:fillClrLst>
+    <dgm:linClrLst meth="repeat">
+      <a:schemeClr val="dk1"/>
+    </dgm:linClrLst>
+    <dgm:effectClrLst/>
+    <dgm:txLinClrLst/>
+    <dgm:txFillClrLst meth="repeat">
+      <a:schemeClr val="dk1"/>
+    </dgm:txFillClrLst>
+    <dgm:txEffectClrLst/>
+  </dgm:styleLbl>
+  <dgm:styleLbl name="bgAcc1">
+    <dgm:fillClrLst meth="repeat">
+      <a:schemeClr val="dk1">
+        <a:alpha val="90000"/>
+        <a:tint val="40000"/>
+      </a:schemeClr>
+    </dgm:fillClrLst>
+    <dgm:linClrLst meth="repeat">
+      <a:schemeClr val="dk1"/>
+    </dgm:linClrLst>
+    <dgm:effectClrLst/>
+    <dgm:txLinClrLst/>
+    <dgm:txFillClrLst meth="repeat">
+      <a:schemeClr val="dk1"/>
+    </dgm:txFillClrLst>
+    <dgm:txEffectClrLst/>
+  </dgm:styleLbl>
+  <dgm:styleLbl name="solidFgAcc1">
+    <dgm:fillClrLst meth="repeat">
+      <a:schemeClr val="lt1"/>
+    </dgm:fillClrLst>
+    <dgm:linClrLst meth="repeat">
+      <a:schemeClr val="dk1"/>
+    </dgm:linClrLst>
+    <dgm:effectClrLst/>
+    <dgm:txLinClrLst/>
+    <dgm:txFillClrLst meth="repeat">
+      <a:schemeClr val="dk1"/>
+    </dgm:txFillClrLst>
+    <dgm:txEffectClrLst/>
+  </dgm:styleLbl>
+  <dgm:styleLbl name="solidAlignAcc1">
+    <dgm:fillClrLst meth="repeat">
+      <a:schemeClr val="lt1"/>
+    </dgm:fillClrLst>
+    <dgm:linClrLst meth="repeat">
+      <a:schemeClr val="dk1"/>
+    </dgm:linClrLst>
+    <dgm:effectClrLst/>
+    <dgm:txLinClrLst/>
+    <dgm:txFillClrLst meth="repeat">
+      <a:schemeClr val="dk1"/>
+    </dgm:txFillClrLst>
+    <dgm:txEffectClrLst/>
+  </dgm:styleLbl>
+  <dgm:styleLbl name="solidBgAcc1">
+    <dgm:fillClrLst meth="repeat">
+      <a:schemeClr val="lt1"/>
+    </dgm:fillClrLst>
+    <dgm:linClrLst meth="repeat">
+      <a:schemeClr val="dk1"/>
+    </dgm:linClrLst>
+    <dgm:effectClrLst/>
+    <dgm:txLinClrLst/>
+    <dgm:txFillClrLst meth="repeat">
+      <a:schemeClr val="dk1"/>
+    </dgm:txFillClrLst>
+    <dgm:txEffectClrLst/>
+  </dgm:styleLbl>
+  <dgm:styleLbl name="fgAccFollowNode1">
+    <dgm:fillClrLst meth="repeat">
+      <a:schemeClr val="lt1">
+        <a:alpha val="90000"/>
+        <a:tint val="40000"/>
+      </a:schemeClr>
+    </dgm:fillClrLst>
+    <dgm:linClrLst meth="repeat">
+      <a:schemeClr val="dk1">
+        <a:alpha val="90000"/>
+      </a:schemeClr>
+    </dgm:linClrLst>
+    <dgm:effectClrLst/>
+    <dgm:txLinClrLst/>
+    <dgm:txFillClrLst meth="repeat">
+      <a:schemeClr val="dk1"/>
+    </dgm:txFillClrLst>
+    <dgm:txEffectClrLst/>
+  </dgm:styleLbl>
+  <dgm:styleLbl name="alignAccFollowNode1">
+    <dgm:fillClrLst meth="repeat">
+      <a:schemeClr val="lt1">
+        <a:alpha val="90000"/>
+        <a:tint val="40000"/>
+      </a:schemeClr>
+    </dgm:fillClrLst>
+    <dgm:linClrLst meth="repeat">
+      <a:schemeClr val="dk1">
+        <a:alpha val="90000"/>
+      </a:schemeClr>
+    </dgm:linClrLst>
+    <dgm:effectClrLst/>
+    <dgm:txLinClrLst/>
+    <dgm:txFillClrLst meth="repeat">
+      <a:schemeClr val="dk1"/>
+    </dgm:txFillClrLst>
+    <dgm:txEffectClrLst/>
+  </dgm:styleLbl>
+  <dgm:styleLbl name="bgAccFollowNode1">
+    <dgm:fillClrLst meth="repeat">
+      <a:schemeClr val="lt1">
+        <a:alpha val="90000"/>
+        <a:tint val="40000"/>
+      </a:schemeClr>
+    </dgm:fillClrLst>
+    <dgm:linClrLst meth="repeat">
+      <a:schemeClr val="dk1">
+        <a:alpha val="90000"/>
+      </a:schemeClr>
+    </dgm:linClrLst>
+    <dgm:effectClrLst/>
+    <dgm:txLinClrLst/>
+    <dgm:txFillClrLst meth="repeat">
+      <a:schemeClr val="dk1"/>
+    </dgm:txFillClrLst>
+    <dgm:txEffectClrLst/>
+  </dgm:styleLbl>
+  <dgm:styleLbl name="fgAcc0">
+    <dgm:fillClrLst meth="repeat">
+      <a:schemeClr val="dk1">
+        <a:alpha val="90000"/>
+        <a:tint val="40000"/>
+      </a:schemeClr>
+    </dgm:fillClrLst>
+    <dgm:linClrLst meth="repeat">
+      <a:schemeClr val="dk1"/>
+    </dgm:linClrLst>
+    <dgm:effectClrLst/>
+    <dgm:txLinClrLst/>
+    <dgm:txFillClrLst meth="repeat">
+      <a:schemeClr val="dk1"/>
+    </dgm:txFillClrLst>
+    <dgm:txEffectClrLst/>
+  </dgm:styleLbl>
+  <dgm:styleLbl name="fgAcc2">
+    <dgm:fillClrLst meth="repeat">
+      <a:schemeClr val="dk1">
+        <a:alpha val="90000"/>
+        <a:tint val="40000"/>
+      </a:schemeClr>
+    </dgm:fillClrLst>
+    <dgm:linClrLst meth="repeat">
+      <a:schemeClr val="dk1"/>
+    </dgm:linClrLst>
+    <dgm:effectClrLst/>
+    <dgm:txLinClrLst/>
+    <dgm:txFillClrLst meth="repeat">
+      <a:schemeClr val="dk1"/>
+    </dgm:txFillClrLst>
+    <dgm:txEffectClrLst/>
+  </dgm:styleLbl>
+  <dgm:styleLbl name="fgAcc3">
+    <dgm:fillClrLst meth="repeat">
+      <a:schemeClr val="dk1">
+        <a:alpha val="90000"/>
+        <a:tint val="40000"/>
+      </a:schemeClr>
+    </dgm:fillClrLst>
+    <dgm:linClrLst meth="repeat">
+      <a:schemeClr val="dk1"/>
+    </dgm:linClrLst>
+    <dgm:effectClrLst/>
+    <dgm:txLinClrLst/>
+    <dgm:txFillClrLst meth="repeat">
+      <a:schemeClr val="dk1"/>
+    </dgm:txFillClrLst>
+    <dgm:txEffectClrLst/>
+  </dgm:styleLbl>
+  <dgm:styleLbl name="fgAcc4">
+    <dgm:fillClrLst meth="repeat">
+      <a:schemeClr val="dk1">
+        <a:alpha val="90000"/>
+        <a:tint val="40000"/>
+      </a:schemeClr>
+    </dgm:fillClrLst>
+    <dgm:linClrLst meth="repeat">
+      <a:schemeClr val="dk1"/>
+    </dgm:linClrLst>
+    <dgm:effectClrLst/>
+    <dgm:txLinClrLst/>
+    <dgm:txFillClrLst meth="repeat">
+      <a:schemeClr val="dk1"/>
+    </dgm:txFillClrLst>
+    <dgm:txEffectClrLst/>
+  </dgm:styleLbl>
+  <dgm:styleLbl name="bgShp">
+    <dgm:fillClrLst meth="repeat">
+      <a:schemeClr val="dk1">
+        <a:tint val="40000"/>
+      </a:schemeClr>
+    </dgm:fillClrLst>
+    <dgm:linClrLst meth="repeat">
+      <a:schemeClr val="dk1"/>
+    </dgm:linClrLst>
+    <dgm:effectClrLst/>
+    <dgm:txLinClrLst/>
+    <dgm:txFillClrLst meth="repeat">
+      <a:schemeClr val="dk1"/>
+    </dgm:txFillClrLst>
+    <dgm:txEffectClrLst/>
+  </dgm:styleLbl>
+  <dgm:styleLbl name="dkBgShp">
+    <dgm:fillClrLst meth="repeat">
+      <a:schemeClr val="dk1">
+        <a:shade val="80000"/>
+      </a:schemeClr>
+    </dgm:fillClrLst>
+    <dgm:linClrLst meth="repeat">
+      <a:schemeClr val="dk1"/>
+    </dgm:linClrLst>
+    <dgm:effectClrLst/>
+    <dgm:txLinClrLst/>
+    <dgm:txFillClrLst meth="repeat">
+      <a:schemeClr val="lt1"/>
+    </dgm:txFillClrLst>
+    <dgm:txEffectClrLst/>
+  </dgm:styleLbl>
+  <dgm:styleLbl name="trBgShp">
+    <dgm:fillClrLst meth="repeat">
+      <a:schemeClr val="dk1">
+        <a:tint val="50000"/>
+        <a:alpha val="40000"/>
+      </a:schemeClr>
+    </dgm:fillClrLst>
+    <dgm:linClrLst meth="repeat">
+      <a:schemeClr val="dk1"/>
+    </dgm:linClrLst>
+    <dgm:effectClrLst/>
+    <dgm:txLinClrLst/>
+    <dgm:txFillClrLst meth="repeat">
+      <a:schemeClr val="lt1"/>
+    </dgm:txFillClrLst>
+    <dgm:txEffectClrLst/>
+  </dgm:styleLbl>
+  <dgm:styleLbl name="fgShp">
+    <dgm:fillClrLst meth="repeat">
+      <a:schemeClr val="dk1">
+        <a:tint val="60000"/>
+      </a:schemeClr>
+    </dgm:fillClrLst>
+    <dgm:linClrLst meth="repeat">
+      <a:schemeClr val="lt1"/>
+    </dgm:linClrLst>
+    <dgm:effectClrLst/>
+    <dgm:txLinClrLst/>
+    <dgm:txFillClrLst meth="repeat">
+      <a:schemeClr val="dk1"/>
+    </dgm:txFillClrLst>
+    <dgm:txEffectClrLst/>
+  </dgm:styleLbl>
+  <dgm:styleLbl name="revTx">
+    <dgm:fillClrLst meth="repeat">
+      <a:schemeClr val="lt1">
+        <a:alpha val="0"/>
+      </a:schemeClr>
+    </dgm:fillClrLst>
+    <dgm:linClrLst meth="repeat">
+      <a:schemeClr val="dk1">
+        <a:alpha val="0"/>
+      </a:schemeClr>
+    </dgm:linClrLst>
+    <dgm:effectClrLst/>
+    <dgm:txLinClrLst/>
+    <dgm:txFillClrLst meth="repeat">
+      <a:schemeClr val="tx1"/>
+    </dgm:txFillClrLst>
+    <dgm:txEffectClrLst/>
+  </dgm:styleLbl>
+</dgm:colorsDef>
+</file>
+
+<file path=ppt/diagrams/data1.xml><?xml version="1.0" encoding="utf-8"?>
+<dgm:dataModel xmlns:dgm="http://schemas.openxmlformats.org/drawingml/2006/diagram" xmlns:a="http://schemas.openxmlformats.org/drawingml/2006/main">
+  <dgm:ptLst>
+    <dgm:pt modelId="{2C2E6E7E-59DE-4CBC-9671-F0B4A9F533E9}" type="doc">
+      <dgm:prSet loTypeId="urn:microsoft.com/office/officeart/2005/8/layout/orgChart1" loCatId="hierarchy" qsTypeId="urn:microsoft.com/office/officeart/2005/8/quickstyle/simple1" qsCatId="simple" csTypeId="urn:microsoft.com/office/officeart/2005/8/colors/accent0_1" csCatId="mainScheme" phldr="1"/>
+      <dgm:spPr/>
+      <dgm:t>
+        <a:bodyPr/>
+        <a:lstStyle/>
+        <a:p>
+          <a:endParaRPr lang="ru-RU"/>
+        </a:p>
+      </dgm:t>
+    </dgm:pt>
+    <dgm:pt modelId="{231B2431-E8D5-4B64-B4BF-23A510E1E4BC}">
+      <dgm:prSet phldrT="[Текст]" custT="1"/>
+      <dgm:spPr/>
+      <dgm:t>
+        <a:bodyPr/>
+        <a:lstStyle/>
+        <a:p>
+          <a:r>
+            <a:rPr lang="ru-RU" sz="4000" b="0" dirty="0">
+              <a:solidFill>
+                <a:srgbClr val="BA3F1D"/>
+              </a:solidFill>
+              <a:latin typeface="+mj-lt"/>
+            </a:rPr>
+            <a:t>КНЯЗЬ</a:t>
+          </a:r>
+          <a:endParaRPr lang="ru-RU" sz="3200" b="0" dirty="0">
+            <a:solidFill>
+              <a:srgbClr val="BA3F1D"/>
+            </a:solidFill>
+            <a:latin typeface="+mj-lt"/>
+          </a:endParaRPr>
+        </a:p>
+      </dgm:t>
+    </dgm:pt>
+    <dgm:pt modelId="{DAD87E9D-5EDA-493D-ACEB-37E5ED3F6485}" type="parTrans" cxnId="{FA799D9B-B97A-4BA9-B7FD-C4529FF72193}">
+      <dgm:prSet/>
+      <dgm:spPr/>
+      <dgm:t>
+        <a:bodyPr/>
+        <a:lstStyle/>
+        <a:p>
+          <a:endParaRPr lang="ru-RU"/>
+        </a:p>
+      </dgm:t>
+    </dgm:pt>
+    <dgm:pt modelId="{7930B753-E0B7-47C7-8D55-35B46C32F85E}" type="sibTrans" cxnId="{FA799D9B-B97A-4BA9-B7FD-C4529FF72193}">
+      <dgm:prSet/>
+      <dgm:spPr/>
+      <dgm:t>
+        <a:bodyPr/>
+        <a:lstStyle/>
+        <a:p>
+          <a:endParaRPr lang="ru-RU"/>
+        </a:p>
+      </dgm:t>
+    </dgm:pt>
+    <dgm:pt modelId="{BA3D852A-AFD6-40F6-B842-C246D46348A4}" type="asst">
+      <dgm:prSet phldrT="[Текст]"/>
+      <dgm:spPr/>
+      <dgm:t>
+        <a:bodyPr/>
+        <a:lstStyle/>
+        <a:p>
+          <a:r>
+            <a:rPr lang="ru-RU" b="0" dirty="0" err="1">
+              <a:solidFill>
+                <a:srgbClr val="BA3F1D"/>
+              </a:solidFill>
+              <a:latin typeface="+mj-lt"/>
+            </a:rPr>
+            <a:t>Душнила</a:t>
+          </a:r>
+          <a:endParaRPr lang="ru-RU" b="0" dirty="0">
+            <a:solidFill>
+              <a:srgbClr val="BA3F1D"/>
+            </a:solidFill>
+            <a:latin typeface="+mj-lt"/>
+          </a:endParaRPr>
+        </a:p>
+      </dgm:t>
+    </dgm:pt>
+    <dgm:pt modelId="{B7D27D7E-06C0-4ADA-B570-FD4DDEFB4792}" type="parTrans" cxnId="{6D5F9421-7074-4A91-ADD8-A4E00086DF49}">
+      <dgm:prSet/>
+      <dgm:spPr/>
+      <dgm:t>
+        <a:bodyPr/>
+        <a:lstStyle/>
+        <a:p>
+          <a:endParaRPr lang="ru-RU"/>
+        </a:p>
+      </dgm:t>
+    </dgm:pt>
+    <dgm:pt modelId="{051043A2-9C5A-4FE7-B566-6A9F9287E19F}" type="sibTrans" cxnId="{6D5F9421-7074-4A91-ADD8-A4E00086DF49}">
+      <dgm:prSet/>
+      <dgm:spPr/>
+      <dgm:t>
+        <a:bodyPr/>
+        <a:lstStyle/>
+        <a:p>
+          <a:endParaRPr lang="ru-RU"/>
+        </a:p>
+      </dgm:t>
+    </dgm:pt>
+    <dgm:pt modelId="{38C80281-692B-4E23-99F4-68656E0EB857}">
+      <dgm:prSet phldrT="[Текст]"/>
+      <dgm:spPr/>
+      <dgm:t>
+        <a:bodyPr/>
+        <a:lstStyle/>
+        <a:p>
+          <a:r>
+            <a:rPr lang="ru-RU" b="0" dirty="0">
+              <a:solidFill>
+                <a:srgbClr val="BA3F1D"/>
+              </a:solidFill>
+              <a:latin typeface="+mj-lt"/>
+            </a:rPr>
+            <a:t>Попуск 1</a:t>
+          </a:r>
+        </a:p>
+      </dgm:t>
+    </dgm:pt>
+    <dgm:pt modelId="{5E1FB43F-789E-467F-A3FB-9AC2D39B4580}" type="parTrans" cxnId="{3C4851FB-1BD4-4FFF-8BFE-DA83DE561ED2}">
+      <dgm:prSet/>
+      <dgm:spPr/>
+      <dgm:t>
+        <a:bodyPr/>
+        <a:lstStyle/>
+        <a:p>
+          <a:endParaRPr lang="ru-RU"/>
+        </a:p>
+      </dgm:t>
+    </dgm:pt>
+    <dgm:pt modelId="{75B8B470-58CE-4F09-86CC-56A547555356}" type="sibTrans" cxnId="{3C4851FB-1BD4-4FFF-8BFE-DA83DE561ED2}">
+      <dgm:prSet/>
+      <dgm:spPr/>
+      <dgm:t>
+        <a:bodyPr/>
+        <a:lstStyle/>
+        <a:p>
+          <a:endParaRPr lang="ru-RU"/>
+        </a:p>
+      </dgm:t>
+    </dgm:pt>
+    <dgm:pt modelId="{A7A807C6-68EE-4FE2-A4F6-34549D112E9A}">
+      <dgm:prSet phldrT="[Текст]"/>
+      <dgm:spPr/>
+      <dgm:t>
+        <a:bodyPr/>
+        <a:lstStyle/>
+        <a:p>
+          <a:r>
+            <a:rPr lang="ru-RU" b="0" dirty="0">
+              <a:solidFill>
+                <a:srgbClr val="BA3F1D"/>
+              </a:solidFill>
+              <a:latin typeface="+mj-lt"/>
+            </a:rPr>
+            <a:t>Попуск 2</a:t>
+          </a:r>
+        </a:p>
+      </dgm:t>
+    </dgm:pt>
+    <dgm:pt modelId="{1AC8A890-58B9-4D7C-BE01-FED087D8D7F5}" type="parTrans" cxnId="{AACAA08F-1901-4CEF-BBF8-6875952B1B76}">
+      <dgm:prSet/>
+      <dgm:spPr/>
+      <dgm:t>
+        <a:bodyPr/>
+        <a:lstStyle/>
+        <a:p>
+          <a:endParaRPr lang="ru-RU"/>
+        </a:p>
+      </dgm:t>
+    </dgm:pt>
+    <dgm:pt modelId="{985C5057-758D-4D47-8A67-2EF3F7DBE2E9}" type="sibTrans" cxnId="{AACAA08F-1901-4CEF-BBF8-6875952B1B76}">
+      <dgm:prSet/>
+      <dgm:spPr/>
+      <dgm:t>
+        <a:bodyPr/>
+        <a:lstStyle/>
+        <a:p>
+          <a:endParaRPr lang="ru-RU"/>
+        </a:p>
+      </dgm:t>
+    </dgm:pt>
+    <dgm:pt modelId="{3B4FA202-8AD1-4549-B862-C0A318CE125A}">
+      <dgm:prSet phldrT="[Текст]"/>
+      <dgm:spPr/>
+      <dgm:t>
+        <a:bodyPr/>
+        <a:lstStyle/>
+        <a:p>
+          <a:r>
+            <a:rPr lang="ru-RU" b="0" dirty="0">
+              <a:solidFill>
+                <a:srgbClr val="BA3F1D"/>
+              </a:solidFill>
+              <a:latin typeface="+mj-lt"/>
+            </a:rPr>
+            <a:t>Попуск 3</a:t>
+          </a:r>
+        </a:p>
+      </dgm:t>
+    </dgm:pt>
+    <dgm:pt modelId="{D1C4B81E-C5D5-4676-AA2C-BDFF4AA2EBFE}" type="parTrans" cxnId="{1563D3DF-9870-4672-8B24-283B887DA6EC}">
+      <dgm:prSet/>
+      <dgm:spPr/>
+      <dgm:t>
+        <a:bodyPr/>
+        <a:lstStyle/>
+        <a:p>
+          <a:endParaRPr lang="ru-RU"/>
+        </a:p>
+      </dgm:t>
+    </dgm:pt>
+    <dgm:pt modelId="{C82A07DF-2EF1-4879-B556-E56A7C65289E}" type="sibTrans" cxnId="{1563D3DF-9870-4672-8B24-283B887DA6EC}">
+      <dgm:prSet/>
+      <dgm:spPr/>
+      <dgm:t>
+        <a:bodyPr/>
+        <a:lstStyle/>
+        <a:p>
+          <a:endParaRPr lang="ru-RU"/>
+        </a:p>
+      </dgm:t>
+    </dgm:pt>
+    <dgm:pt modelId="{D9F39011-A2B8-4C53-8FEC-93D9FBB532E5}" type="pres">
+      <dgm:prSet presAssocID="{2C2E6E7E-59DE-4CBC-9671-F0B4A9F533E9}" presName="hierChild1" presStyleCnt="0">
+        <dgm:presLayoutVars>
+          <dgm:orgChart val="1"/>
+          <dgm:chPref val="1"/>
+          <dgm:dir/>
+          <dgm:animOne val="branch"/>
+          <dgm:animLvl val="lvl"/>
+          <dgm:resizeHandles/>
+        </dgm:presLayoutVars>
+      </dgm:prSet>
+      <dgm:spPr/>
+    </dgm:pt>
+    <dgm:pt modelId="{8C61891F-92F8-4DEA-94BC-83610B1D35BA}" type="pres">
+      <dgm:prSet presAssocID="{231B2431-E8D5-4B64-B4BF-23A510E1E4BC}" presName="hierRoot1" presStyleCnt="0">
+        <dgm:presLayoutVars>
+          <dgm:hierBranch val="init"/>
+        </dgm:presLayoutVars>
+      </dgm:prSet>
+      <dgm:spPr/>
+    </dgm:pt>
+    <dgm:pt modelId="{C6892689-BCA6-42E1-BF8A-1BA408A8EE7E}" type="pres">
+      <dgm:prSet presAssocID="{231B2431-E8D5-4B64-B4BF-23A510E1E4BC}" presName="rootComposite1" presStyleCnt="0"/>
+      <dgm:spPr/>
+    </dgm:pt>
+    <dgm:pt modelId="{8F80016C-ED14-4860-985F-D93BAC1FBD1C}" type="pres">
+      <dgm:prSet presAssocID="{231B2431-E8D5-4B64-B4BF-23A510E1E4BC}" presName="rootText1" presStyleLbl="node0" presStyleIdx="0" presStyleCnt="1" custScaleX="132225" custScaleY="139317">
+        <dgm:presLayoutVars>
+          <dgm:chPref val="3"/>
+        </dgm:presLayoutVars>
+      </dgm:prSet>
+      <dgm:spPr/>
+    </dgm:pt>
+    <dgm:pt modelId="{855E046C-8E40-4DD4-9215-F448DC39374A}" type="pres">
+      <dgm:prSet presAssocID="{231B2431-E8D5-4B64-B4BF-23A510E1E4BC}" presName="rootConnector1" presStyleLbl="node1" presStyleIdx="0" presStyleCnt="0"/>
+      <dgm:spPr/>
+    </dgm:pt>
+    <dgm:pt modelId="{01B9F148-3434-44B1-B234-0F6AE5E410A6}" type="pres">
+      <dgm:prSet presAssocID="{231B2431-E8D5-4B64-B4BF-23A510E1E4BC}" presName="hierChild2" presStyleCnt="0"/>
+      <dgm:spPr/>
+    </dgm:pt>
+    <dgm:pt modelId="{F63A2F58-1367-4FB9-BEBE-5FC161071367}" type="pres">
+      <dgm:prSet presAssocID="{5E1FB43F-789E-467F-A3FB-9AC2D39B4580}" presName="Name37" presStyleLbl="parChTrans1D2" presStyleIdx="0" presStyleCnt="4" custSzX="2654247" custSzY="2163310"/>
+      <dgm:spPr/>
+    </dgm:pt>
+    <dgm:pt modelId="{D3E93F6A-1180-4D51-A33E-076DC583EB92}" type="pres">
+      <dgm:prSet presAssocID="{38C80281-692B-4E23-99F4-68656E0EB857}" presName="hierRoot2" presStyleCnt="0">
+        <dgm:presLayoutVars>
+          <dgm:hierBranch val="init"/>
+        </dgm:presLayoutVars>
+      </dgm:prSet>
+      <dgm:spPr/>
+    </dgm:pt>
+    <dgm:pt modelId="{696A70D2-B1B1-45D1-8E39-E6FCBAF0C502}" type="pres">
+      <dgm:prSet presAssocID="{38C80281-692B-4E23-99F4-68656E0EB857}" presName="rootComposite" presStyleCnt="0"/>
+      <dgm:spPr/>
+    </dgm:pt>
+    <dgm:pt modelId="{66BE21EE-0A65-416F-8CC0-C5643707F501}" type="pres">
+      <dgm:prSet presAssocID="{38C80281-692B-4E23-99F4-68656E0EB857}" presName="rootText" presStyleLbl="node2" presStyleIdx="0" presStyleCnt="3" custScaleX="110568" custScaleY="118524">
+        <dgm:presLayoutVars>
+          <dgm:chPref val="3"/>
+        </dgm:presLayoutVars>
+      </dgm:prSet>
+      <dgm:spPr/>
+    </dgm:pt>
+    <dgm:pt modelId="{9F0F7819-1559-4508-BC9E-AA5861E0C8BF}" type="pres">
+      <dgm:prSet presAssocID="{38C80281-692B-4E23-99F4-68656E0EB857}" presName="rootConnector" presStyleLbl="node2" presStyleIdx="0" presStyleCnt="3"/>
+      <dgm:spPr/>
+    </dgm:pt>
+    <dgm:pt modelId="{A390EB1F-D25E-4F87-819E-80C37EE7A774}" type="pres">
+      <dgm:prSet presAssocID="{38C80281-692B-4E23-99F4-68656E0EB857}" presName="hierChild4" presStyleCnt="0"/>
+      <dgm:spPr/>
+    </dgm:pt>
+    <dgm:pt modelId="{EDBB88FB-0B0A-4980-9D41-3B28CBFB8208}" type="pres">
+      <dgm:prSet presAssocID="{38C80281-692B-4E23-99F4-68656E0EB857}" presName="hierChild5" presStyleCnt="0"/>
+      <dgm:spPr/>
+    </dgm:pt>
+    <dgm:pt modelId="{AF16D4BA-2E7F-47C0-A85B-AB0B21346122}" type="pres">
+      <dgm:prSet presAssocID="{1AC8A890-58B9-4D7C-BE01-FED087D8D7F5}" presName="Name37" presStyleLbl="parChTrans1D2" presStyleIdx="1" presStyleCnt="4" custSzX="101103" custSzY="2163310"/>
+      <dgm:spPr/>
+    </dgm:pt>
+    <dgm:pt modelId="{C161F817-2133-4844-A451-691AB60C66C3}" type="pres">
+      <dgm:prSet presAssocID="{A7A807C6-68EE-4FE2-A4F6-34549D112E9A}" presName="hierRoot2" presStyleCnt="0">
+        <dgm:presLayoutVars>
+          <dgm:hierBranch val="init"/>
+        </dgm:presLayoutVars>
+      </dgm:prSet>
+      <dgm:spPr/>
+    </dgm:pt>
+    <dgm:pt modelId="{1A71B5B1-6028-4F78-95C1-612BD0A652E0}" type="pres">
+      <dgm:prSet presAssocID="{A7A807C6-68EE-4FE2-A4F6-34549D112E9A}" presName="rootComposite" presStyleCnt="0"/>
+      <dgm:spPr/>
+    </dgm:pt>
+    <dgm:pt modelId="{67E233DD-B192-43E4-A127-66C74DC70E08}" type="pres">
+      <dgm:prSet presAssocID="{A7A807C6-68EE-4FE2-A4F6-34549D112E9A}" presName="rootText" presStyleLbl="node2" presStyleIdx="1" presStyleCnt="3" custScaleX="110568" custScaleY="118524" custLinFactNeighborX="2561">
+        <dgm:presLayoutVars>
+          <dgm:chPref val="3"/>
+        </dgm:presLayoutVars>
+      </dgm:prSet>
+      <dgm:spPr/>
+    </dgm:pt>
+    <dgm:pt modelId="{D3DA22C1-0F50-49B8-A0B8-2B6C2FA2DAAF}" type="pres">
+      <dgm:prSet presAssocID="{A7A807C6-68EE-4FE2-A4F6-34549D112E9A}" presName="rootConnector" presStyleLbl="node2" presStyleIdx="1" presStyleCnt="3"/>
+      <dgm:spPr/>
+    </dgm:pt>
+    <dgm:pt modelId="{E6A38518-F7F7-40CB-B98C-7A174040FB0A}" type="pres">
+      <dgm:prSet presAssocID="{A7A807C6-68EE-4FE2-A4F6-34549D112E9A}" presName="hierChild4" presStyleCnt="0"/>
+      <dgm:spPr/>
+    </dgm:pt>
+    <dgm:pt modelId="{1F91E9E3-2DAD-46F8-AA36-C5AA9CD5F20D}" type="pres">
+      <dgm:prSet presAssocID="{A7A807C6-68EE-4FE2-A4F6-34549D112E9A}" presName="hierChild5" presStyleCnt="0"/>
+      <dgm:spPr/>
+    </dgm:pt>
+    <dgm:pt modelId="{D590EA69-A7F3-49D9-A4FE-562B2F592BA9}" type="pres">
+      <dgm:prSet presAssocID="{D1C4B81E-C5D5-4676-AA2C-BDFF4AA2EBFE}" presName="Name37" presStyleLbl="parChTrans1D2" presStyleIdx="2" presStyleCnt="4" custSzX="2654751" custSzY="2175350"/>
+      <dgm:spPr/>
+    </dgm:pt>
+    <dgm:pt modelId="{88315CCF-CE9B-4E87-AB43-FF6AAB8E45D9}" type="pres">
+      <dgm:prSet presAssocID="{3B4FA202-8AD1-4549-B862-C0A318CE125A}" presName="hierRoot2" presStyleCnt="0">
+        <dgm:presLayoutVars>
+          <dgm:hierBranch val="init"/>
+        </dgm:presLayoutVars>
+      </dgm:prSet>
+      <dgm:spPr/>
+    </dgm:pt>
+    <dgm:pt modelId="{832919C0-6CB5-4616-AC57-A228A4384F44}" type="pres">
+      <dgm:prSet presAssocID="{3B4FA202-8AD1-4549-B862-C0A318CE125A}" presName="rootComposite" presStyleCnt="0"/>
+      <dgm:spPr/>
+    </dgm:pt>
+    <dgm:pt modelId="{13586F39-EADF-4356-BE14-83FB797F359A}" type="pres">
+      <dgm:prSet presAssocID="{3B4FA202-8AD1-4549-B862-C0A318CE125A}" presName="rootText" presStyleLbl="node2" presStyleIdx="2" presStyleCnt="3" custScaleX="110568" custScaleY="118524" custLinFactNeighborX="1129" custLinFactNeighborY="1024">
+        <dgm:presLayoutVars>
+          <dgm:chPref val="3"/>
+        </dgm:presLayoutVars>
+      </dgm:prSet>
+      <dgm:spPr/>
+    </dgm:pt>
+    <dgm:pt modelId="{225FC5ED-BE7A-41BB-9E6A-304165C266DB}" type="pres">
+      <dgm:prSet presAssocID="{3B4FA202-8AD1-4549-B862-C0A318CE125A}" presName="rootConnector" presStyleLbl="node2" presStyleIdx="2" presStyleCnt="3"/>
+      <dgm:spPr/>
+    </dgm:pt>
+    <dgm:pt modelId="{B547C664-A2C2-47EB-A23F-8034BD1CDAE3}" type="pres">
+      <dgm:prSet presAssocID="{3B4FA202-8AD1-4549-B862-C0A318CE125A}" presName="hierChild4" presStyleCnt="0"/>
+      <dgm:spPr/>
+    </dgm:pt>
+    <dgm:pt modelId="{B138D536-0D43-4463-AC13-7824CE5376FE}" type="pres">
+      <dgm:prSet presAssocID="{3B4FA202-8AD1-4549-B862-C0A318CE125A}" presName="hierChild5" presStyleCnt="0"/>
+      <dgm:spPr/>
+    </dgm:pt>
+    <dgm:pt modelId="{8374EF59-76AB-4819-A517-20606F22AF09}" type="pres">
+      <dgm:prSet presAssocID="{231B2431-E8D5-4B64-B4BF-23A510E1E4BC}" presName="hierChild3" presStyleCnt="0"/>
+      <dgm:spPr/>
+    </dgm:pt>
+    <dgm:pt modelId="{0230332D-2760-4668-8D5D-10FB09EF65B6}" type="pres">
+      <dgm:prSet presAssocID="{B7D27D7E-06C0-4ADA-B570-FD4DDEFB4792}" presName="Name111" presStyleLbl="parChTrans1D2" presStyleIdx="3" presStyleCnt="4" custSzX="230327" custSzY="1081655"/>
+      <dgm:spPr/>
+    </dgm:pt>
+    <dgm:pt modelId="{2C3BAA2D-CD06-4698-9A44-41F2D005D1F9}" type="pres">
+      <dgm:prSet presAssocID="{BA3D852A-AFD6-40F6-B842-C246D46348A4}" presName="hierRoot3" presStyleCnt="0">
+        <dgm:presLayoutVars>
+          <dgm:hierBranch val="init"/>
+        </dgm:presLayoutVars>
+      </dgm:prSet>
+      <dgm:spPr/>
+    </dgm:pt>
+    <dgm:pt modelId="{04BDA49B-7B13-4A34-93F5-CA27C69F65FD}" type="pres">
+      <dgm:prSet presAssocID="{BA3D852A-AFD6-40F6-B842-C246D46348A4}" presName="rootComposite3" presStyleCnt="0"/>
+      <dgm:spPr/>
+    </dgm:pt>
+    <dgm:pt modelId="{178A34CD-CAFF-46C7-B9FE-CD869124A6CA}" type="pres">
+      <dgm:prSet presAssocID="{BA3D852A-AFD6-40F6-B842-C246D46348A4}" presName="rootText3" presStyleLbl="asst1" presStyleIdx="0" presStyleCnt="1" custScaleX="110568" custScaleY="118524">
+        <dgm:presLayoutVars>
+          <dgm:chPref val="3"/>
+        </dgm:presLayoutVars>
+      </dgm:prSet>
+      <dgm:spPr/>
+    </dgm:pt>
+    <dgm:pt modelId="{38EB590E-3BDC-4435-AF2B-2116F7E17D19}" type="pres">
+      <dgm:prSet presAssocID="{BA3D852A-AFD6-40F6-B842-C246D46348A4}" presName="rootConnector3" presStyleLbl="asst1" presStyleIdx="0" presStyleCnt="1"/>
+      <dgm:spPr/>
+    </dgm:pt>
+    <dgm:pt modelId="{B2958713-492A-4A7A-8A94-9ABC41CD318B}" type="pres">
+      <dgm:prSet presAssocID="{BA3D852A-AFD6-40F6-B842-C246D46348A4}" presName="hierChild6" presStyleCnt="0"/>
+      <dgm:spPr/>
+    </dgm:pt>
+    <dgm:pt modelId="{A04D1454-D566-44E9-855B-AB3CE542FA56}" type="pres">
+      <dgm:prSet presAssocID="{BA3D852A-AFD6-40F6-B842-C246D46348A4}" presName="hierChild7" presStyleCnt="0"/>
+      <dgm:spPr/>
+    </dgm:pt>
+  </dgm:ptLst>
+  <dgm:cxnLst>
+    <dgm:cxn modelId="{212D5A01-C00F-4B48-822F-BF69E01EB904}" type="presOf" srcId="{3B4FA202-8AD1-4549-B862-C0A318CE125A}" destId="{225FC5ED-BE7A-41BB-9E6A-304165C266DB}" srcOrd="1" destOrd="0" presId="urn:microsoft.com/office/officeart/2005/8/layout/orgChart1"/>
+    <dgm:cxn modelId="{68867007-51AC-47AF-9887-5C90662DB581}" type="presOf" srcId="{38C80281-692B-4E23-99F4-68656E0EB857}" destId="{66BE21EE-0A65-416F-8CC0-C5643707F501}" srcOrd="0" destOrd="0" presId="urn:microsoft.com/office/officeart/2005/8/layout/orgChart1"/>
+    <dgm:cxn modelId="{B56FED0F-3AB1-4A47-B25F-6C1EAD671EA9}" type="presOf" srcId="{2C2E6E7E-59DE-4CBC-9671-F0B4A9F533E9}" destId="{D9F39011-A2B8-4C53-8FEC-93D9FBB532E5}" srcOrd="0" destOrd="0" presId="urn:microsoft.com/office/officeart/2005/8/layout/orgChart1"/>
+    <dgm:cxn modelId="{6D5F9421-7074-4A91-ADD8-A4E00086DF49}" srcId="{231B2431-E8D5-4B64-B4BF-23A510E1E4BC}" destId="{BA3D852A-AFD6-40F6-B842-C246D46348A4}" srcOrd="0" destOrd="0" parTransId="{B7D27D7E-06C0-4ADA-B570-FD4DDEFB4792}" sibTransId="{051043A2-9C5A-4FE7-B566-6A9F9287E19F}"/>
+    <dgm:cxn modelId="{0CC58D32-01B5-4631-9737-A1527F7D0667}" type="presOf" srcId="{3B4FA202-8AD1-4549-B862-C0A318CE125A}" destId="{13586F39-EADF-4356-BE14-83FB797F359A}" srcOrd="0" destOrd="0" presId="urn:microsoft.com/office/officeart/2005/8/layout/orgChart1"/>
+    <dgm:cxn modelId="{B282F537-EAAA-4BA6-9448-73021A1E0579}" type="presOf" srcId="{1AC8A890-58B9-4D7C-BE01-FED087D8D7F5}" destId="{AF16D4BA-2E7F-47C0-A85B-AB0B21346122}" srcOrd="0" destOrd="0" presId="urn:microsoft.com/office/officeart/2005/8/layout/orgChart1"/>
+    <dgm:cxn modelId="{A87E8B4E-0C56-418E-8DF2-6064DFEC4E67}" type="presOf" srcId="{BA3D852A-AFD6-40F6-B842-C246D46348A4}" destId="{38EB590E-3BDC-4435-AF2B-2116F7E17D19}" srcOrd="1" destOrd="0" presId="urn:microsoft.com/office/officeart/2005/8/layout/orgChart1"/>
+    <dgm:cxn modelId="{159AF774-4147-4A41-9FD8-4C3F833CE385}" type="presOf" srcId="{B7D27D7E-06C0-4ADA-B570-FD4DDEFB4792}" destId="{0230332D-2760-4668-8D5D-10FB09EF65B6}" srcOrd="0" destOrd="0" presId="urn:microsoft.com/office/officeart/2005/8/layout/orgChart1"/>
+    <dgm:cxn modelId="{E402BA7A-A027-4059-80BF-003C42A60F01}" type="presOf" srcId="{5E1FB43F-789E-467F-A3FB-9AC2D39B4580}" destId="{F63A2F58-1367-4FB9-BEBE-5FC161071367}" srcOrd="0" destOrd="0" presId="urn:microsoft.com/office/officeart/2005/8/layout/orgChart1"/>
+    <dgm:cxn modelId="{AACAA08F-1901-4CEF-BBF8-6875952B1B76}" srcId="{231B2431-E8D5-4B64-B4BF-23A510E1E4BC}" destId="{A7A807C6-68EE-4FE2-A4F6-34549D112E9A}" srcOrd="2" destOrd="0" parTransId="{1AC8A890-58B9-4D7C-BE01-FED087D8D7F5}" sibTransId="{985C5057-758D-4D47-8A67-2EF3F7DBE2E9}"/>
+    <dgm:cxn modelId="{FA799D9B-B97A-4BA9-B7FD-C4529FF72193}" srcId="{2C2E6E7E-59DE-4CBC-9671-F0B4A9F533E9}" destId="{231B2431-E8D5-4B64-B4BF-23A510E1E4BC}" srcOrd="0" destOrd="0" parTransId="{DAD87E9D-5EDA-493D-ACEB-37E5ED3F6485}" sibTransId="{7930B753-E0B7-47C7-8D55-35B46C32F85E}"/>
+    <dgm:cxn modelId="{EA0202A6-1F3D-4F46-9EFB-56D9DA87EF22}" type="presOf" srcId="{38C80281-692B-4E23-99F4-68656E0EB857}" destId="{9F0F7819-1559-4508-BC9E-AA5861E0C8BF}" srcOrd="1" destOrd="0" presId="urn:microsoft.com/office/officeart/2005/8/layout/orgChart1"/>
+    <dgm:cxn modelId="{98DEB0A7-EBE9-44BD-8D73-F119E4448AA4}" type="presOf" srcId="{A7A807C6-68EE-4FE2-A4F6-34549D112E9A}" destId="{D3DA22C1-0F50-49B8-A0B8-2B6C2FA2DAAF}" srcOrd="1" destOrd="0" presId="urn:microsoft.com/office/officeart/2005/8/layout/orgChart1"/>
+    <dgm:cxn modelId="{4545AAB4-85AE-46A8-92E3-2F307A26440B}" type="presOf" srcId="{D1C4B81E-C5D5-4676-AA2C-BDFF4AA2EBFE}" destId="{D590EA69-A7F3-49D9-A4FE-562B2F592BA9}" srcOrd="0" destOrd="0" presId="urn:microsoft.com/office/officeart/2005/8/layout/orgChart1"/>
+    <dgm:cxn modelId="{C58DDFC1-D1E8-4BCC-B880-FDF3B8093187}" type="presOf" srcId="{A7A807C6-68EE-4FE2-A4F6-34549D112E9A}" destId="{67E233DD-B192-43E4-A127-66C74DC70E08}" srcOrd="0" destOrd="0" presId="urn:microsoft.com/office/officeart/2005/8/layout/orgChart1"/>
+    <dgm:cxn modelId="{760632D4-BA1A-480F-9F7A-D91CFBC2B800}" type="presOf" srcId="{231B2431-E8D5-4B64-B4BF-23A510E1E4BC}" destId="{855E046C-8E40-4DD4-9215-F448DC39374A}" srcOrd="1" destOrd="0" presId="urn:microsoft.com/office/officeart/2005/8/layout/orgChart1"/>
+    <dgm:cxn modelId="{0FB76DD7-EC6E-4270-9144-745E3642F69A}" type="presOf" srcId="{BA3D852A-AFD6-40F6-B842-C246D46348A4}" destId="{178A34CD-CAFF-46C7-B9FE-CD869124A6CA}" srcOrd="0" destOrd="0" presId="urn:microsoft.com/office/officeart/2005/8/layout/orgChart1"/>
+    <dgm:cxn modelId="{1563D3DF-9870-4672-8B24-283B887DA6EC}" srcId="{231B2431-E8D5-4B64-B4BF-23A510E1E4BC}" destId="{3B4FA202-8AD1-4549-B862-C0A318CE125A}" srcOrd="3" destOrd="0" parTransId="{D1C4B81E-C5D5-4676-AA2C-BDFF4AA2EBFE}" sibTransId="{C82A07DF-2EF1-4879-B556-E56A7C65289E}"/>
+    <dgm:cxn modelId="{9FDFB1F5-8CB2-44A8-8B5A-EC89DDCD6B22}" type="presOf" srcId="{231B2431-E8D5-4B64-B4BF-23A510E1E4BC}" destId="{8F80016C-ED14-4860-985F-D93BAC1FBD1C}" srcOrd="0" destOrd="0" presId="urn:microsoft.com/office/officeart/2005/8/layout/orgChart1"/>
+    <dgm:cxn modelId="{3C4851FB-1BD4-4FFF-8BFE-DA83DE561ED2}" srcId="{231B2431-E8D5-4B64-B4BF-23A510E1E4BC}" destId="{38C80281-692B-4E23-99F4-68656E0EB857}" srcOrd="1" destOrd="0" parTransId="{5E1FB43F-789E-467F-A3FB-9AC2D39B4580}" sibTransId="{75B8B470-58CE-4F09-86CC-56A547555356}"/>
+    <dgm:cxn modelId="{54B2FE0E-3EB4-4F49-8470-B0BF142A0ECB}" type="presParOf" srcId="{D9F39011-A2B8-4C53-8FEC-93D9FBB532E5}" destId="{8C61891F-92F8-4DEA-94BC-83610B1D35BA}" srcOrd="0" destOrd="0" presId="urn:microsoft.com/office/officeart/2005/8/layout/orgChart1"/>
+    <dgm:cxn modelId="{5CF91BCE-D7C8-4B6E-BABE-569C426E4D10}" type="presParOf" srcId="{8C61891F-92F8-4DEA-94BC-83610B1D35BA}" destId="{C6892689-BCA6-42E1-BF8A-1BA408A8EE7E}" srcOrd="0" destOrd="0" presId="urn:microsoft.com/office/officeart/2005/8/layout/orgChart1"/>
+    <dgm:cxn modelId="{7F8D2ACF-1B18-470B-8A50-9F968974451E}" type="presParOf" srcId="{C6892689-BCA6-42E1-BF8A-1BA408A8EE7E}" destId="{8F80016C-ED14-4860-985F-D93BAC1FBD1C}" srcOrd="0" destOrd="0" presId="urn:microsoft.com/office/officeart/2005/8/layout/orgChart1"/>
+    <dgm:cxn modelId="{8EA189B0-EA92-4668-B1A8-FBAB7A2A4374}" type="presParOf" srcId="{C6892689-BCA6-42E1-BF8A-1BA408A8EE7E}" destId="{855E046C-8E40-4DD4-9215-F448DC39374A}" srcOrd="1" destOrd="0" presId="urn:microsoft.com/office/officeart/2005/8/layout/orgChart1"/>
+    <dgm:cxn modelId="{01091F6B-477E-4142-96D4-F9F68D38CD7F}" type="presParOf" srcId="{8C61891F-92F8-4DEA-94BC-83610B1D35BA}" destId="{01B9F148-3434-44B1-B234-0F6AE5E410A6}" srcOrd="1" destOrd="0" presId="urn:microsoft.com/office/officeart/2005/8/layout/orgChart1"/>
+    <dgm:cxn modelId="{4627D68C-4489-466A-B146-EEA2837BEEA3}" type="presParOf" srcId="{01B9F148-3434-44B1-B234-0F6AE5E410A6}" destId="{F63A2F58-1367-4FB9-BEBE-5FC161071367}" srcOrd="0" destOrd="0" presId="urn:microsoft.com/office/officeart/2005/8/layout/orgChart1"/>
+    <dgm:cxn modelId="{2A9CF149-2FD4-4E3F-8D1D-F2ADC6B5F2D1}" type="presParOf" srcId="{01B9F148-3434-44B1-B234-0F6AE5E410A6}" destId="{D3E93F6A-1180-4D51-A33E-076DC583EB92}" srcOrd="1" destOrd="0" presId="urn:microsoft.com/office/officeart/2005/8/layout/orgChart1"/>
+    <dgm:cxn modelId="{DD2356D5-3B18-4B52-A732-73917A9D9F1E}" type="presParOf" srcId="{D3E93F6A-1180-4D51-A33E-076DC583EB92}" destId="{696A70D2-B1B1-45D1-8E39-E6FCBAF0C502}" srcOrd="0" destOrd="0" presId="urn:microsoft.com/office/officeart/2005/8/layout/orgChart1"/>
+    <dgm:cxn modelId="{A2EAF7BD-24AC-44D8-A45A-2B1CC71EC2AB}" type="presParOf" srcId="{696A70D2-B1B1-45D1-8E39-E6FCBAF0C502}" destId="{66BE21EE-0A65-416F-8CC0-C5643707F501}" srcOrd="0" destOrd="0" presId="urn:microsoft.com/office/officeart/2005/8/layout/orgChart1"/>
+    <dgm:cxn modelId="{7A423804-7DB8-4791-AFB4-961BEAEB076C}" type="presParOf" srcId="{696A70D2-B1B1-45D1-8E39-E6FCBAF0C502}" destId="{9F0F7819-1559-4508-BC9E-AA5861E0C8BF}" srcOrd="1" destOrd="0" presId="urn:microsoft.com/office/officeart/2005/8/layout/orgChart1"/>
+    <dgm:cxn modelId="{EE32186D-18DB-4DE1-AE57-9C8FFE8502BF}" type="presParOf" srcId="{D3E93F6A-1180-4D51-A33E-076DC583EB92}" destId="{A390EB1F-D25E-4F87-819E-80C37EE7A774}" srcOrd="1" destOrd="0" presId="urn:microsoft.com/office/officeart/2005/8/layout/orgChart1"/>
+    <dgm:cxn modelId="{03AFD74B-EAB5-4D8F-88AD-E0E74D22B25F}" type="presParOf" srcId="{D3E93F6A-1180-4D51-A33E-076DC583EB92}" destId="{EDBB88FB-0B0A-4980-9D41-3B28CBFB8208}" srcOrd="2" destOrd="0" presId="urn:microsoft.com/office/officeart/2005/8/layout/orgChart1"/>
+    <dgm:cxn modelId="{FA870378-6A93-405A-8C41-2A6E0F8079DE}" type="presParOf" srcId="{01B9F148-3434-44B1-B234-0F6AE5E410A6}" destId="{AF16D4BA-2E7F-47C0-A85B-AB0B21346122}" srcOrd="2" destOrd="0" presId="urn:microsoft.com/office/officeart/2005/8/layout/orgChart1"/>
+    <dgm:cxn modelId="{C5C28BEB-FD1E-430F-ACF2-193D54B59F01}" type="presParOf" srcId="{01B9F148-3434-44B1-B234-0F6AE5E410A6}" destId="{C161F817-2133-4844-A451-691AB60C66C3}" srcOrd="3" destOrd="0" presId="urn:microsoft.com/office/officeart/2005/8/layout/orgChart1"/>
+    <dgm:cxn modelId="{BB21A27A-A88F-40A2-81C7-D133DA63858D}" type="presParOf" srcId="{C161F817-2133-4844-A451-691AB60C66C3}" destId="{1A71B5B1-6028-4F78-95C1-612BD0A652E0}" srcOrd="0" destOrd="0" presId="urn:microsoft.com/office/officeart/2005/8/layout/orgChart1"/>
+    <dgm:cxn modelId="{32B6326B-6BF3-47DF-86FB-BC556B055C7D}" type="presParOf" srcId="{1A71B5B1-6028-4F78-95C1-612BD0A652E0}" destId="{67E233DD-B192-43E4-A127-66C74DC70E08}" srcOrd="0" destOrd="0" presId="urn:microsoft.com/office/officeart/2005/8/layout/orgChart1"/>
+    <dgm:cxn modelId="{28E3DE86-A755-4A06-B0BE-BB0B1B101F9A}" type="presParOf" srcId="{1A71B5B1-6028-4F78-95C1-612BD0A652E0}" destId="{D3DA22C1-0F50-49B8-A0B8-2B6C2FA2DAAF}" srcOrd="1" destOrd="0" presId="urn:microsoft.com/office/officeart/2005/8/layout/orgChart1"/>
+    <dgm:cxn modelId="{41CBEE84-0E43-4F76-AB01-6DD6E77F84C7}" type="presParOf" srcId="{C161F817-2133-4844-A451-691AB60C66C3}" destId="{E6A38518-F7F7-40CB-B98C-7A174040FB0A}" srcOrd="1" destOrd="0" presId="urn:microsoft.com/office/officeart/2005/8/layout/orgChart1"/>
+    <dgm:cxn modelId="{6D757AA9-C51D-437F-AD59-B10F4BC398BD}" type="presParOf" srcId="{C161F817-2133-4844-A451-691AB60C66C3}" destId="{1F91E9E3-2DAD-46F8-AA36-C5AA9CD5F20D}" srcOrd="2" destOrd="0" presId="urn:microsoft.com/office/officeart/2005/8/layout/orgChart1"/>
+    <dgm:cxn modelId="{73EC595E-73C4-4E36-8996-E241051B4E65}" type="presParOf" srcId="{01B9F148-3434-44B1-B234-0F6AE5E410A6}" destId="{D590EA69-A7F3-49D9-A4FE-562B2F592BA9}" srcOrd="4" destOrd="0" presId="urn:microsoft.com/office/officeart/2005/8/layout/orgChart1"/>
+    <dgm:cxn modelId="{9AB43C19-0A42-45E0-A9AE-728D03C6C500}" type="presParOf" srcId="{01B9F148-3434-44B1-B234-0F6AE5E410A6}" destId="{88315CCF-CE9B-4E87-AB43-FF6AAB8E45D9}" srcOrd="5" destOrd="0" presId="urn:microsoft.com/office/officeart/2005/8/layout/orgChart1"/>
+    <dgm:cxn modelId="{7B2F102C-ED6F-469C-9D20-C9735E745FD4}" type="presParOf" srcId="{88315CCF-CE9B-4E87-AB43-FF6AAB8E45D9}" destId="{832919C0-6CB5-4616-AC57-A228A4384F44}" srcOrd="0" destOrd="0" presId="urn:microsoft.com/office/officeart/2005/8/layout/orgChart1"/>
+    <dgm:cxn modelId="{1CA162AB-715E-4BBE-A01F-759DEB270211}" type="presParOf" srcId="{832919C0-6CB5-4616-AC57-A228A4384F44}" destId="{13586F39-EADF-4356-BE14-83FB797F359A}" srcOrd="0" destOrd="0" presId="urn:microsoft.com/office/officeart/2005/8/layout/orgChart1"/>
+    <dgm:cxn modelId="{015EEFFC-4F7D-4756-A6EE-E49FDAAE9923}" type="presParOf" srcId="{832919C0-6CB5-4616-AC57-A228A4384F44}" destId="{225FC5ED-BE7A-41BB-9E6A-304165C266DB}" srcOrd="1" destOrd="0" presId="urn:microsoft.com/office/officeart/2005/8/layout/orgChart1"/>
+    <dgm:cxn modelId="{1D21B898-900A-4CB8-8778-F1DE4481B737}" type="presParOf" srcId="{88315CCF-CE9B-4E87-AB43-FF6AAB8E45D9}" destId="{B547C664-A2C2-47EB-A23F-8034BD1CDAE3}" srcOrd="1" destOrd="0" presId="urn:microsoft.com/office/officeart/2005/8/layout/orgChart1"/>
+    <dgm:cxn modelId="{45210E78-9E24-4AB1-A2B7-F08F6128DFEB}" type="presParOf" srcId="{88315CCF-CE9B-4E87-AB43-FF6AAB8E45D9}" destId="{B138D536-0D43-4463-AC13-7824CE5376FE}" srcOrd="2" destOrd="0" presId="urn:microsoft.com/office/officeart/2005/8/layout/orgChart1"/>
+    <dgm:cxn modelId="{FACAFB29-A6AA-4329-AC29-4C8478ABD3AD}" type="presParOf" srcId="{8C61891F-92F8-4DEA-94BC-83610B1D35BA}" destId="{8374EF59-76AB-4819-A517-20606F22AF09}" srcOrd="2" destOrd="0" presId="urn:microsoft.com/office/officeart/2005/8/layout/orgChart1"/>
+    <dgm:cxn modelId="{72E80775-6554-480E-A4D4-59C5F4FC9919}" type="presParOf" srcId="{8374EF59-76AB-4819-A517-20606F22AF09}" destId="{0230332D-2760-4668-8D5D-10FB09EF65B6}" srcOrd="0" destOrd="0" presId="urn:microsoft.com/office/officeart/2005/8/layout/orgChart1"/>
+    <dgm:cxn modelId="{FB1D6BB1-7D27-461E-BA2C-9D1AA29BF4F3}" type="presParOf" srcId="{8374EF59-76AB-4819-A517-20606F22AF09}" destId="{2C3BAA2D-CD06-4698-9A44-41F2D005D1F9}" srcOrd="1" destOrd="0" presId="urn:microsoft.com/office/officeart/2005/8/layout/orgChart1"/>
+    <dgm:cxn modelId="{58C0C271-5841-4F1E-8367-7AC252CB9A3F}" type="presParOf" srcId="{2C3BAA2D-CD06-4698-9A44-41F2D005D1F9}" destId="{04BDA49B-7B13-4A34-93F5-CA27C69F65FD}" srcOrd="0" destOrd="0" presId="urn:microsoft.com/office/officeart/2005/8/layout/orgChart1"/>
+    <dgm:cxn modelId="{46746721-8573-40F5-9DE6-C3E5FC468AB3}" type="presParOf" srcId="{04BDA49B-7B13-4A34-93F5-CA27C69F65FD}" destId="{178A34CD-CAFF-46C7-B9FE-CD869124A6CA}" srcOrd="0" destOrd="0" presId="urn:microsoft.com/office/officeart/2005/8/layout/orgChart1"/>
+    <dgm:cxn modelId="{79196EEB-CAD4-4E92-AAD9-E97312B6EDAB}" type="presParOf" srcId="{04BDA49B-7B13-4A34-93F5-CA27C69F65FD}" destId="{38EB590E-3BDC-4435-AF2B-2116F7E17D19}" srcOrd="1" destOrd="0" presId="urn:microsoft.com/office/officeart/2005/8/layout/orgChart1"/>
+    <dgm:cxn modelId="{0517AC96-A34F-4015-8FD7-7F4338161C59}" type="presParOf" srcId="{2C3BAA2D-CD06-4698-9A44-41F2D005D1F9}" destId="{B2958713-492A-4A7A-8A94-9ABC41CD318B}" srcOrd="1" destOrd="0" presId="urn:microsoft.com/office/officeart/2005/8/layout/orgChart1"/>
+    <dgm:cxn modelId="{BAFF355D-C171-4E01-91FA-E218D68641CE}" type="presParOf" srcId="{2C3BAA2D-CD06-4698-9A44-41F2D005D1F9}" destId="{A04D1454-D566-44E9-855B-AB3CE542FA56}" srcOrd="2" destOrd="0" presId="urn:microsoft.com/office/officeart/2005/8/layout/orgChart1"/>
+  </dgm:cxnLst>
+  <dgm:bg/>
+  <dgm:whole/>
+  <dgm:extLst>
+    <a:ext uri="http://schemas.microsoft.com/office/drawing/2008/diagram">
+      <dsp:dataModelExt xmlns:dsp="http://schemas.microsoft.com/office/drawing/2008/diagram" relId="rId6" minVer="http://schemas.openxmlformats.org/drawingml/2006/diagram"/>
+    </a:ext>
+    <a:ext uri="{C62137D5-CB1D-491B-B009-E17868A290BF}">
+      <dgm14:recolorImg xmlns:dgm14="http://schemas.microsoft.com/office/drawing/2010/diagram" val="1"/>
+    </a:ext>
+  </dgm:extLst>
+</dgm:dataModel>
+</file>
+
+<file path=ppt/diagrams/drawing1.xml><?xml version="1.0" encoding="utf-8"?>
+<dsp:drawing xmlns:dgm="http://schemas.openxmlformats.org/drawingml/2006/diagram" xmlns:dsp="http://schemas.microsoft.com/office/drawing/2008/diagram" xmlns:a="http://schemas.openxmlformats.org/drawingml/2006/main">
+  <dsp:spTree>
+    <dsp:nvGrpSpPr>
+      <dsp:cNvPr id="0" name=""/>
+      <dsp:cNvGrpSpPr/>
+    </dsp:nvGrpSpPr>
+    <dsp:grpSpPr/>
+    <dsp:sp modelId="{0230332D-2760-4668-8D5D-10FB09EF65B6}">
+      <dsp:nvSpPr>
+        <dsp:cNvPr id="0" name=""/>
+        <dsp:cNvSpPr/>
+      </dsp:nvSpPr>
+      <dsp:spPr>
+        <a:xfrm>
+          <a:off x="3202482" y="1457037"/>
+          <a:ext cx="190481" cy="918501"/>
+        </a:xfrm>
+        <a:custGeom>
+          <a:avLst/>
+          <a:gdLst/>
+          <a:ahLst/>
+          <a:cxnLst/>
+          <a:rect l="0" t="0" r="0" b="0"/>
+          <a:pathLst>
+            <a:path>
+              <a:moveTo>
+                <a:pt x="190481" y="0"/>
+              </a:moveTo>
+              <a:lnTo>
+                <a:pt x="190481" y="918501"/>
+              </a:lnTo>
+              <a:lnTo>
+                <a:pt x="0" y="918501"/>
+              </a:lnTo>
+            </a:path>
+          </a:pathLst>
+        </a:custGeom>
+        <a:noFill/>
+        <a:ln w="12700" cap="flat" cmpd="sng" algn="ctr">
+          <a:solidFill>
+            <a:schemeClr val="dk1">
+              <a:shade val="60000"/>
+              <a:hueOff val="0"/>
+              <a:satOff val="0"/>
+              <a:lumOff val="0"/>
+              <a:alphaOff val="0"/>
+            </a:schemeClr>
+          </a:solidFill>
+          <a:prstDash val="solid"/>
+          <a:miter lim="800000"/>
+        </a:ln>
+        <a:effectLst/>
+      </dsp:spPr>
+      <dsp:style>
+        <a:lnRef idx="2">
+          <a:scrgbClr r="0" g="0" b="0"/>
+        </a:lnRef>
+        <a:fillRef idx="0">
+          <a:scrgbClr r="0" g="0" b="0"/>
+        </a:fillRef>
+        <a:effectRef idx="0">
+          <a:scrgbClr r="0" g="0" b="0"/>
+        </a:effectRef>
+        <a:fontRef idx="minor"/>
+      </dsp:style>
+    </dsp:sp>
+    <dsp:sp modelId="{D590EA69-A7F3-49D9-A4FE-562B2F592BA9}">
+      <dsp:nvSpPr>
+        <dsp:cNvPr id="0" name=""/>
+        <dsp:cNvSpPr/>
+      </dsp:nvSpPr>
+      <dsp:spPr>
+        <a:xfrm>
+          <a:off x="3392963" y="1457037"/>
+          <a:ext cx="2390051" cy="1846291"/>
+        </a:xfrm>
+        <a:custGeom>
+          <a:avLst/>
+          <a:gdLst/>
+          <a:ahLst/>
+          <a:cxnLst/>
+          <a:rect l="0" t="0" r="0" b="0"/>
+          <a:pathLst>
+            <a:path>
+              <a:moveTo>
+                <a:pt x="0" y="0"/>
+              </a:moveTo>
+              <a:lnTo>
+                <a:pt x="0" y="1655809"/>
+              </a:lnTo>
+              <a:lnTo>
+                <a:pt x="2390051" y="1655809"/>
+              </a:lnTo>
+              <a:lnTo>
+                <a:pt x="2390051" y="1846291"/>
+              </a:lnTo>
+            </a:path>
+          </a:pathLst>
+        </a:custGeom>
+        <a:noFill/>
+        <a:ln w="12700" cap="flat" cmpd="sng" algn="ctr">
+          <a:solidFill>
+            <a:schemeClr val="dk1">
+              <a:shade val="60000"/>
+              <a:hueOff val="0"/>
+              <a:satOff val="0"/>
+              <a:lumOff val="0"/>
+              <a:alphaOff val="0"/>
+            </a:schemeClr>
+          </a:solidFill>
+          <a:prstDash val="solid"/>
+          <a:miter lim="800000"/>
+        </a:ln>
+        <a:effectLst/>
+      </dsp:spPr>
+      <dsp:style>
+        <a:lnRef idx="2">
+          <a:scrgbClr r="0" g="0" b="0"/>
+        </a:lnRef>
+        <a:fillRef idx="0">
+          <a:scrgbClr r="0" g="0" b="0"/>
+        </a:fillRef>
+        <a:effectRef idx="0">
+          <a:scrgbClr r="0" g="0" b="0"/>
+        </a:effectRef>
+        <a:fontRef idx="minor"/>
+      </dsp:style>
+    </dsp:sp>
+    <dsp:sp modelId="{AF16D4BA-2E7F-47C0-A85B-AB0B21346122}">
+      <dsp:nvSpPr>
+        <dsp:cNvPr id="0" name=""/>
+        <dsp:cNvSpPr/>
+      </dsp:nvSpPr>
+      <dsp:spPr>
+        <a:xfrm>
+          <a:off x="3347243" y="1457037"/>
+          <a:ext cx="91440" cy="1837002"/>
+        </a:xfrm>
+        <a:custGeom>
+          <a:avLst/>
+          <a:gdLst/>
+          <a:ahLst/>
+          <a:cxnLst/>
+          <a:rect l="0" t="0" r="0" b="0"/>
+          <a:pathLst>
+            <a:path>
+              <a:moveTo>
+                <a:pt x="45720" y="0"/>
+              </a:moveTo>
+              <a:lnTo>
+                <a:pt x="45720" y="1646521"/>
+              </a:lnTo>
+              <a:lnTo>
+                <a:pt x="92179" y="1646521"/>
+              </a:lnTo>
+              <a:lnTo>
+                <a:pt x="92179" y="1837002"/>
+              </a:lnTo>
+            </a:path>
+          </a:pathLst>
+        </a:custGeom>
+        <a:noFill/>
+        <a:ln w="12700" cap="flat" cmpd="sng" algn="ctr">
+          <a:solidFill>
+            <a:schemeClr val="dk1">
+              <a:shade val="60000"/>
+              <a:hueOff val="0"/>
+              <a:satOff val="0"/>
+              <a:lumOff val="0"/>
+              <a:alphaOff val="0"/>
+            </a:schemeClr>
+          </a:solidFill>
+          <a:prstDash val="solid"/>
+          <a:miter lim="800000"/>
+        </a:ln>
+        <a:effectLst/>
+      </dsp:spPr>
+      <dsp:style>
+        <a:lnRef idx="2">
+          <a:scrgbClr r="0" g="0" b="0"/>
+        </a:lnRef>
+        <a:fillRef idx="0">
+          <a:scrgbClr r="0" g="0" b="0"/>
+        </a:fillRef>
+        <a:effectRef idx="0">
+          <a:scrgbClr r="0" g="0" b="0"/>
+        </a:effectRef>
+        <a:fontRef idx="minor"/>
+      </dsp:style>
+    </dsp:sp>
+    <dsp:sp modelId="{F63A2F58-1367-4FB9-BEBE-5FC161071367}">
+      <dsp:nvSpPr>
+        <dsp:cNvPr id="0" name=""/>
+        <dsp:cNvSpPr/>
+      </dsp:nvSpPr>
+      <dsp:spPr>
+        <a:xfrm>
+          <a:off x="1006176" y="1457037"/>
+          <a:ext cx="2386786" cy="1837002"/>
+        </a:xfrm>
+        <a:custGeom>
+          <a:avLst/>
+          <a:gdLst/>
+          <a:ahLst/>
+          <a:cxnLst/>
+          <a:rect l="0" t="0" r="0" b="0"/>
+          <a:pathLst>
+            <a:path>
+              <a:moveTo>
+                <a:pt x="2386786" y="0"/>
+              </a:moveTo>
+              <a:lnTo>
+                <a:pt x="2386786" y="1646521"/>
+              </a:lnTo>
+              <a:lnTo>
+                <a:pt x="0" y="1646521"/>
+              </a:lnTo>
+              <a:lnTo>
+                <a:pt x="0" y="1837002"/>
+              </a:lnTo>
+            </a:path>
+          </a:pathLst>
+        </a:custGeom>
+        <a:noFill/>
+        <a:ln w="12700" cap="flat" cmpd="sng" algn="ctr">
+          <a:solidFill>
+            <a:schemeClr val="dk1">
+              <a:shade val="60000"/>
+              <a:hueOff val="0"/>
+              <a:satOff val="0"/>
+              <a:lumOff val="0"/>
+              <a:alphaOff val="0"/>
+            </a:schemeClr>
+          </a:solidFill>
+          <a:prstDash val="solid"/>
+          <a:miter lim="800000"/>
+        </a:ln>
+        <a:effectLst/>
+      </dsp:spPr>
+      <dsp:style>
+        <a:lnRef idx="2">
+          <a:scrgbClr r="0" g="0" b="0"/>
+        </a:lnRef>
+        <a:fillRef idx="0">
+          <a:scrgbClr r="0" g="0" b="0"/>
+        </a:fillRef>
+        <a:effectRef idx="0">
+          <a:scrgbClr r="0" g="0" b="0"/>
+        </a:effectRef>
+        <a:fontRef idx="minor"/>
+      </dsp:style>
+    </dsp:sp>
+    <dsp:sp modelId="{8F80016C-ED14-4860-985F-D93BAC1FBD1C}">
+      <dsp:nvSpPr>
+        <dsp:cNvPr id="0" name=""/>
+        <dsp:cNvSpPr/>
+      </dsp:nvSpPr>
+      <dsp:spPr>
+        <a:xfrm>
+          <a:off x="2193610" y="193356"/>
+          <a:ext cx="2398705" cy="1263681"/>
+        </a:xfrm>
+        <a:prstGeom prst="rect">
+          <a:avLst/>
+        </a:prstGeom>
+        <a:solidFill>
+          <a:schemeClr val="lt1">
+            <a:hueOff val="0"/>
+            <a:satOff val="0"/>
+            <a:lumOff val="0"/>
+            <a:alphaOff val="0"/>
+          </a:schemeClr>
+        </a:solidFill>
+        <a:ln w="12700" cap="flat" cmpd="sng" algn="ctr">
+          <a:solidFill>
+            <a:schemeClr val="dk1">
+              <a:shade val="80000"/>
+              <a:hueOff val="0"/>
+              <a:satOff val="0"/>
+              <a:lumOff val="0"/>
+              <a:alphaOff val="0"/>
+            </a:schemeClr>
+          </a:solidFill>
+          <a:prstDash val="solid"/>
+          <a:miter lim="800000"/>
+        </a:ln>
+        <a:effectLst/>
+      </dsp:spPr>
+      <dsp:style>
+        <a:lnRef idx="2">
+          <a:scrgbClr r="0" g="0" b="0"/>
+        </a:lnRef>
+        <a:fillRef idx="1">
+          <a:scrgbClr r="0" g="0" b="0"/>
+        </a:fillRef>
+        <a:effectRef idx="0">
+          <a:scrgbClr r="0" g="0" b="0"/>
+        </a:effectRef>
+        <a:fontRef idx="minor">
+          <a:schemeClr val="lt1"/>
+        </a:fontRef>
+      </dsp:style>
+      <dsp:txBody>
+        <a:bodyPr spcFirstLastPara="0" vert="horz" wrap="square" lIns="25400" tIns="25400" rIns="25400" bIns="25400" numCol="1" spcCol="1270" anchor="ctr" anchorCtr="0">
+          <a:noAutofit/>
+        </a:bodyPr>
+        <a:lstStyle/>
+        <a:p>
+          <a:pPr marL="0" lvl="0" indent="0" algn="ctr" defTabSz="1778000">
+            <a:lnSpc>
+              <a:spcPct val="90000"/>
+            </a:lnSpc>
+            <a:spcBef>
+              <a:spcPct val="0"/>
+            </a:spcBef>
+            <a:spcAft>
+              <a:spcPct val="35000"/>
+            </a:spcAft>
+            <a:buNone/>
+          </a:pPr>
+          <a:r>
+            <a:rPr lang="ru-RU" sz="4000" b="0" kern="1200" dirty="0">
+              <a:solidFill>
+                <a:srgbClr val="BA3F1D"/>
+              </a:solidFill>
+              <a:latin typeface="+mj-lt"/>
+            </a:rPr>
+            <a:t>КНЯЗЬ</a:t>
+          </a:r>
+          <a:endParaRPr lang="ru-RU" sz="3200" b="0" kern="1200" dirty="0">
+            <a:solidFill>
+              <a:srgbClr val="BA3F1D"/>
+            </a:solidFill>
+            <a:latin typeface="+mj-lt"/>
+          </a:endParaRPr>
+        </a:p>
+      </dsp:txBody>
+      <dsp:txXfrm>
+        <a:off x="2193610" y="193356"/>
+        <a:ext cx="2398705" cy="1263681"/>
+      </dsp:txXfrm>
+    </dsp:sp>
+    <dsp:sp modelId="{66BE21EE-0A65-416F-8CC0-C5643707F501}">
+      <dsp:nvSpPr>
+        <dsp:cNvPr id="0" name=""/>
+        <dsp:cNvSpPr/>
+      </dsp:nvSpPr>
+      <dsp:spPr>
+        <a:xfrm>
+          <a:off x="3264" y="3294040"/>
+          <a:ext cx="2005823" cy="1075077"/>
+        </a:xfrm>
+        <a:prstGeom prst="rect">
+          <a:avLst/>
+        </a:prstGeom>
+        <a:solidFill>
+          <a:schemeClr val="lt1">
+            <a:hueOff val="0"/>
+            <a:satOff val="0"/>
+            <a:lumOff val="0"/>
+            <a:alphaOff val="0"/>
+          </a:schemeClr>
+        </a:solidFill>
+        <a:ln w="12700" cap="flat" cmpd="sng" algn="ctr">
+          <a:solidFill>
+            <a:schemeClr val="dk1">
+              <a:shade val="80000"/>
+              <a:hueOff val="0"/>
+              <a:satOff val="0"/>
+              <a:lumOff val="0"/>
+              <a:alphaOff val="0"/>
+            </a:schemeClr>
+          </a:solidFill>
+          <a:prstDash val="solid"/>
+          <a:miter lim="800000"/>
+        </a:ln>
+        <a:effectLst/>
+      </dsp:spPr>
+      <dsp:style>
+        <a:lnRef idx="2">
+          <a:scrgbClr r="0" g="0" b="0"/>
+        </a:lnRef>
+        <a:fillRef idx="1">
+          <a:scrgbClr r="0" g="0" b="0"/>
+        </a:fillRef>
+        <a:effectRef idx="0">
+          <a:scrgbClr r="0" g="0" b="0"/>
+        </a:effectRef>
+        <a:fontRef idx="minor">
+          <a:schemeClr val="lt1"/>
+        </a:fontRef>
+      </dsp:style>
+      <dsp:txBody>
+        <a:bodyPr spcFirstLastPara="0" vert="horz" wrap="square" lIns="20320" tIns="20320" rIns="20320" bIns="20320" numCol="1" spcCol="1270" anchor="ctr" anchorCtr="0">
+          <a:noAutofit/>
+        </a:bodyPr>
+        <a:lstStyle/>
+        <a:p>
+          <a:pPr marL="0" lvl="0" indent="0" algn="ctr" defTabSz="1422400">
+            <a:lnSpc>
+              <a:spcPct val="90000"/>
+            </a:lnSpc>
+            <a:spcBef>
+              <a:spcPct val="0"/>
+            </a:spcBef>
+            <a:spcAft>
+              <a:spcPct val="35000"/>
+            </a:spcAft>
+            <a:buNone/>
+          </a:pPr>
+          <a:r>
+            <a:rPr lang="ru-RU" sz="3200" b="0" kern="1200" dirty="0">
+              <a:solidFill>
+                <a:srgbClr val="BA3F1D"/>
+              </a:solidFill>
+              <a:latin typeface="+mj-lt"/>
+            </a:rPr>
+            <a:t>Попуск 1</a:t>
+          </a:r>
+        </a:p>
+      </dsp:txBody>
+      <dsp:txXfrm>
+        <a:off x="3264" y="3294040"/>
+        <a:ext cx="2005823" cy="1075077"/>
+      </dsp:txXfrm>
+    </dsp:sp>
+    <dsp:sp modelId="{67E233DD-B192-43E4-A127-66C74DC70E08}">
+      <dsp:nvSpPr>
+        <dsp:cNvPr id="0" name=""/>
+        <dsp:cNvSpPr/>
+      </dsp:nvSpPr>
+      <dsp:spPr>
+        <a:xfrm>
+          <a:off x="2436510" y="3294040"/>
+          <a:ext cx="2005823" cy="1075077"/>
+        </a:xfrm>
+        <a:prstGeom prst="rect">
+          <a:avLst/>
+        </a:prstGeom>
+        <a:solidFill>
+          <a:schemeClr val="lt1">
+            <a:hueOff val="0"/>
+            <a:satOff val="0"/>
+            <a:lumOff val="0"/>
+            <a:alphaOff val="0"/>
+          </a:schemeClr>
+        </a:solidFill>
+        <a:ln w="12700" cap="flat" cmpd="sng" algn="ctr">
+          <a:solidFill>
+            <a:schemeClr val="dk1">
+              <a:shade val="80000"/>
+              <a:hueOff val="0"/>
+              <a:satOff val="0"/>
+              <a:lumOff val="0"/>
+              <a:alphaOff val="0"/>
+            </a:schemeClr>
+          </a:solidFill>
+          <a:prstDash val="solid"/>
+          <a:miter lim="800000"/>
+        </a:ln>
+        <a:effectLst/>
+      </dsp:spPr>
+      <dsp:style>
+        <a:lnRef idx="2">
+          <a:scrgbClr r="0" g="0" b="0"/>
+        </a:lnRef>
+        <a:fillRef idx="1">
+          <a:scrgbClr r="0" g="0" b="0"/>
+        </a:fillRef>
+        <a:effectRef idx="0">
+          <a:scrgbClr r="0" g="0" b="0"/>
+        </a:effectRef>
+        <a:fontRef idx="minor">
+          <a:schemeClr val="lt1"/>
+        </a:fontRef>
+      </dsp:style>
+      <dsp:txBody>
+        <a:bodyPr spcFirstLastPara="0" vert="horz" wrap="square" lIns="20320" tIns="20320" rIns="20320" bIns="20320" numCol="1" spcCol="1270" anchor="ctr" anchorCtr="0">
+          <a:noAutofit/>
+        </a:bodyPr>
+        <a:lstStyle/>
+        <a:p>
+          <a:pPr marL="0" lvl="0" indent="0" algn="ctr" defTabSz="1422400">
+            <a:lnSpc>
+              <a:spcPct val="90000"/>
+            </a:lnSpc>
+            <a:spcBef>
+              <a:spcPct val="0"/>
+            </a:spcBef>
+            <a:spcAft>
+              <a:spcPct val="35000"/>
+            </a:spcAft>
+            <a:buNone/>
+          </a:pPr>
+          <a:r>
+            <a:rPr lang="ru-RU" sz="3200" b="0" kern="1200" dirty="0">
+              <a:solidFill>
+                <a:srgbClr val="BA3F1D"/>
+              </a:solidFill>
+              <a:latin typeface="+mj-lt"/>
+            </a:rPr>
+            <a:t>Попуск 2</a:t>
+          </a:r>
+        </a:p>
+      </dsp:txBody>
+      <dsp:txXfrm>
+        <a:off x="2436510" y="3294040"/>
+        <a:ext cx="2005823" cy="1075077"/>
+      </dsp:txXfrm>
+    </dsp:sp>
+    <dsp:sp modelId="{13586F39-EADF-4356-BE14-83FB797F359A}">
+      <dsp:nvSpPr>
+        <dsp:cNvPr id="0" name=""/>
+        <dsp:cNvSpPr/>
+      </dsp:nvSpPr>
+      <dsp:spPr>
+        <a:xfrm>
+          <a:off x="4780103" y="3303329"/>
+          <a:ext cx="2005823" cy="1075077"/>
+        </a:xfrm>
+        <a:prstGeom prst="rect">
+          <a:avLst/>
+        </a:prstGeom>
+        <a:solidFill>
+          <a:schemeClr val="lt1">
+            <a:hueOff val="0"/>
+            <a:satOff val="0"/>
+            <a:lumOff val="0"/>
+            <a:alphaOff val="0"/>
+          </a:schemeClr>
+        </a:solidFill>
+        <a:ln w="12700" cap="flat" cmpd="sng" algn="ctr">
+          <a:solidFill>
+            <a:schemeClr val="dk1">
+              <a:shade val="80000"/>
+              <a:hueOff val="0"/>
+              <a:satOff val="0"/>
+              <a:lumOff val="0"/>
+              <a:alphaOff val="0"/>
+            </a:schemeClr>
+          </a:solidFill>
+          <a:prstDash val="solid"/>
+          <a:miter lim="800000"/>
+        </a:ln>
+        <a:effectLst/>
+      </dsp:spPr>
+      <dsp:style>
+        <a:lnRef idx="2">
+          <a:scrgbClr r="0" g="0" b="0"/>
+        </a:lnRef>
+        <a:fillRef idx="1">
+          <a:scrgbClr r="0" g="0" b="0"/>
+        </a:fillRef>
+        <a:effectRef idx="0">
+          <a:scrgbClr r="0" g="0" b="0"/>
+        </a:effectRef>
+        <a:fontRef idx="minor">
+          <a:schemeClr val="lt1"/>
+        </a:fontRef>
+      </dsp:style>
+      <dsp:txBody>
+        <a:bodyPr spcFirstLastPara="0" vert="horz" wrap="square" lIns="20320" tIns="20320" rIns="20320" bIns="20320" numCol="1" spcCol="1270" anchor="ctr" anchorCtr="0">
+          <a:noAutofit/>
+        </a:bodyPr>
+        <a:lstStyle/>
+        <a:p>
+          <a:pPr marL="0" lvl="0" indent="0" algn="ctr" defTabSz="1422400">
+            <a:lnSpc>
+              <a:spcPct val="90000"/>
+            </a:lnSpc>
+            <a:spcBef>
+              <a:spcPct val="0"/>
+            </a:spcBef>
+            <a:spcAft>
+              <a:spcPct val="35000"/>
+            </a:spcAft>
+            <a:buNone/>
+          </a:pPr>
+          <a:r>
+            <a:rPr lang="ru-RU" sz="3200" b="0" kern="1200" dirty="0">
+              <a:solidFill>
+                <a:srgbClr val="BA3F1D"/>
+              </a:solidFill>
+              <a:latin typeface="+mj-lt"/>
+            </a:rPr>
+            <a:t>Попуск 3</a:t>
+          </a:r>
+        </a:p>
+      </dsp:txBody>
+      <dsp:txXfrm>
+        <a:off x="4780103" y="3303329"/>
+        <a:ext cx="2005823" cy="1075077"/>
+      </dsp:txXfrm>
+    </dsp:sp>
+    <dsp:sp modelId="{178A34CD-CAFF-46C7-B9FE-CD869124A6CA}">
+      <dsp:nvSpPr>
+        <dsp:cNvPr id="0" name=""/>
+        <dsp:cNvSpPr/>
+      </dsp:nvSpPr>
+      <dsp:spPr>
+        <a:xfrm>
+          <a:off x="1196658" y="1838000"/>
+          <a:ext cx="2005823" cy="1075077"/>
+        </a:xfrm>
+        <a:prstGeom prst="rect">
+          <a:avLst/>
+        </a:prstGeom>
+        <a:solidFill>
+          <a:schemeClr val="lt1">
+            <a:hueOff val="0"/>
+            <a:satOff val="0"/>
+            <a:lumOff val="0"/>
+            <a:alphaOff val="0"/>
+          </a:schemeClr>
+        </a:solidFill>
+        <a:ln w="12700" cap="flat" cmpd="sng" algn="ctr">
+          <a:solidFill>
+            <a:schemeClr val="dk1">
+              <a:shade val="80000"/>
+              <a:hueOff val="0"/>
+              <a:satOff val="0"/>
+              <a:lumOff val="0"/>
+              <a:alphaOff val="0"/>
+            </a:schemeClr>
+          </a:solidFill>
+          <a:prstDash val="solid"/>
+          <a:miter lim="800000"/>
+        </a:ln>
+        <a:effectLst/>
+      </dsp:spPr>
+      <dsp:style>
+        <a:lnRef idx="2">
+          <a:scrgbClr r="0" g="0" b="0"/>
+        </a:lnRef>
+        <a:fillRef idx="1">
+          <a:scrgbClr r="0" g="0" b="0"/>
+        </a:fillRef>
+        <a:effectRef idx="0">
+          <a:scrgbClr r="0" g="0" b="0"/>
+        </a:effectRef>
+        <a:fontRef idx="minor">
+          <a:schemeClr val="lt1"/>
+        </a:fontRef>
+      </dsp:style>
+      <dsp:txBody>
+        <a:bodyPr spcFirstLastPara="0" vert="horz" wrap="square" lIns="20320" tIns="20320" rIns="20320" bIns="20320" numCol="1" spcCol="1270" anchor="ctr" anchorCtr="0">
+          <a:noAutofit/>
+        </a:bodyPr>
+        <a:lstStyle/>
+        <a:p>
+          <a:pPr marL="0" lvl="0" indent="0" algn="ctr" defTabSz="1422400">
+            <a:lnSpc>
+              <a:spcPct val="90000"/>
+            </a:lnSpc>
+            <a:spcBef>
+              <a:spcPct val="0"/>
+            </a:spcBef>
+            <a:spcAft>
+              <a:spcPct val="35000"/>
+            </a:spcAft>
+            <a:buNone/>
+          </a:pPr>
+          <a:r>
+            <a:rPr lang="ru-RU" sz="3200" b="0" kern="1200" dirty="0" err="1">
+              <a:solidFill>
+                <a:srgbClr val="BA3F1D"/>
+              </a:solidFill>
+              <a:latin typeface="+mj-lt"/>
+            </a:rPr>
+            <a:t>Душнила</a:t>
+          </a:r>
+          <a:endParaRPr lang="ru-RU" sz="3200" b="0" kern="1200" dirty="0">
+            <a:solidFill>
+              <a:srgbClr val="BA3F1D"/>
+            </a:solidFill>
+            <a:latin typeface="+mj-lt"/>
+          </a:endParaRPr>
+        </a:p>
+      </dsp:txBody>
+      <dsp:txXfrm>
+        <a:off x="1196658" y="1838000"/>
+        <a:ext cx="2005823" cy="1075077"/>
+      </dsp:txXfrm>
+    </dsp:sp>
+  </dsp:spTree>
+</dsp:drawing>
+</file>
+
+<file path=ppt/diagrams/layout1.xml><?xml version="1.0" encoding="utf-8"?>
+<dgm:layoutDef xmlns:dgm="http://schemas.openxmlformats.org/drawingml/2006/diagram" xmlns:a="http://schemas.openxmlformats.org/drawingml/2006/main" uniqueId="urn:microsoft.com/office/officeart/2005/8/layout/orgChart1">
+  <dgm:title val=""/>
+  <dgm:desc val=""/>
+  <dgm:catLst>
+    <dgm:cat type="hierarchy" pri="1000"/>
+    <dgm:cat type="convert" pri="6000"/>
+  </dgm:catLst>
+  <dgm:sampData>
+    <dgm:dataModel>
+      <dgm:ptLst>
+        <dgm:pt modelId="0" type="doc"/>
+        <dgm:pt modelId="1">
+          <dgm:prSet phldr="1"/>
+        </dgm:pt>
+        <dgm:pt modelId="2" type="asst">
+          <dgm:prSet phldr="1"/>
+        </dgm:pt>
+        <dgm:pt modelId="3">
+          <dgm:prSet phldr="1"/>
+        </dgm:pt>
+        <dgm:pt modelId="4">
+          <dgm:prSet phldr="1"/>
+        </dgm:pt>
+        <dgm:pt modelId="5">
+          <dgm:prSet phldr="1"/>
+        </dgm:pt>
+      </dgm:ptLst>
+      <dgm:cxnLst>
+        <dgm:cxn modelId="5" srcId="0" destId="1" srcOrd="0" destOrd="0"/>
+        <dgm:cxn modelId="6" srcId="1" destId="2" srcOrd="0" destOrd="0"/>
+        <dgm:cxn modelId="7" srcId="1" destId="3" srcOrd="1" destOrd="0"/>
+        <dgm:cxn modelId="8" srcId="1" destId="4" srcOrd="2" destOrd="0"/>
+        <dgm:cxn modelId="9" srcId="1" destId="5" srcOrd="3" destOrd="0"/>
+      </dgm:cxnLst>
+      <dgm:bg/>
+      <dgm:whole/>
+    </dgm:dataModel>
+  </dgm:sampData>
+  <dgm:styleData>
+    <dgm:dataModel>
+      <dgm:ptLst>
+        <dgm:pt modelId="0" type="doc"/>
+        <dgm:pt modelId="1"/>
+        <dgm:pt modelId="12"/>
+        <dgm:pt modelId="13"/>
+      </dgm:ptLst>
+      <dgm:cxnLst>
+        <dgm:cxn modelId="2" srcId="0" destId="1" srcOrd="0" destOrd="0"/>
+        <dgm:cxn modelId="16" srcId="1" destId="12" srcOrd="1" destOrd="0"/>
+        <dgm:cxn modelId="17" srcId="1" destId="13" srcOrd="2" destOrd="0"/>
+      </dgm:cxnLst>
+      <dgm:bg/>
+      <dgm:whole/>
+    </dgm:dataModel>
+  </dgm:styleData>
+  <dgm:clrData>
+    <dgm:dataModel>
+      <dgm:ptLst>
+        <dgm:pt modelId="0" type="doc"/>
+        <dgm:pt modelId="1"/>
+        <dgm:pt modelId="11" type="asst"/>
+        <dgm:pt modelId="12"/>
+        <dgm:pt modelId="13"/>
+        <dgm:pt modelId="14"/>
+      </dgm:ptLst>
+      <dgm:cxnLst>
+        <dgm:cxn modelId="2" srcId="0" destId="1" srcOrd="0" destOrd="0"/>
+        <dgm:cxn modelId="15" srcId="1" destId="11" srcOrd="0" destOrd="0"/>
+        <dgm:cxn modelId="16" srcId="1" destId="12" srcOrd="1" destOrd="0"/>
+        <dgm:cxn modelId="17" srcId="1" destId="13" srcOrd="2" destOrd="0"/>
+        <dgm:cxn modelId="18" srcId="1" destId="14" srcOrd="2" destOrd="0"/>
+      </dgm:cxnLst>
+      <dgm:bg/>
+      <dgm:whole/>
+    </dgm:dataModel>
+  </dgm:clrData>
+  <dgm:layoutNode name="hierChild1">
+    <dgm:varLst>
+      <dgm:orgChart val="1"/>
+      <dgm:chPref val="1"/>
+      <dgm:dir/>
+      <dgm:animOne val="branch"/>
+      <dgm:animLvl val="lvl"/>
+      <dgm:resizeHandles/>
+    </dgm:varLst>
+    <dgm:choose name="Name0">
+      <dgm:if name="Name1" func="var" arg="dir" op="equ" val="norm">
+        <dgm:alg type="hierChild">
+          <dgm:param type="linDir" val="fromL"/>
+        </dgm:alg>
+      </dgm:if>
+      <dgm:else name="Name2">
+        <dgm:alg type="hierChild">
+          <dgm:param type="linDir" val="fromR"/>
+        </dgm:alg>
+      </dgm:else>
+    </dgm:choose>
+    <dgm:shape xmlns:r="http://schemas.openxmlformats.org/officeDocument/2006/relationships" r:blip="">
+      <dgm:adjLst/>
+    </dgm:shape>
+    <dgm:presOf/>
+    <dgm:constrLst>
+      <dgm:constr type="w" for="des" forName="rootComposite1" refType="w" fact="10"/>
+      <dgm:constr type="h" for="des" forName="rootComposite1" refType="w" refFor="des" refForName="rootComposite1" fact="0.5"/>
+      <dgm:constr type="w" for="des" forName="rootComposite" refType="w" fact="10"/>
+      <dgm:constr type="h" for="des" forName="rootComposite" refType="w" refFor="des" refForName="rootComposite1" fact="0.5"/>
+      <dgm:constr type="w" for="des" forName="rootComposite3" refType="w" fact="10"/>
+      <dgm:constr type="h" for="des" forName="rootComposite3" refType="w" refFor="des" refForName="rootComposite1" fact="0.5"/>
+      <dgm:constr type="primFontSz" for="des" ptType="node" op="equ"/>
+      <dgm:constr type="sp" for="des" op="equ"/>
+      <dgm:constr type="sp" for="des" forName="hierRoot1" refType="w" refFor="des" refForName="rootComposite1" fact="0.21"/>
+      <dgm:constr type="sp" for="des" forName="hierRoot2" refType="sp" refFor="des" refForName="hierRoot1"/>
+      <dgm:constr type="sp" for="des" forName="hierRoot3" refType="sp" refFor="des" refForName="hierRoot1"/>
+      <dgm:constr type="sibSp" refType="w" refFor="des" refForName="rootComposite1" fact="0.21"/>
+      <dgm:constr type="sibSp" for="des" forName="hierChild2" refType="sibSp"/>
+      <dgm:constr type="sibSp" for="des" forName="hierChild3" refType="sibSp"/>
+      <dgm:constr type="sibSp" for="des" forName="hierChild4" refType="sibSp"/>
+      <dgm:constr type="sibSp" for="des" forName="hierChild5" refType="sibSp"/>
+      <dgm:constr type="sibSp" for="des" forName="hierChild6" refType="sibSp"/>
+      <dgm:constr type="sibSp" for="des" forName="hierChild7" refType="sibSp"/>
+      <dgm:constr type="secSibSp" refType="w" refFor="des" refForName="rootComposite1" fact="0.21"/>
+      <dgm:constr type="secSibSp" for="des" forName="hierChild2" refType="secSibSp"/>
+      <dgm:constr type="secSibSp" for="des" forName="hierChild3" refType="secSibSp"/>
+      <dgm:constr type="secSibSp" for="des" forName="hierChild4" refType="secSibSp"/>
+      <dgm:constr type="secSibSp" for="des" forName="hierChild5" refType="secSibSp"/>
+      <dgm:constr type="secSibSp" for="des" forName="hierChild6" refType="secSibSp"/>
+      <dgm:constr type="secSibSp" for="des" forName="hierChild7" refType="secSibSp"/>
+    </dgm:constrLst>
+    <dgm:ruleLst/>
+    <dgm:forEach name="Name3" axis="ch">
+      <dgm:forEach name="Name4" axis="self" ptType="node">
+        <dgm:layoutNode name="hierRoot1">
+          <dgm:varLst>
+            <dgm:hierBranch val="init"/>
+          </dgm:varLst>
+          <dgm:choose name="Name5">
+            <dgm:if name="Name6" func="var" arg="hierBranch" op="equ" val="l">
+              <dgm:choose name="Name7">
+                <dgm:if name="Name8" axis="ch" ptType="asst" func="cnt" op="gte" val="1">
+                  <dgm:alg type="hierRoot">
+                    <dgm:param type="hierAlign" val="tR"/>
+                  </dgm:alg>
+                  <dgm:constrLst>
+                    <dgm:constr type="alignOff" val="0.65"/>
+                  </dgm:constrLst>
+                </dgm:if>
+                <dgm:else name="Name9">
+                  <dgm:alg type="hierRoot">
+                    <dgm:param type="hierAlign" val="tR"/>
+                  </dgm:alg>
+                  <dgm:constrLst>
+                    <dgm:constr type="alignOff" val="0.25"/>
+                  </dgm:constrLst>
+                </dgm:else>
+              </dgm:choose>
+            </dgm:if>
+            <dgm:if name="Name10" func="var" arg="hierBranch" op="equ" val="r">
+              <dgm:choose name="Name11">
+                <dgm:if name="Name12" axis="ch" ptType="asst" func="cnt" op="gte" val="1">
+                  <dgm:alg type="hierRoot">
+                    <dgm:param type="hierAlign" val="tL"/>
+                  </dgm:alg>
+                  <dgm:constrLst>
+                    <dgm:constr type="alignOff" val="0.65"/>
+                  </dgm:constrLst>
+                </dgm:if>
+                <dgm:else name="Name13">
+                  <dgm:alg type="hierRoot">
+                    <dgm:param type="hierAlign" val="tL"/>
+                  </dgm:alg>
+                  <dgm:constrLst>
+                    <dgm:constr type="alignOff" val="0.25"/>
+                  </dgm:constrLst>
+                </dgm:else>
+              </dgm:choose>
+            </dgm:if>
+            <dgm:if name="Name14" func="var" arg="hierBranch" op="equ" val="hang">
+              <dgm:alg type="hierRoot"/>
+              <dgm:constrLst>
+                <dgm:constr type="alignOff" val="0.65"/>
+              </dgm:constrLst>
+            </dgm:if>
+            <dgm:else name="Name15">
+              <dgm:alg type="hierRoot"/>
+              <dgm:constrLst>
+                <dgm:constr type="alignOff"/>
+                <dgm:constr type="bendDist" for="des" ptType="parTrans" refType="sp" fact="0.5"/>
+              </dgm:constrLst>
+            </dgm:else>
+          </dgm:choose>
+          <dgm:shape xmlns:r="http://schemas.openxmlformats.org/officeDocument/2006/relationships" r:blip="">
+            <dgm:adjLst/>
+          </dgm:shape>
+          <dgm:presOf/>
+          <dgm:ruleLst/>
+          <dgm:layoutNode name="rootComposite1">
+            <dgm:alg type="composite"/>
+            <dgm:shape xmlns:r="http://schemas.openxmlformats.org/officeDocument/2006/relationships" r:blip="">
+              <dgm:adjLst/>
+            </dgm:shape>
+            <dgm:presOf axis="self" ptType="node" cnt="1"/>
+            <dgm:choose name="Name16">
+              <dgm:if name="Name17" func="var" arg="hierBranch" op="equ" val="init">
+                <dgm:constrLst>
+                  <dgm:constr type="l" for="ch" forName="rootText1"/>
+                  <dgm:constr type="t" for="ch" forName="rootText1"/>
+                  <dgm:constr type="w" for="ch" forName="rootText1" refType="w"/>
+                  <dgm:constr type="h" for="ch" forName="rootText1" refType="h"/>
+                  <dgm:constr type="l" for="ch" forName="rootConnector1"/>
+                  <dgm:constr type="t" for="ch" forName="rootConnector1"/>
+                  <dgm:constr type="w" for="ch" forName="rootConnector1" refType="w" refFor="ch" refForName="rootText1" fact="0.2"/>
+                  <dgm:constr type="h" for="ch" forName="rootConnector1" refType="h" refFor="ch" refForName="rootText1"/>
+                </dgm:constrLst>
+              </dgm:if>
+              <dgm:if name="Name18" func="var" arg="hierBranch" op="equ" val="l">
+                <dgm:constrLst>
+                  <dgm:constr type="l" for="ch" forName="rootText1"/>
+                  <dgm:constr type="t" for="ch" forName="rootText1"/>
+                  <dgm:constr type="w" for="ch" forName="rootText1" refType="w"/>
+                  <dgm:constr type="h" for="ch" forName="rootText1" refType="h"/>
+                  <dgm:constr type="r" for="ch" forName="rootConnector1" refType="w"/>
+                  <dgm:constr type="t" for="ch" forName="rootConnector1"/>
+                  <dgm:constr type="w" for="ch" forName="rootConnector1" refType="w" refFor="ch" refForName="rootText1" fact="0.2"/>
+                  <dgm:constr type="h" for="ch" forName="rootConnector1" refType="h" refFor="ch" refForName="rootText1"/>
+                </dgm:constrLst>
+              </dgm:if>
+              <dgm:if name="Name19" func="var" arg="hierBranch" op="equ" val="r">
+                <dgm:constrLst>
+                  <dgm:constr type="l" for="ch" forName="rootText1"/>
+                  <dgm:constr type="t" for="ch" forName="rootText1"/>
+                  <dgm:constr type="w" for="ch" forName="rootText1" refType="w"/>
+                  <dgm:constr type="h" for="ch" forName="rootText1" refType="h"/>
+                  <dgm:constr type="l" for="ch" forName="rootConnector1"/>
+                  <dgm:constr type="t" for="ch" forName="rootConnector1"/>
+                  <dgm:constr type="w" for="ch" forName="rootConnector1" refType="w" refFor="ch" refForName="rootText1" fact="0.2"/>
+                  <dgm:constr type="h" for="ch" forName="rootConnector1" refType="h" refFor="ch" refForName="rootText1"/>
+                </dgm:constrLst>
+              </dgm:if>
+              <dgm:else name="Name20">
+                <dgm:constrLst>
+                  <dgm:constr type="l" for="ch" forName="rootText1"/>
+                  <dgm:constr type="t" for="ch" forName="rootText1"/>
+                  <dgm:constr type="w" for="ch" forName="rootText1" refType="w"/>
+                  <dgm:constr type="h" for="ch" forName="rootText1" refType="h"/>
+                  <dgm:constr type="r" for="ch" forName="rootConnector1" refType="w"/>
+                  <dgm:constr type="t" for="ch" forName="rootConnector1"/>
+                  <dgm:constr type="w" for="ch" forName="rootConnector1" refType="w" refFor="ch" refForName="rootText1" fact="0.2"/>
+                  <dgm:constr type="h" for="ch" forName="rootConnector1" refType="h" refFor="ch" refForName="rootText1"/>
+                </dgm:constrLst>
+              </dgm:else>
+            </dgm:choose>
+            <dgm:ruleLst/>
+            <dgm:layoutNode name="rootText1" styleLbl="node0">
+              <dgm:varLst>
+                <dgm:chPref val="3"/>
+              </dgm:varLst>
+              <dgm:alg type="tx"/>
+              <dgm:shape xmlns:r="http://schemas.openxmlformats.org/officeDocument/2006/relationships" type="rect" r:blip="">
+                <dgm:adjLst/>
+              </dgm:shape>
+              <dgm:presOf axis="self" ptType="node" cnt="1"/>
+              <dgm:constrLst>
+                <dgm:constr type="primFontSz" val="65"/>
+                <dgm:constr type="lMarg" refType="primFontSz" fact="0.05"/>
+                <dgm:constr type="rMarg" refType="primFontSz" fact="0.05"/>
+                <dgm:constr type="tMarg" refType="primFontSz" fact="0.05"/>
+                <dgm:constr type="bMarg" refType="primFontSz" fact="0.05"/>
+              </dgm:constrLst>
+              <dgm:ruleLst>
+                <dgm:rule type="primFontSz" val="5" fact="NaN" max="NaN"/>
+              </dgm:ruleLst>
+            </dgm:layoutNode>
+            <dgm:layoutNode name="rootConnector1" moveWith="rootText1">
+              <dgm:alg type="sp"/>
+              <dgm:shape xmlns:r="http://schemas.openxmlformats.org/officeDocument/2006/relationships" type="rect" r:blip="" hideGeom="1">
+                <dgm:adjLst/>
+              </dgm:shape>
+              <dgm:presOf axis="self" ptType="node" cnt="1"/>
+              <dgm:constrLst/>
+              <dgm:ruleLst/>
+            </dgm:layoutNode>
+          </dgm:layoutNode>
+          <dgm:layoutNode name="hierChild2">
+            <dgm:choose name="Name21">
+              <dgm:if name="Name22" func="var" arg="hierBranch" op="equ" val="l">
+                <dgm:alg type="hierChild">
+                  <dgm:param type="chAlign" val="r"/>
+                  <dgm:param type="linDir" val="fromT"/>
+                </dgm:alg>
+              </dgm:if>
+              <dgm:if name="Name23" func="var" arg="hierBranch" op="equ" val="r">
+                <dgm:alg type="hierChild">
+                  <dgm:param type="chAlign" val="l"/>
+                  <dgm:param type="linDir" val="fromT"/>
+                </dgm:alg>
+              </dgm:if>
+              <dgm:if name="Name24" func="var" arg="hierBranch" op="equ" val="hang">
+                <dgm:choose name="Name25">
+                  <dgm:if name="Name26" func="var" arg="dir" op="equ" val="norm">
+                    <dgm:alg type="hierChild">
+                      <dgm:param type="chAlign" val="l"/>
+                      <dgm:param type="linDir" val="fromL"/>
+                      <dgm:param type="secChAlign" val="t"/>
+                      <dgm:param type="secLinDir" val="fromT"/>
+                    </dgm:alg>
+                  </dgm:if>
+                  <dgm:else name="Name27">
+                    <dgm:alg type="hierChild">
+                      <dgm:param type="chAlign" val="l"/>
+                      <dgm:param type="linDir" val="fromR"/>
+                      <dgm:param type="secChAlign" val="t"/>
+                      <dgm:param type="secLinDir" val="fromT"/>
+                    </dgm:alg>
+                  </dgm:else>
+                </dgm:choose>
+              </dgm:if>
+              <dgm:else name="Name28">
+                <dgm:choose name="Name29">
+                  <dgm:if name="Name30" func="var" arg="dir" op="equ" val="norm">
+                    <dgm:alg type="hierChild"/>
+                  </dgm:if>
+                  <dgm:else name="Name31">
+                    <dgm:alg type="hierChild">
+                      <dgm:param type="linDir" val="fromR"/>
+                    </dgm:alg>
+                  </dgm:else>
+                </dgm:choose>
+              </dgm:else>
+            </dgm:choose>
+            <dgm:shape xmlns:r="http://schemas.openxmlformats.org/officeDocument/2006/relationships" r:blip="">
+              <dgm:adjLst/>
+            </dgm:shape>
+            <dgm:presOf/>
+            <dgm:constrLst/>
+            <dgm:ruleLst/>
+            <dgm:forEach name="rep2a" axis="ch" ptType="nonAsst">
+              <dgm:forEach name="Name32" axis="precedSib" ptType="parTrans" st="-1" cnt="1">
+                <dgm:choose name="Name33">
+                  <dgm:if name="Name34" func="var" arg="hierBranch" op="equ" val="std">
+                    <dgm:layoutNode name="Name35">
+                      <dgm:alg type="conn">
+                        <dgm:param type="connRout" val="bend"/>
+                        <dgm:param type="dim" val="1D"/>
+                        <dgm:param type="endSty" val="noArr"/>
+                        <dgm:param type="begPts" val="bCtr"/>
+                        <dgm:param type="endPts" val="tCtr"/>
+                        <dgm:param type="bendPt" val="end"/>
+                      </dgm:alg>
+                      <dgm:shape xmlns:r="http://schemas.openxmlformats.org/officeDocument/2006/relationships" type="conn" r:blip="" zOrderOff="-99999">
+                        <dgm:adjLst/>
+                      </dgm:shape>
+                      <dgm:presOf axis="self"/>
+                      <dgm:constrLst>
+                        <dgm:constr type="begPad"/>
+                        <dgm:constr type="endPad"/>
+                      </dgm:constrLst>
+                      <dgm:ruleLst/>
+                    </dgm:layoutNode>
+                  </dgm:if>
+                  <dgm:if name="Name36" func="var" arg="hierBranch" op="equ" val="init">
+                    <dgm:layoutNode name="Name37">
+                      <dgm:choose name="Name38">
+                        <dgm:if name="Name39" axis="self" func="depth" op="lte" val="2">
+                          <dgm:alg type="conn">
+                            <dgm:param type="connRout" val="bend"/>
+                            <dgm:param type="dim" val="1D"/>
+                            <dgm:param type="endSty" val="noArr"/>
+                            <dgm:param type="begPts" val="bCtr"/>
+                            <dgm:param type="endPts" val="tCtr"/>
+                            <dgm:param type="bendPt" val="end"/>
+                          </dgm:alg>
+                        </dgm:if>
+                        <dgm:else name="Name40">
+                          <dgm:choose name="Name41">
+                            <dgm:if name="Name42" axis="par des" func="maxDepth" op="lte" val="1">
+                              <dgm:choose name="Name43">
+                                <dgm:if name="Name44" axis="par ch" ptType="node asst" func="cnt" op="gte" val="1">
+                                  <dgm:alg type="conn">
+                                    <dgm:param type="connRout" val="bend"/>
+                                    <dgm:param type="dim" val="1D"/>
+                                    <dgm:param type="endSty" val="noArr"/>
+                                    <dgm:param type="begPts" val="bCtr"/>
+                                    <dgm:param type="endPts" val="midL midR"/>
+                                  </dgm:alg>
+                                </dgm:if>
+                                <dgm:else name="Name45">
+                                  <dgm:alg type="conn">
+                                    <dgm:param type="connRout" val="bend"/>
+                                    <dgm:param type="dim" val="1D"/>
+                                    <dgm:param type="endSty" val="noArr"/>
+                                    <dgm:param type="begPts" val="bCtr"/>
+                                    <dgm:param type="endPts" val="midL midR"/>
+                                    <dgm:param type="srcNode" val="rootConnector"/>
+                                  </dgm:alg>
+                                </dgm:else>
+                              </dgm:choose>
+                            </dgm:if>
+                            <dgm:else name="Name46">
+                              <dgm:alg type="conn">
+                                <dgm:param type="connRout" val="bend"/>
+                                <dgm:param type="dim" val="1D"/>
+                                <dgm:param type="endSty" val="noArr"/>
+                                <dgm:param type="begPts" val="bCtr"/>
+                                <dgm:param type="endPts" val="tCtr"/>
+                                <dgm:param type="bendPt" val="end"/>
+                              </dgm:alg>
+                            </dgm:else>
+                          </dgm:choose>
+                        </dgm:else>
+                      </dgm:choose>
+                      <dgm:shape xmlns:r="http://schemas.openxmlformats.org/officeDocument/2006/relationships" type="conn" r:blip="" zOrderOff="-99999">
+                        <dgm:adjLst/>
+                      </dgm:shape>
+                      <dgm:presOf axis="self"/>
+                      <dgm:constrLst>
+                        <dgm:constr type="begPad"/>
+                        <dgm:constr type="endPad"/>
+                      </dgm:constrLst>
+                      <dgm:ruleLst/>
+                    </dgm:layoutNode>
+                  </dgm:if>
+                  <dgm:if name="Name47" func="var" arg="hierBranch" op="equ" val="hang">
+                    <dgm:layoutNode name="Name48">
+                      <dgm:alg type="conn">
+                        <dgm:param type="connRout" val="bend"/>
+                        <dgm:param type="dim" val="1D"/>
+                        <dgm:param type="endSty" val="noArr"/>
+                        <dgm:param type="begPts" val="bCtr"/>
+                        <dgm:param type="endPts" val="midL midR"/>
+                      </dgm:alg>
+                      <dgm:shape xmlns:r="http://schemas.openxmlformats.org/officeDocument/2006/relationships" type="conn" r:blip="" zOrderOff="-99999">
+                        <dgm:adjLst/>
+                      </dgm:shape>
+                      <dgm:presOf axis="self"/>
+                      <dgm:constrLst>
+                        <dgm:constr type="begPad"/>
+                        <dgm:constr type="endPad"/>
+                      </dgm:constrLst>
+                      <dgm:ruleLst/>
+                    </dgm:layoutNode>
+                  </dgm:if>
+                  <dgm:else name="Name49">
+                    <dgm:layoutNode name="Name50">
+                      <dgm:choose name="Name51">
+                        <dgm:if name="Name52" axis="self" func="depth" op="lte" val="2">
+                          <dgm:choose name="Name53">
+                            <dgm:if name="Name54" axis="par ch" ptType="node asst" func="cnt" op="gte" val="1">
+                              <dgm:alg type="conn">
+                                <dgm:param type="connRout" val="bend"/>
+                                <dgm:param type="dim" val="1D"/>
+                                <dgm:param type="endSty" val="noArr"/>
+                                <dgm:param type="begPts" val="bCtr"/>
+                                <dgm:param type="endPts" val="midL midR"/>
+                              </dgm:alg>
+                            </dgm:if>
+                            <dgm:else name="Name55">
+                              <dgm:alg type="conn">
+                                <dgm:param type="connRout" val="bend"/>
+                                <dgm:param type="dim" val="1D"/>
+                                <dgm:param type="endSty" val="noArr"/>
+                                <dgm:param type="begPts" val="bCtr"/>
+                                <dgm:param type="endPts" val="midL midR"/>
+                                <dgm:param type="srcNode" val="rootConnector1"/>
+                              </dgm:alg>
+                            </dgm:else>
+                          </dgm:choose>
+                        </dgm:if>
+                        <dgm:else name="Name56">
+                          <dgm:choose name="Name57">
+                            <dgm:if name="Name58" axis="par ch" ptType="node asst" func="cnt" op="gte" val="1">
+                              <dgm:alg type="conn">
+                                <dgm:param type="connRout" val="bend"/>
+                                <dgm:param type="dim" val="1D"/>
+                                <dgm:param type="endSty" val="noArr"/>
+                                <dgm:param type="begPts" val="bCtr"/>
+                                <dgm:param type="endPts" val="midL midR"/>
+                              </dgm:alg>
+                            </dgm:if>
+                            <dgm:else name="Name59">
+                              <dgm:alg type="conn">
+                                <dgm:param type="connRout" val="bend"/>
+                                <dgm:param type="dim" val="1D"/>
+                                <dgm:param type="endSty" val="noArr"/>
+                                <dgm:param type="begPts" val="bCtr"/>
+                                <dgm:param type="endPts" val="midL midR"/>
+                                <dgm:param type="srcNode" val="rootConnector"/>
+                              </dgm:alg>
+                            </dgm:else>
+                          </dgm:choose>
+                        </dgm:else>
+                      </dgm:choose>
+                      <dgm:shape xmlns:r="http://schemas.openxmlformats.org/officeDocument/2006/relationships" type="conn" r:blip="" zOrderOff="-99999">
+                        <dgm:adjLst/>
+                      </dgm:shape>
+                      <dgm:presOf axis="self"/>
+                      <dgm:constrLst>
+                        <dgm:constr type="begPad"/>
+                        <dgm:constr type="endPad"/>
+                      </dgm:constrLst>
+                      <dgm:ruleLst/>
+                    </dgm:layoutNode>
+                  </dgm:else>
+                </dgm:choose>
+              </dgm:forEach>
+              <dgm:layoutNode name="hierRoot2">
+                <dgm:varLst>
+                  <dgm:hierBranch val="init"/>
+                </dgm:varLst>
+                <dgm:choose name="Name60">
+                  <dgm:if name="Name61" func="var" arg="hierBranch" op="equ" val="l">
+                    <dgm:choose name="Name62">
+                      <dgm:if name="Name63" axis="ch" ptType="asst" func="cnt" op="gte" val="1">
+                        <dgm:alg type="hierRoot">
+                          <dgm:param type="hierAlign" val="tR"/>
+                        </dgm:alg>
+                        <dgm:shape xmlns:r="http://schemas.openxmlformats.org/officeDocument/2006/relationships" r:blip="">
+                          <dgm:adjLst/>
+                        </dgm:shape>
+                        <dgm:presOf/>
+                        <dgm:constrLst>
+                          <dgm:constr type="alignOff" val="0.65"/>
+                        </dgm:constrLst>
+                      </dgm:if>
+                      <dgm:else name="Name64">
+                        <dgm:alg type="hierRoot">
+                          <dgm:param type="hierAlign" val="tR"/>
+                        </dgm:alg>
+                        <dgm:shape xmlns:r="http://schemas.openxmlformats.org/officeDocument/2006/relationships" r:blip="">
+                          <dgm:adjLst/>
+                        </dgm:shape>
+                        <dgm:presOf/>
+                        <dgm:constrLst>
+                          <dgm:constr type="alignOff" val="0.25"/>
+                        </dgm:constrLst>
+                      </dgm:else>
+                    </dgm:choose>
+                  </dgm:if>
+                  <dgm:if name="Name65" func="var" arg="hierBranch" op="equ" val="r">
+                    <dgm:choose name="Name66">
+                      <dgm:if name="Name67" axis="ch" ptType="asst" func="cnt" op="gte" val="1">
+                        <dgm:alg type="hierRoot">
+                          <dgm:param type="hierAlign" val="tL"/>
+                        </dgm:alg>
+                        <dgm:shape xmlns:r="http://schemas.openxmlformats.org/officeDocument/2006/relationships" r:blip="">
+                          <dgm:adjLst/>
+                        </dgm:shape>
+                        <dgm:presOf/>
+                        <dgm:constrLst>
+                          <dgm:constr type="alignOff" val="0.65"/>
+                        </dgm:constrLst>
+                      </dgm:if>
+                      <dgm:else name="Name68">
+                        <dgm:alg type="hierRoot">
+                          <dgm:param type="hierAlign" val="tL"/>
+                        </dgm:alg>
+                        <dgm:shape xmlns:r="http://schemas.openxmlformats.org/officeDocument/2006/relationships" r:blip="">
+                          <dgm:adjLst/>
+                        </dgm:shape>
+                        <dgm:presOf/>
+                        <dgm:constrLst>
+                          <dgm:constr type="alignOff" val="0.25"/>
+                        </dgm:constrLst>
+                      </dgm:else>
+                    </dgm:choose>
+                  </dgm:if>
+                  <dgm:if name="Name69" func="var" arg="hierBranch" op="equ" val="std">
+                    <dgm:alg type="hierRoot"/>
+                    <dgm:shape xmlns:r="http://schemas.openxmlformats.org/officeDocument/2006/relationships" r:blip="">
+                      <dgm:adjLst/>
+                    </dgm:shape>
+                    <dgm:presOf/>
+                    <dgm:constrLst>
+                      <dgm:constr type="alignOff"/>
+                      <dgm:constr type="bendDist" for="des" ptType="parTrans" refType="sp" fact="0.5"/>
+                    </dgm:constrLst>
+                  </dgm:if>
+                  <dgm:if name="Name70" func="var" arg="hierBranch" op="equ" val="init">
+                    <dgm:choose name="Name71">
+                      <dgm:if name="Name72" axis="des" func="maxDepth" op="lte" val="1">
+                        <dgm:choose name="Name73">
+                          <dgm:if name="Name74" axis="ch" ptType="asst" func="cnt" op="gte" val="1">
+                            <dgm:alg type="hierRoot">
+                              <dgm:param type="hierAlign" val="tL"/>
+                            </dgm:alg>
+                            <dgm:shape xmlns:r="http://schemas.openxmlformats.org/officeDocument/2006/relationships" r:blip="">
+                              <dgm:adjLst/>
+                            </dgm:shape>
+                            <dgm:presOf/>
+                            <dgm:constrLst>
+                              <dgm:constr type="alignOff" val="0.65"/>
+                            </dgm:constrLst>
+                          </dgm:if>
+                          <dgm:else name="Name75">
+                            <dgm:alg type="hierRoot">
+                              <dgm:param type="hierAlign" val="tL"/>
+                            </dgm:alg>
+                            <dgm:shape xmlns:r="http://schemas.openxmlformats.org/officeDocument/2006/relationships" r:blip="">
+                              <dgm:adjLst/>
+                            </dgm:shape>
+                            <dgm:presOf/>
+                            <dgm:constrLst>
+                              <dgm:constr type="alignOff" val="0.25"/>
+                            </dgm:constrLst>
+                          </dgm:else>
+                        </dgm:choose>
+                      </dgm:if>
+                      <dgm:else name="Name76">
+                        <dgm:alg type="hierRoot"/>
+                        <dgm:shape xmlns:r="http://schemas.openxmlformats.org/officeDocument/2006/relationships" r:blip="">
+                          <dgm:adjLst/>
+                        </dgm:shape>
+                        <dgm:presOf/>
+                        <dgm:constrLst>
+                          <dgm:constr type="alignOff"/>
+                          <dgm:constr type="bendDist" for="des" ptType="parTrans" refType="sp" fact="0.5"/>
+                        </dgm:constrLst>
+                      </dgm:else>
+                    </dgm:choose>
+                  </dgm:if>
+                  <dgm:else name="Name77">
+                    <dgm:alg type="hierRoot"/>
+                    <dgm:shape xmlns:r="http://schemas.openxmlformats.org/officeDocument/2006/relationships" r:blip="">
+                      <dgm:adjLst/>
+                    </dgm:shape>
+                    <dgm:presOf/>
+                    <dgm:constrLst>
+                      <dgm:constr type="alignOff" val="0.65"/>
+                    </dgm:constrLst>
+                  </dgm:else>
+                </dgm:choose>
+                <dgm:ruleLst/>
+                <dgm:layoutNode name="rootComposite">
+                  <dgm:alg type="composite"/>
+                  <dgm:shape xmlns:r="http://schemas.openxmlformats.org/officeDocument/2006/relationships" r:blip="">
+                    <dgm:adjLst/>
+                  </dgm:shape>
+                  <dgm:presOf axis="self" ptType="node" cnt="1"/>
+                  <dgm:choose name="Name78">
+                    <dgm:if name="Name79" func="var" arg="hierBranch" op="equ" val="init">
+                      <dgm:constrLst>
+                        <dgm:constr type="l" for="ch" forName="rootText"/>
+                        <dgm:constr type="t" for="ch" forName="rootText"/>
+                        <dgm:constr type="w" for="ch" forName="rootText" refType="w"/>
+                        <dgm:constr type="h" for="ch" forName="rootText" refType="h"/>
+                        <dgm:constr type="l" for="ch" forName="rootConnector"/>
+                        <dgm:constr type="t" for="ch" forName="rootConnector"/>
+                        <dgm:constr type="w" for="ch" forName="rootConnector" refType="w" refFor="ch" refForName="rootText" fact="0.2"/>
+                        <dgm:constr type="h" for="ch" forName="rootConnector" refType="h" refFor="ch" refForName="rootText"/>
+                      </dgm:constrLst>
+                    </dgm:if>
+                    <dgm:if name="Name80" func="var" arg="hierBranch" op="equ" val="l">
+                      <dgm:constrLst>
+                        <dgm:constr type="l" for="ch" forName="rootText"/>
+                        <dgm:constr type="t" for="ch" forName="rootText"/>
+                        <dgm:constr type="w" for="ch" forName="rootText" refType="w"/>
+                        <dgm:constr type="h" for="ch" forName="rootText" refType="h"/>
+                        <dgm:constr type="r" for="ch" forName="rootConnector" refType="w"/>
+                        <dgm:constr type="t" for="ch" forName="rootConnector"/>
+                        <dgm:constr type="w" for="ch" forName="rootConnector" refType="w" refFor="ch" refForName="rootText" fact="0.2"/>
+                        <dgm:constr type="h" for="ch" forName="rootConnector" refType="h" refFor="ch" refForName="rootText"/>
+                      </dgm:constrLst>
+                    </dgm:if>
+                    <dgm:if name="Name81" func="var" arg="hierBranch" op="equ" val="r">
+                      <dgm:constrLst>
+                        <dgm:constr type="l" for="ch" forName="rootText"/>
+                        <dgm:constr type="t" for="ch" forName="rootText"/>
+                        <dgm:constr type="w" for="ch" forName="rootText" refType="w"/>
+                        <dgm:constr type="h" for="ch" forName="rootText" refType="h"/>
+                        <dgm:constr type="l" for="ch" forName="rootConnector"/>
+                        <dgm:constr type="t" for="ch" forName="rootConnector"/>
+                        <dgm:constr type="w" for="ch" forName="rootConnector" refType="w" refFor="ch" refForName="rootText" fact="0.2"/>
+                        <dgm:constr type="h" for="ch" forName="rootConnector" refType="h" refFor="ch" refForName="rootText"/>
+                      </dgm:constrLst>
+                    </dgm:if>
+                    <dgm:else name="Name82">
+                      <dgm:constrLst>
+                        <dgm:constr type="l" for="ch" forName="rootText"/>
+                        <dgm:constr type="t" for="ch" forName="rootText"/>
+                        <dgm:constr type="w" for="ch" forName="rootText" refType="w"/>
+                        <dgm:constr type="h" for="ch" forName="rootText" refType="h"/>
+                        <dgm:constr type="r" for="ch" forName="rootConnector" refType="w"/>
+                        <dgm:constr type="t" for="ch" forName="rootConnector"/>
+                        <dgm:constr type="w" for="ch" forName="rootConnector" refType="w" refFor="ch" refForName="rootText" fact="0.2"/>
+                        <dgm:constr type="h" for="ch" forName="rootConnector" refType="h" refFor="ch" refForName="rootText"/>
+                      </dgm:constrLst>
+                    </dgm:else>
+                  </dgm:choose>
+                  <dgm:ruleLst/>
+                  <dgm:layoutNode name="rootText">
+                    <dgm:varLst>
+                      <dgm:chPref val="3"/>
+                    </dgm:varLst>
+                    <dgm:alg type="tx"/>
+                    <dgm:shape xmlns:r="http://schemas.openxmlformats.org/officeDocument/2006/relationships" type="rect" r:blip="">
+                      <dgm:adjLst/>
+                    </dgm:shape>
+                    <dgm:presOf axis="self" ptType="node" cnt="1"/>
+                    <dgm:constrLst>
+                      <dgm:constr type="primFontSz" val="65"/>
+                      <dgm:constr type="lMarg" refType="primFontSz" fact="0.05"/>
+                      <dgm:constr type="rMarg" refType="primFontSz" fact="0.05"/>
+                      <dgm:constr type="tMarg" refType="primFontSz" fact="0.05"/>
+                      <dgm:constr type="bMarg" refType="primFontSz" fact="0.05"/>
+                    </dgm:constrLst>
+                    <dgm:ruleLst>
+                      <dgm:rule type="primFontSz" val="5" fact="NaN" max="NaN"/>
+                    </dgm:ruleLst>
+                  </dgm:layoutNode>
+                  <dgm:layoutNode name="rootConnector" moveWith="rootText">
+                    <dgm:alg type="sp"/>
+                    <dgm:shape xmlns:r="http://schemas.openxmlformats.org/officeDocument/2006/relationships" type="rect" r:blip="" hideGeom="1">
+                      <dgm:adjLst/>
+                    </dgm:shape>
+                    <dgm:presOf axis="self" ptType="node" cnt="1"/>
+                    <dgm:constrLst/>
+                    <dgm:ruleLst/>
+                  </dgm:layoutNode>
+                </dgm:layoutNode>
+                <dgm:layoutNode name="hierChild4">
+                  <dgm:choose name="Name83">
+                    <dgm:if name="Name84" func="var" arg="hierBranch" op="equ" val="l">
+                      <dgm:alg type="hierChild">
+                        <dgm:param type="chAlign" val="r"/>
+                        <dgm:param type="linDir" val="fromT"/>
+                      </dgm:alg>
+                    </dgm:if>
+                    <dgm:if name="Name85" func="var" arg="hierBranch" op="equ" val="r">
+                      <dgm:alg type="hierChild">
+                        <dgm:param type="chAlign" val="l"/>
+                        <dgm:param type="linDir" val="fromT"/>
+                      </dgm:alg>
+                    </dgm:if>
+                    <dgm:if name="Name86" func="var" arg="hierBranch" op="equ" val="hang">
+                      <dgm:choose name="Name87">
+                        <dgm:if name="Name88" func="var" arg="dir" op="equ" val="norm">
+                          <dgm:alg type="hierChild">
+                            <dgm:param type="chAlign" val="l"/>
+                            <dgm:param type="linDir" val="fromL"/>
+                            <dgm:param type="secChAlign" val="t"/>
+                            <dgm:param type="secLinDir" val="fromT"/>
+                          </dgm:alg>
+                        </dgm:if>
+                        <dgm:else name="Name89">
+                          <dgm:alg type="hierChild">
+                            <dgm:param type="chAlign" val="l"/>
+                            <dgm:param type="linDir" val="fromR"/>
+                            <dgm:param type="secChAlign" val="t"/>
+                            <dgm:param type="secLinDir" val="fromT"/>
+                          </dgm:alg>
+                        </dgm:else>
+                      </dgm:choose>
+                    </dgm:if>
+                    <dgm:if name="Name90" func="var" arg="hierBranch" op="equ" val="std">
+                      <dgm:choose name="Name91">
+                        <dgm:if name="Name92" func="var" arg="dir" op="equ" val="norm">
+                          <dgm:alg type="hierChild"/>
+                        </dgm:if>
+                        <dgm:else name="Name93">
+                          <dgm:alg type="hierChild">
+                            <dgm:param type="linDir" val="fromR"/>
+                          </dgm:alg>
+                        </dgm:else>
+                      </dgm:choose>
+                    </dgm:if>
+                    <dgm:if name="Name94" func="var" arg="hierBranch" op="equ" val="init">
+                      <dgm:choose name="Name95">
+                        <dgm:if name="Name96" axis="des" func="maxDepth" op="lte" val="1">
+                          <dgm:alg type="hierChild">
+                            <dgm:param type="chAlign" val="l"/>
+                            <dgm:param type="linDir" val="fromT"/>
+                          </dgm:alg>
+                        </dgm:if>
+                        <dgm:else name="Name97">
+                          <dgm:choose name="Name98">
+                            <dgm:if name="Name99" func="var" arg="dir" op="equ" val="norm">
+                              <dgm:alg type="hierChild"/>
+                            </dgm:if>
+                            <dgm:else name="Name100">
+                              <dgm:alg type="hierChild">
+                                <dgm:param type="linDir" val="fromR"/>
+                              </dgm:alg>
+                            </dgm:else>
+                          </dgm:choose>
+                        </dgm:else>
+                      </dgm:choose>
+                    </dgm:if>
+                    <dgm:else name="Name101"/>
+                  </dgm:choose>
+                  <dgm:shape xmlns:r="http://schemas.openxmlformats.org/officeDocument/2006/relationships" r:blip="">
+                    <dgm:adjLst/>
+                  </dgm:shape>
+                  <dgm:presOf/>
+                  <dgm:constrLst/>
+                  <dgm:ruleLst/>
+                  <dgm:forEach name="Name102" ref="rep2a"/>
+                </dgm:layoutNode>
+                <dgm:layoutNode name="hierChild5">
+                  <dgm:choose name="Name103">
+                    <dgm:if name="Name104" func="var" arg="dir" op="equ" val="norm">
+                      <dgm:alg type="hierChild">
+                        <dgm:param type="chAlign" val="l"/>
+                        <dgm:param type="linDir" val="fromL"/>
+                        <dgm:param type="secChAlign" val="t"/>
+                        <dgm:param type="secLinDir" val="fromT"/>
+                      </dgm:alg>
+                    </dgm:if>
+                    <dgm:else name="Name105">
+                      <dgm:alg type="hierChild">
+                        <dgm:param type="chAlign" val="l"/>
+                        <dgm:param type="linDir" val="fromR"/>
+                        <dgm:param type="secChAlign" val="t"/>
+                        <dgm:param type="secLinDir" val="fromT"/>
+                      </dgm:alg>
+                    </dgm:else>
+                  </dgm:choose>
+                  <dgm:shape xmlns:r="http://schemas.openxmlformats.org/officeDocument/2006/relationships" r:blip="">
+                    <dgm:adjLst/>
+                  </dgm:shape>
+                  <dgm:presOf/>
+                  <dgm:constrLst/>
+                  <dgm:ruleLst/>
+                  <dgm:forEach name="Name106" ref="rep2b"/>
+                </dgm:layoutNode>
+              </dgm:layoutNode>
+            </dgm:forEach>
+          </dgm:layoutNode>
+          <dgm:layoutNode name="hierChild3">
+            <dgm:choose name="Name107">
+              <dgm:if name="Name108" func="var" arg="dir" op="equ" val="norm">
+                <dgm:alg type="hierChild">
+                  <dgm:param type="chAlign" val="l"/>
+                  <dgm:param type="linDir" val="fromL"/>
+                  <dgm:param type="secChAlign" val="t"/>
+                  <dgm:param type="secLinDir" val="fromT"/>
+                </dgm:alg>
+              </dgm:if>
+              <dgm:else name="Name109">
+                <dgm:alg type="hierChild">
+                  <dgm:param type="chAlign" val="l"/>
+                  <dgm:param type="linDir" val="fromR"/>
+                  <dgm:param type="secChAlign" val="t"/>
+                  <dgm:param type="secLinDir" val="fromT"/>
+                </dgm:alg>
+              </dgm:else>
+            </dgm:choose>
+            <dgm:shape xmlns:r="http://schemas.openxmlformats.org/officeDocument/2006/relationships" r:blip="">
+              <dgm:adjLst/>
+            </dgm:shape>
+            <dgm:presOf/>
+            <dgm:constrLst/>
+            <dgm:ruleLst/>
+            <dgm:forEach name="rep2b" axis="ch" ptType="asst">
+              <dgm:forEach name="Name110" axis="precedSib" ptType="parTrans" st="-1" cnt="1">
+                <dgm:layoutNode name="Name111">
+                  <dgm:alg type="conn">
+                    <dgm:param type="connRout" val="bend"/>
+                    <dgm:param type="dim" val="1D"/>
+                    <dgm:param type="endSty" val="noArr"/>
+                    <dgm:param type="begPts" val="bCtr"/>
+                    <dgm:param type="endPts" val="midL midR"/>
+                  </dgm:alg>
+                  <dgm:shape xmlns:r="http://schemas.openxmlformats.org/officeDocument/2006/relationships" type="conn" r:blip="" zOrderOff="-99999">
+                    <dgm:adjLst/>
+                  </dgm:shape>
+                  <dgm:presOf axis="self"/>
+                  <dgm:constrLst>
+                    <dgm:constr type="begPad"/>
+                    <dgm:constr type="endPad"/>
+                  </dgm:constrLst>
+                  <dgm:ruleLst/>
+                </dgm:layoutNode>
+              </dgm:forEach>
+              <dgm:layoutNode name="hierRoot3">
+                <dgm:varLst>
+                  <dgm:hierBranch val="init"/>
+                </dgm:varLst>
+                <dgm:choose name="Name112">
+                  <dgm:if name="Name113" func="var" arg="hierBranch" op="equ" val="l">
+                    <dgm:alg type="hierRoot">
+                      <dgm:param type="hierAlign" val="tR"/>
+                    </dgm:alg>
+                    <dgm:shape xmlns:r="http://schemas.openxmlformats.org/officeDocument/2006/relationships" r:blip="">
+                      <dgm:adjLst/>
+                    </dgm:shape>
+                    <dgm:presOf/>
+                    <dgm:constrLst>
+                      <dgm:constr type="alignOff" val="0.65"/>
+                    </dgm:constrLst>
+                  </dgm:if>
+                  <dgm:if name="Name114" func="var" arg="hierBranch" op="equ" val="r">
+                    <dgm:alg type="hierRoot">
+                      <dgm:param type="hierAlign" val="tL"/>
+                    </dgm:alg>
+                    <dgm:shape xmlns:r="http://schemas.openxmlformats.org/officeDocument/2006/relationships" r:blip="">
+                      <dgm:adjLst/>
+                    </dgm:shape>
+                    <dgm:presOf/>
+                    <dgm:constrLst>
+                      <dgm:constr type="alignOff" val="0.65"/>
+                    </dgm:constrLst>
+                  </dgm:if>
+                  <dgm:if name="Name115" func="var" arg="hierBranch" op="equ" val="hang">
+                    <dgm:alg type="hierRoot"/>
+                    <dgm:shape xmlns:r="http://schemas.openxmlformats.org/officeDocument/2006/relationships" r:blip="">
+                      <dgm:adjLst/>
+                    </dgm:shape>
+                    <dgm:presOf/>
+                    <dgm:constrLst>
+                      <dgm:constr type="alignOff" val="0.65"/>
+                    </dgm:constrLst>
+                  </dgm:if>
+                  <dgm:if name="Name116" func="var" arg="hierBranch" op="equ" val="std">
+                    <dgm:alg type="hierRoot"/>
+                    <dgm:shape xmlns:r="http://schemas.openxmlformats.org/officeDocument/2006/relationships" r:blip="">
+                      <dgm:adjLst/>
+                    </dgm:shape>
+                    <dgm:presOf/>
+                    <dgm:constrLst>
+                      <dgm:constr type="alignOff"/>
+                      <dgm:constr type="bendDist" for="des" ptType="parTrans" refType="sp" fact="0.5"/>
+                    </dgm:constrLst>
+                  </dgm:if>
+                  <dgm:if name="Name117" func="var" arg="hierBranch" op="equ" val="init">
+                    <dgm:choose name="Name118">
+                      <dgm:if name="Name119" axis="des" func="maxDepth" op="lte" val="1">
+                        <dgm:alg type="hierRoot">
+                          <dgm:param type="hierAlign" val="tL"/>
+                        </dgm:alg>
+                        <dgm:shape xmlns:r="http://schemas.openxmlformats.org/officeDocument/2006/relationships" r:blip="">
+                          <dgm:adjLst/>
+                        </dgm:shape>
+                        <dgm:presOf/>
+                        <dgm:constrLst>
+                          <dgm:constr type="alignOff" val="0.65"/>
+                        </dgm:constrLst>
+                      </dgm:if>
+                      <dgm:else name="Name120">
+                        <dgm:alg type="hierRoot"/>
+                        <dgm:shape xmlns:r="http://schemas.openxmlformats.org/officeDocument/2006/relationships" r:blip="">
+                          <dgm:adjLst/>
+                        </dgm:shape>
+                        <dgm:presOf/>
+                        <dgm:constrLst>
+                          <dgm:constr type="alignOff"/>
+                          <dgm:constr type="bendDist" for="des" ptType="parTrans" refType="sp" fact="0.5"/>
+                        </dgm:constrLst>
+                      </dgm:else>
+                    </dgm:choose>
+                  </dgm:if>
+                  <dgm:else name="Name121"/>
+                </dgm:choose>
+                <dgm:ruleLst/>
+                <dgm:layoutNode name="rootComposite3">
+                  <dgm:alg type="composite"/>
+                  <dgm:shape xmlns:r="http://schemas.openxmlformats.org/officeDocument/2006/relationships" r:blip="">
+                    <dgm:adjLst/>
+                  </dgm:shape>
+                  <dgm:presOf axis="self" ptType="node" cnt="1"/>
+                  <dgm:choose name="Name122">
+                    <dgm:if name="Name123" func="var" arg="hierBranch" op="equ" val="init">
+                      <dgm:constrLst>
+                        <dgm:constr type="l" for="ch" forName="rootText3"/>
+                        <dgm:constr type="t" for="ch" forName="rootText3"/>
+                        <dgm:constr type="w" for="ch" forName="rootText3" refType="w"/>
+                        <dgm:constr type="h" for="ch" forName="rootText3" refType="h"/>
+                        <dgm:constr type="l" for="ch" forName="rootConnector3"/>
+                        <dgm:constr type="t" for="ch" forName="rootConnector3"/>
+                        <dgm:constr type="w" for="ch" forName="rootConnector3" refType="w" refFor="ch" refForName="rootText3" fact="0.2"/>
+                        <dgm:constr type="h" for="ch" forName="rootConnector3" refType="h" refFor="ch" refForName="rootText3"/>
+                      </dgm:constrLst>
+                    </dgm:if>
+                    <dgm:if name="Name124" func="var" arg="hierBranch" op="equ" val="l">
+                      <dgm:constrLst>
+                        <dgm:constr type="l" for="ch" forName="rootText3"/>
+                        <dgm:constr type="t" for="ch" forName="rootText3"/>
+                        <dgm:constr type="w" for="ch" forName="rootText3" refType="w"/>
+                        <dgm:constr type="h" for="ch" forName="rootText3" refType="h"/>
+                        <dgm:constr type="r" for="ch" forName="rootConnector3" refType="w"/>
+                        <dgm:constr type="t" for="ch" forName="rootConnector3"/>
+                        <dgm:constr type="w" for="ch" forName="rootConnector3" refType="w" refFor="ch" refForName="rootText3" fact="0.2"/>
+                        <dgm:constr type="h" for="ch" forName="rootConnector3" refType="h" refFor="ch" refForName="rootText3"/>
+                      </dgm:constrLst>
+                    </dgm:if>
+                    <dgm:if name="Name125" func="var" arg="hierBranch" op="equ" val="r">
+                      <dgm:constrLst>
+                        <dgm:constr type="l" for="ch" forName="rootText3"/>
+                        <dgm:constr type="t" for="ch" forName="rootText3"/>
+                        <dgm:constr type="w" for="ch" forName="rootText3" refType="w"/>
+                        <dgm:constr type="h" for="ch" forName="rootText3" refType="h"/>
+                        <dgm:constr type="l" for="ch" forName="rootConnector3"/>
+                        <dgm:constr type="t" for="ch" forName="rootConnector3"/>
+                        <dgm:constr type="w" for="ch" forName="rootConnector3" refType="w" refFor="ch" refForName="rootText3" fact="0.2"/>
+                        <dgm:constr type="h" for="ch" forName="rootConnector3" refType="h" refFor="ch" refForName="rootText3"/>
+                      </dgm:constrLst>
+                    </dgm:if>
+                    <dgm:else name="Name126">
+                      <dgm:constrLst>
+                        <dgm:constr type="l" for="ch" forName="rootText3"/>
+                        <dgm:constr type="t" for="ch" forName="rootText3"/>
+                        <dgm:constr type="w" for="ch" forName="rootText3" refType="w"/>
+                        <dgm:constr type="h" for="ch" forName="rootText3" refType="h"/>
+                        <dgm:constr type="r" for="ch" forName="rootConnector3" refType="w"/>
+                        <dgm:constr type="t" for="ch" forName="rootConnector3"/>
+                        <dgm:constr type="w" for="ch" forName="rootConnector3" refType="w" refFor="ch" refForName="rootText3" fact="0.2"/>
+                        <dgm:constr type="h" for="ch" forName="rootConnector3" refType="h" refFor="ch" refForName="rootText3"/>
+                      </dgm:constrLst>
+                    </dgm:else>
+                  </dgm:choose>
+                  <dgm:ruleLst/>
+                  <dgm:layoutNode name="rootText3">
+                    <dgm:varLst>
+                      <dgm:chPref val="3"/>
+                    </dgm:varLst>
+                    <dgm:alg type="tx"/>
+                    <dgm:shape xmlns:r="http://schemas.openxmlformats.org/officeDocument/2006/relationships" type="rect" r:blip="">
+                      <dgm:adjLst/>
+                    </dgm:shape>
+                    <dgm:presOf axis="self" ptType="node" cnt="1"/>
+                    <dgm:constrLst>
+                      <dgm:constr type="primFontSz" val="65"/>
+                      <dgm:constr type="lMarg" refType="primFontSz" fact="0.05"/>
+                      <dgm:constr type="rMarg" refType="primFontSz" fact="0.05"/>
+                      <dgm:constr type="tMarg" refType="primFontSz" fact="0.05"/>
+                      <dgm:constr type="bMarg" refType="primFontSz" fact="0.05"/>
+                    </dgm:constrLst>
+                    <dgm:ruleLst>
+                      <dgm:rule type="primFontSz" val="5" fact="NaN" max="NaN"/>
+                    </dgm:ruleLst>
+                  </dgm:layoutNode>
+                  <dgm:layoutNode name="rootConnector3" moveWith="rootText1">
+                    <dgm:alg type="sp"/>
+                    <dgm:shape xmlns:r="http://schemas.openxmlformats.org/officeDocument/2006/relationships" type="rect" r:blip="" hideGeom="1">
+                      <dgm:adjLst/>
+                    </dgm:shape>
+                    <dgm:presOf axis="self" ptType="node" cnt="1"/>
+                    <dgm:constrLst/>
+                    <dgm:ruleLst/>
+                  </dgm:layoutNode>
+                </dgm:layoutNode>
+                <dgm:layoutNode name="hierChild6">
+                  <dgm:choose name="Name127">
+                    <dgm:if name="Name128" func="var" arg="hierBranch" op="equ" val="l">
+                      <dgm:alg type="hierChild">
+                        <dgm:param type="chAlign" val="r"/>
+                        <dgm:param type="linDir" val="fromT"/>
+                      </dgm:alg>
+                    </dgm:if>
+                    <dgm:if name="Name129" func="var" arg="hierBranch" op="equ" val="r">
+                      <dgm:alg type="hierChild">
+                        <dgm:param type="chAlign" val="l"/>
+                        <dgm:param type="linDir" val="fromT"/>
+                      </dgm:alg>
+                    </dgm:if>
+                    <dgm:if name="Name130" func="var" arg="hierBranch" op="equ" val="hang">
+                      <dgm:choose name="Name131">
+                        <dgm:if name="Name132" func="var" arg="dir" op="equ" val="norm">
+                          <dgm:alg type="hierChild">
+                            <dgm:param type="chAlign" val="l"/>
+                            <dgm:param type="linDir" val="fromL"/>
+                            <dgm:param type="secChAlign" val="t"/>
+                            <dgm:param type="secLinDir" val="fromT"/>
+                          </dgm:alg>
+                        </dgm:if>
+                        <dgm:else name="Name133">
+                          <dgm:alg type="hierChild">
+                            <dgm:param type="chAlign" val="l"/>
+                            <dgm:param type="linDir" val="fromR"/>
+                            <dgm:param type="secChAlign" val="t"/>
+                            <dgm:param type="secLinDir" val="fromT"/>
+                          </dgm:alg>
+                        </dgm:else>
+                      </dgm:choose>
+                    </dgm:if>
+                    <dgm:if name="Name134" func="var" arg="hierBranch" op="equ" val="std">
+                      <dgm:choose name="Name135">
+                        <dgm:if name="Name136" func="var" arg="dir" op="equ" val="norm">
+                          <dgm:alg type="hierChild"/>
+                        </dgm:if>
+                        <dgm:else name="Name137">
+                          <dgm:alg type="hierChild">
+                            <dgm:param type="linDir" val="fromR"/>
+                          </dgm:alg>
+                        </dgm:else>
+                      </dgm:choose>
+                    </dgm:if>
+                    <dgm:if name="Name138" func="var" arg="hierBranch" op="equ" val="init">
+                      <dgm:choose name="Name139">
+                        <dgm:if name="Name140" axis="des" func="maxDepth" op="lte" val="1">
+                          <dgm:alg type="hierChild">
+                            <dgm:param type="chAlign" val="l"/>
+                            <dgm:param type="linDir" val="fromT"/>
+                          </dgm:alg>
+                        </dgm:if>
+                        <dgm:else name="Name141">
+                          <dgm:alg type="hierChild"/>
+                        </dgm:else>
+                      </dgm:choose>
+                    </dgm:if>
+                    <dgm:else name="Name142"/>
+                  </dgm:choose>
+                  <dgm:shape xmlns:r="http://schemas.openxmlformats.org/officeDocument/2006/relationships" r:blip="">
+                    <dgm:adjLst/>
+                  </dgm:shape>
+                  <dgm:presOf/>
+                  <dgm:constrLst/>
+                  <dgm:ruleLst/>
+                  <dgm:forEach name="Name143" ref="rep2a"/>
+                </dgm:layoutNode>
+                <dgm:layoutNode name="hierChild7">
+                  <dgm:choose name="Name144">
+                    <dgm:if name="Name145" func="var" arg="dir" op="equ" val="norm">
+                      <dgm:alg type="hierChild">
+                        <dgm:param type="chAlign" val="l"/>
+                        <dgm:param type="linDir" val="fromL"/>
+                        <dgm:param type="secChAlign" val="t"/>
+                        <dgm:param type="secLinDir" val="fromT"/>
+                      </dgm:alg>
+                    </dgm:if>
+                    <dgm:else name="Name146">
+                      <dgm:alg type="hierChild">
+                        <dgm:param type="chAlign" val="l"/>
+                        <dgm:param type="linDir" val="fromR"/>
+                        <dgm:param type="secChAlign" val="t"/>
+                        <dgm:param type="secLinDir" val="fromT"/>
+                      </dgm:alg>
+                    </dgm:else>
+                  </dgm:choose>
+                  <dgm:shape xmlns:r="http://schemas.openxmlformats.org/officeDocument/2006/relationships" r:blip="">
+                    <dgm:adjLst/>
+                  </dgm:shape>
+                  <dgm:presOf/>
+                  <dgm:constrLst/>
+                  <dgm:ruleLst/>
+                  <dgm:forEach name="Name147" ref="rep2b"/>
+                </dgm:layoutNode>
+              </dgm:layoutNode>
+            </dgm:forEach>
+          </dgm:layoutNode>
+        </dgm:layoutNode>
+      </dgm:forEach>
+    </dgm:forEach>
+  </dgm:layoutNode>
+</dgm:layoutDef>
+</file>
+
+<file path=ppt/diagrams/quickStyle1.xml><?xml version="1.0" encoding="utf-8"?>
+<dgm:styleDef xmlns:dgm="http://schemas.openxmlformats.org/drawingml/2006/diagram" xmlns:a="http://schemas.openxmlformats.org/drawingml/2006/main" uniqueId="urn:microsoft.com/office/officeart/2005/8/quickstyle/simple1">
+  <dgm:title val=""/>
+  <dgm:desc val=""/>
+  <dgm:catLst>
+    <dgm:cat type="simple" pri="10100"/>
+  </dgm:catLst>
+  <dgm:scene3d>
+    <a:camera prst="orthographicFront"/>
+    <a:lightRig rig="threePt" dir="t"/>
+  </dgm:scene3d>
+  <dgm:styleLbl name="node0">
+    <dgm:scene3d>
+      <a:camera prst="orthographicFront"/>
+      <a:lightRig rig="threePt" dir="t"/>
+    </dgm:scene3d>
+    <dgm:sp3d/>
+    <dgm:txPr/>
+    <dgm:style>
+      <a:lnRef idx="2">
+        <a:scrgbClr r="0" g="0" b="0"/>
+      </a:lnRef>
+      <a:fillRef idx="1">
+        <a:scrgbClr r="0" g="0" b="0"/>
+      </a:fillRef>
+      <a:effectRef idx="0">
+        <a:scrgbClr r="0" g="0" b="0"/>
+      </a:effectRef>
+      <a:fontRef idx="minor">
+        <a:schemeClr val="lt1"/>
+      </a:fontRef>
+    </dgm:style>
+  </dgm:styleLbl>
+  <dgm:styleLbl name="lnNode1">
+    <dgm:scene3d>
+      <a:camera prst="orthographicFront"/>
+      <a:lightRig rig="threePt" dir="t"/>
+    </dgm:scene3d>
+    <dgm:sp3d/>
+    <dgm:txPr/>
+    <dgm:style>
+      <a:lnRef idx="2">
+        <a:scrgbClr r="0" g="0" b="0"/>
+      </a:lnRef>
+      <a:fillRef idx="1">
+        <a:scrgbClr r="0" g="0" b="0"/>
+      </a:fillRef>
+      <a:effectRef idx="0">
+        <a:scrgbClr r="0" g="0" b="0"/>
+      </a:effectRef>
+      <a:fontRef idx="minor">
+        <a:schemeClr val="lt1"/>
+      </a:fontRef>
+    </dgm:style>
+  </dgm:styleLbl>
+  <dgm:styleLbl name="vennNode1">
+    <dgm:scene3d>
+      <a:camera prst="orthographicFront"/>
+      <a:lightRig rig="threePt" dir="t"/>
+    </dgm:scene3d>
+    <dgm:sp3d/>
+    <dgm:txPr/>
+    <dgm:style>
+      <a:lnRef idx="2">
+        <a:scrgbClr r="0" g="0" b="0"/>
+      </a:lnRef>
+      <a:fillRef idx="1">
+        <a:scrgbClr r="0" g="0" b="0"/>
+      </a:fillRef>
+      <a:effectRef idx="0">
+        <a:scrgbClr r="0" g="0" b="0"/>
+      </a:effectRef>
+      <a:fontRef idx="minor">
+        <a:schemeClr val="tx1"/>
+      </a:fontRef>
+    </dgm:style>
+  </dgm:styleLbl>
+  <dgm:styleLbl name="alignNode1">
+    <dgm:scene3d>
+      <a:camera prst="orthographicFront"/>
+      <a:lightRig rig="threePt" dir="t"/>
+    </dgm:scene3d>
+    <dgm:sp3d/>
+    <dgm:txPr/>
+    <dgm:style>
+      <a:lnRef idx="2">
+        <a:scrgbClr r="0" g="0" b="0"/>
+      </a:lnRef>
+      <a:fillRef idx="1">
+        <a:scrgbClr r="0" g="0" b="0"/>
+      </a:fillRef>
+      <a:effectRef idx="0">
+        <a:scrgbClr r="0" g="0" b="0"/>
+      </a:effectRef>
+      <a:fontRef idx="minor">
+        <a:schemeClr val="lt1"/>
+      </a:fontRef>
+    </dgm:style>
+  </dgm:styleLbl>
+  <dgm:styleLbl name="node1">
+    <dgm:scene3d>
+      <a:camera prst="orthographicFront"/>
+      <a:lightRig rig="threePt" dir="t"/>
+    </dgm:scene3d>
+    <dgm:sp3d/>
+    <dgm:txPr/>
+    <dgm:style>
+      <a:lnRef idx="2">
+        <a:scrgbClr r="0" g="0" b="0"/>
+      </a:lnRef>
+      <a:fillRef idx="1">
+        <a:scrgbClr r="0" g="0" b="0"/>
+      </a:fillRef>
+      <a:effectRef idx="0">
+        <a:scrgbClr r="0" g="0" b="0"/>
+      </a:effectRef>
+      <a:fontRef idx="minor">
+        <a:schemeClr val="lt1"/>
+      </a:fontRef>
+    </dgm:style>
+  </dgm:styleLbl>
+  <dgm:styleLbl name="node2">
+    <dgm:scene3d>
+      <a:camera prst="orthographicFront"/>
+      <a:lightRig rig="threePt" dir="t"/>
+    </dgm:scene3d>
+    <dgm:sp3d/>
+    <dgm:txPr/>
+    <dgm:style>
+      <a:lnRef idx="2">
+        <a:scrgbClr r="0" g="0" b="0"/>
+      </a:lnRef>
+      <a:fillRef idx="1">
+        <a:scrgbClr r="0" g="0" b="0"/>
+      </a:fillRef>
+      <a:effectRef idx="0">
+        <a:scrgbClr r="0" g="0" b="0"/>
+      </a:effectRef>
+      <a:fontRef idx="minor">
+        <a:schemeClr val="lt1"/>
+      </a:fontRef>
+    </dgm:style>
+  </dgm:styleLbl>
+  <dgm:styleLbl name="node3">
+    <dgm:scene3d>
+      <a:camera prst="orthographicFront"/>
+      <a:lightRig rig="threePt" dir="t"/>
+    </dgm:scene3d>
+    <dgm:sp3d/>
+    <dgm:txPr/>
+    <dgm:style>
+      <a:lnRef idx="2">
+        <a:scrgbClr r="0" g="0" b="0"/>
+      </a:lnRef>
+      <a:fillRef idx="1">
+        <a:scrgbClr r="0" g="0" b="0"/>
+      </a:fillRef>
+      <a:effectRef idx="0">
+        <a:scrgbClr r="0" g="0" b="0"/>
+      </a:effectRef>
+      <a:fontRef idx="minor">
+        <a:schemeClr val="lt1"/>
+      </a:fontRef>
+    </dgm:style>
+  </dgm:styleLbl>
+  <dgm:styleLbl name="node4">
+    <dgm:scene3d>
+      <a:camera prst="orthographicFront"/>
+      <a:lightRig rig="threePt" dir="t"/>
+    </dgm:scene3d>
+    <dgm:sp3d/>
+    <dgm:txPr/>
+    <dgm:style>
+      <a:lnRef idx="2">
+        <a:scrgbClr r="0" g="0" b="0"/>
+      </a:lnRef>
+      <a:fillRef idx="1">
+        <a:scrgbClr r="0" g="0" b="0"/>
+      </a:fillRef>
+      <a:effectRef idx="0">
+        <a:scrgbClr r="0" g="0" b="0"/>
+      </a:effectRef>
+      <a:fontRef idx="minor">
+        <a:schemeClr val="lt1"/>
+      </a:fontRef>
+    </dgm:style>
+  </dgm:styleLbl>
+  <dgm:styleLbl name="fgImgPlace1">
+    <dgm:scene3d>
+      <a:camera prst="orthographicFront"/>
+      <a:lightRig rig="threePt" dir="t"/>
+    </dgm:scene3d>
+    <dgm:sp3d/>
+    <dgm:txPr/>
+    <dgm:style>
+      <a:lnRef idx="2">
+        <a:scrgbClr r="0" g="0" b="0"/>
+      </a:lnRef>
+      <a:fillRef idx="1">
+        <a:scrgbClr r="0" g="0" b="0"/>
+      </a:fillRef>
+      <a:effectRef idx="0">
+        <a:scrgbClr r="0" g="0" b="0"/>
+      </a:effectRef>
+      <a:fontRef idx="minor"/>
+    </dgm:style>
+  </dgm:styleLbl>
+  <dgm:styleLbl name="alignImgPlace1">
+    <dgm:scene3d>
+      <a:camera prst="orthographicFront"/>
+      <a:lightRig rig="threePt" dir="t"/>
+    </dgm:scene3d>
+    <dgm:sp3d/>
+    <dgm:txPr/>
+    <dgm:style>
+      <a:lnRef idx="2">
+        <a:scrgbClr r="0" g="0" b="0"/>
+      </a:lnRef>
+      <a:fillRef idx="1">
+        <a:scrgbClr r="0" g="0" b="0"/>
+      </a:fillRef>
+      <a:effectRef idx="0">
+        <a:scrgbClr r="0" g="0" b="0"/>
+      </a:effectRef>
+      <a:fontRef idx="minor"/>
+    </dgm:style>
+  </dgm:styleLbl>
+  <dgm:styleLbl name="bgImgPlace1">
+    <dgm:scene3d>
+      <a:camera prst="orthographicFront"/>
+      <a:lightRig rig="threePt" dir="t"/>
+    </dgm:scene3d>
+    <dgm:sp3d/>
+    <dgm:txPr/>
+    <dgm:style>
+      <a:lnRef idx="2">
+        <a:scrgbClr r="0" g="0" b="0"/>
+      </a:lnRef>
+      <a:fillRef idx="1">
+        <a:scrgbClr r="0" g="0" b="0"/>
+      </a:fillRef>
+      <a:effectRef idx="0">
+        <a:scrgbClr r="0" g="0" b="0"/>
+      </a:effectRef>
+      <a:fontRef idx="minor"/>
+    </dgm:style>
+  </dgm:styleLbl>
+  <dgm:styleLbl name="sibTrans2D1">
+    <dgm:scene3d>
+      <a:camera prst="orthographicFront"/>
+      <a:lightRig rig="threePt" dir="t"/>
+    </dgm:scene3d>
+    <dgm:sp3d/>
+    <dgm:txPr/>
+    <dgm:style>
+      <a:lnRef idx="0">
+        <a:scrgbClr r="0" g="0" b="0"/>
+      </a:lnRef>
+      <a:fillRef idx="1">
+        <a:scrgbClr r="0" g="0" b="0"/>
+      </a:fillRef>
+      <a:effectRef idx="0">
+        <a:scrgbClr r="0" g="0" b="0"/>
+      </a:effectRef>
+      <a:fontRef idx="minor">
+        <a:schemeClr val="lt1"/>
+      </a:fontRef>
+    </dgm:style>
+  </dgm:styleLbl>
+  <dgm:styleLbl name="fgSibTrans2D1">
+    <dgm:scene3d>
+      <a:camera prst="orthographicFront"/>
+      <a:lightRig rig="threePt" dir="t"/>
+    </dgm:scene3d>
+    <dgm:sp3d/>
+    <dgm:txPr/>
+    <dgm:style>
+      <a:lnRef idx="0">
+        <a:scrgbClr r="0" g="0" b="0"/>
+      </a:lnRef>
+      <a:fillRef idx="1">
+        <a:scrgbClr r="0" g="0" b="0"/>
+      </a:fillRef>
+      <a:effectRef idx="0">
+        <a:scrgbClr r="0" g="0" b="0"/>
+      </a:effectRef>
+      <a:fontRef idx="minor">
+        <a:schemeClr val="lt1"/>
+      </a:fontRef>
+    </dgm:style>
+  </dgm:styleLbl>
+  <dgm:styleLbl name="bgSibTrans2D1">
+    <dgm:scene3d>
+      <a:camera prst="orthographicFront"/>
+      <a:lightRig rig="threePt" dir="t"/>
+    </dgm:scene3d>
+    <dgm:sp3d/>
+    <dgm:txPr/>
+    <dgm:style>
+      <a:lnRef idx="0">
+        <a:scrgbClr r="0" g="0" b="0"/>
+      </a:lnRef>
+      <a:fillRef idx="1">
+        <a:scrgbClr r="0" g="0" b="0"/>
+      </a:fillRef>
+      <a:effectRef idx="0">
+        <a:scrgbClr r="0" g="0" b="0"/>
+      </a:effectRef>
+      <a:fontRef idx="minor">
+        <a:schemeClr val="lt1"/>
+      </a:fontRef>
+    </dgm:style>
+  </dgm:styleLbl>
+  <dgm:styleLbl name="sibTrans1D1">
+    <dgm:scene3d>
+      <a:camera prst="orthographicFront"/>
+      <a:lightRig rig="threePt" dir="t"/>
+    </dgm:scene3d>
+    <dgm:sp3d/>
+    <dgm:txPr/>
+    <dgm:style>
+      <a:lnRef idx="1">
+        <a:scrgbClr r="0" g="0" b="0"/>
+      </a:lnRef>
+      <a:fillRef idx="0">
+        <a:scrgbClr r="0" g="0" b="0"/>
+      </a:fillRef>
+      <a:effectRef idx="0">
+        <a:scrgbClr r="0" g="0" b="0"/>
+      </a:effectRef>
+      <a:fontRef idx="minor"/>
+    </dgm:style>
+  </dgm:styleLbl>
+  <dgm:styleLbl name="callout">
+    <dgm:scene3d>
+      <a:camera prst="orthographicFront"/>
+      <a:lightRig rig="threePt" dir="t"/>
+    </dgm:scene3d>
+    <dgm:sp3d/>
+    <dgm:txPr/>
+    <dgm:style>
+      <a:lnRef idx="2">
+        <a:scrgbClr r="0" g="0" b="0"/>
+      </a:lnRef>
+      <a:fillRef idx="1">
+        <a:scrgbClr r="0" g="0" b="0"/>
+      </a:fillRef>
+      <a:effectRef idx="0">
+        <a:scrgbClr r="0" g="0" b="0"/>
+      </a:effectRef>
+      <a:fontRef idx="minor"/>
+    </dgm:style>
+  </dgm:styleLbl>
+  <dgm:styleLbl name="asst0">
+    <dgm:scene3d>
+      <a:camera prst="orthographicFront"/>
+      <a:lightRig rig="threePt" dir="t"/>
+    </dgm:scene3d>
+    <dgm:sp3d/>
+    <dgm:txPr/>
+    <dgm:style>
+      <a:lnRef idx="2">
+        <a:scrgbClr r="0" g="0" b="0"/>
+      </a:lnRef>
+      <a:fillRef idx="1">
+        <a:scrgbClr r="0" g="0" b="0"/>
+      </a:fillRef>
+      <a:effectRef idx="0">
+        <a:scrgbClr r="0" g="0" b="0"/>
+      </a:effectRef>
+      <a:fontRef idx="minor">
+        <a:schemeClr val="lt1"/>
+      </a:fontRef>
+    </dgm:style>
+  </dgm:styleLbl>
+  <dgm:styleLbl name="asst1">
+    <dgm:scene3d>
+      <a:camera prst="orthographicFront"/>
+      <a:lightRig rig="threePt" dir="t"/>
+    </dgm:scene3d>
+    <dgm:sp3d/>
+    <dgm:txPr/>
+    <dgm:style>
+      <a:lnRef idx="2">
+        <a:scrgbClr r="0" g="0" b="0"/>
+      </a:lnRef>
+      <a:fillRef idx="1">
+        <a:scrgbClr r="0" g="0" b="0"/>
+      </a:fillRef>
+      <a:effectRef idx="0">
+        <a:scrgbClr r="0" g="0" b="0"/>
+      </a:effectRef>
+      <a:fontRef idx="minor">
+        <a:schemeClr val="lt1"/>
+      </a:fontRef>
+    </dgm:style>
+  </dgm:styleLbl>
+  <dgm:styleLbl name="asst2">
+    <dgm:scene3d>
+      <a:camera prst="orthographicFront"/>
+      <a:lightRig rig="threePt" dir="t"/>
+    </dgm:scene3d>
+    <dgm:sp3d/>
+    <dgm:txPr/>
+    <dgm:style>
+      <a:lnRef idx="2">
+        <a:scrgbClr r="0" g="0" b="0"/>
+      </a:lnRef>
+      <a:fillRef idx="1">
+        <a:scrgbClr r="0" g="0" b="0"/>
+      </a:fillRef>
+      <a:effectRef idx="0">
+        <a:scrgbClr r="0" g="0" b="0"/>
+      </a:effectRef>
+      <a:fontRef idx="minor">
+        <a:schemeClr val="lt1"/>
+      </a:fontRef>
+    </dgm:style>
+  </dgm:styleLbl>
+  <dgm:styleLbl name="asst3">
+    <dgm:scene3d>
+      <a:camera prst="orthographicFront"/>
+      <a:lightRig rig="threePt" dir="t"/>
+    </dgm:scene3d>
+    <dgm:sp3d/>
+    <dgm:txPr/>
+    <dgm:style>
+      <a:lnRef idx="2">
+        <a:scrgbClr r="0" g="0" b="0"/>
+      </a:lnRef>
+      <a:fillRef idx="1">
+        <a:scrgbClr r="0" g="0" b="0"/>
+      </a:fillRef>
+      <a:effectRef idx="0">
+        <a:scrgbClr r="0" g="0" b="0"/>
+      </a:effectRef>
+      <a:fontRef idx="minor">
+        <a:schemeClr val="lt1"/>
+      </a:fontRef>
+    </dgm:style>
+  </dgm:styleLbl>
+  <dgm:styleLbl name="asst4">
+    <dgm:scene3d>
+      <a:camera prst="orthographicFront"/>
+      <a:lightRig rig="threePt" dir="t"/>
+    </dgm:scene3d>
+    <dgm:sp3d/>
+    <dgm:txPr/>
+    <dgm:style>
+      <a:lnRef idx="2">
+        <a:scrgbClr r="0" g="0" b="0"/>
+      </a:lnRef>
+      <a:fillRef idx="1">
+        <a:scrgbClr r="0" g="0" b="0"/>
+      </a:fillRef>
+      <a:effectRef idx="0">
+        <a:scrgbClr r="0" g="0" b="0"/>
+      </a:effectRef>
+      <a:fontRef idx="minor">
+        <a:schemeClr val="lt1"/>
+      </a:fontRef>
+    </dgm:style>
+  </dgm:styleLbl>
+  <dgm:styleLbl name="parChTrans2D1">
+    <dgm:scene3d>
+      <a:camera prst="orthographicFront"/>
+      <a:lightRig rig="threePt" dir="t"/>
+    </dgm:scene3d>
+    <dgm:sp3d/>
+    <dgm:txPr/>
+    <dgm:style>
+      <a:lnRef idx="2">
+        <a:scrgbClr r="0" g="0" b="0"/>
+      </a:lnRef>
+      <a:fillRef idx="1">
+        <a:scrgbClr r="0" g="0" b="0"/>
+      </a:fillRef>
+      <a:effectRef idx="0">
+        <a:scrgbClr r="0" g="0" b="0"/>
+      </a:effectRef>
+      <a:fontRef idx="minor">
+        <a:schemeClr val="lt1"/>
+      </a:fontRef>
+    </dgm:style>
+  </dgm:styleLbl>
+  <dgm:styleLbl name="parChTrans2D2">
+    <dgm:scene3d>
+      <a:camera prst="orthographicFront"/>
+      <a:lightRig rig="threePt" dir="t"/>
+    </dgm:scene3d>
+    <dgm:sp3d/>
+    <dgm:txPr/>
+    <dgm:style>
+      <a:lnRef idx="2">
+        <a:scrgbClr r="0" g="0" b="0"/>
+      </a:lnRef>
+      <a:fillRef idx="1">
+        <a:scrgbClr r="0" g="0" b="0"/>
+      </a:fillRef>
+      <a:effectRef idx="0">
+        <a:scrgbClr r="0" g="0" b="0"/>
+      </a:effectRef>
+      <a:fontRef idx="minor">
+        <a:schemeClr val="lt1"/>
+      </a:fontRef>
+    </dgm:style>
+  </dgm:styleLbl>
+  <dgm:styleLbl name="parChTrans2D3">
+    <dgm:scene3d>
+      <a:camera prst="orthographicFront"/>
+      <a:lightRig rig="threePt" dir="t"/>
+    </dgm:scene3d>
+    <dgm:sp3d/>
+    <dgm:txPr/>
+    <dgm:style>
+      <a:lnRef idx="2">
+        <a:scrgbClr r="0" g="0" b="0"/>
+      </a:lnRef>
+      <a:fillRef idx="1">
+        <a:scrgbClr r="0" g="0" b="0"/>
+      </a:fillRef>
+      <a:effectRef idx="0">
+        <a:scrgbClr r="0" g="0" b="0"/>
+      </a:effectRef>
+      <a:fontRef idx="minor">
+        <a:schemeClr val="lt1"/>
+      </a:fontRef>
+    </dgm:style>
+  </dgm:styleLbl>
+  <dgm:styleLbl name="parChTrans2D4">
+    <dgm:scene3d>
+      <a:camera prst="orthographicFront"/>
+      <a:lightRig rig="threePt" dir="t"/>
+    </dgm:scene3d>
+    <dgm:sp3d/>
+    <dgm:txPr/>
+    <dgm:style>
+      <a:lnRef idx="2">
+        <a:scrgbClr r="0" g="0" b="0"/>
+      </a:lnRef>
+      <a:fillRef idx="1">
+        <a:scrgbClr r="0" g="0" b="0"/>
+      </a:fillRef>
+      <a:effectRef idx="0">
+        <a:scrgbClr r="0" g="0" b="0"/>
+      </a:effectRef>
+      <a:fontRef idx="minor">
+        <a:schemeClr val="lt1"/>
+      </a:fontRef>
+    </dgm:style>
+  </dgm:styleLbl>
+  <dgm:styleLbl name="parChTrans1D1">
+    <dgm:scene3d>
+      <a:camera prst="orthographicFront"/>
+      <a:lightRig rig="threePt" dir="t"/>
+    </dgm:scene3d>
+    <dgm:sp3d/>
+    <dgm:txPr/>
+    <dgm:style>
+      <a:lnRef idx="2">
+        <a:scrgbClr r="0" g="0" b="0"/>
+      </a:lnRef>
+      <a:fillRef idx="0">
+        <a:scrgbClr r="0" g="0" b="0"/>
+      </a:fillRef>
+      <a:effectRef idx="0">
+        <a:scrgbClr r="0" g="0" b="0"/>
+      </a:effectRef>
+      <a:fontRef idx="minor"/>
+    </dgm:style>
+  </dgm:styleLbl>
+  <dgm:styleLbl name="parChTrans1D2">
+    <dgm:scene3d>
+      <a:camera prst="orthographicFront"/>
+      <a:lightRig rig="threePt" dir="t"/>
+    </dgm:scene3d>
+    <dgm:sp3d/>
+    <dgm:txPr/>
+    <dgm:style>
+      <a:lnRef idx="2">
+        <a:scrgbClr r="0" g="0" b="0"/>
+      </a:lnRef>
+      <a:fillRef idx="0">
+        <a:scrgbClr r="0" g="0" b="0"/>
+      </a:fillRef>
+      <a:effectRef idx="0">
+        <a:scrgbClr r="0" g="0" b="0"/>
+      </a:effectRef>
+      <a:fontRef idx="minor"/>
+    </dgm:style>
+  </dgm:styleLbl>
+  <dgm:styleLbl name="parChTrans1D3">
+    <dgm:scene3d>
+      <a:camera prst="orthographicFront"/>
+      <a:lightRig rig="threePt" dir="t"/>
+    </dgm:scene3d>
+    <dgm:sp3d/>
+    <dgm:txPr/>
+    <dgm:style>
+      <a:lnRef idx="2">
+        <a:scrgbClr r="0" g="0" b="0"/>
+      </a:lnRef>
+      <a:fillRef idx="0">
+        <a:scrgbClr r="0" g="0" b="0"/>
+      </a:fillRef>
+      <a:effectRef idx="0">
+        <a:scrgbClr r="0" g="0" b="0"/>
+      </a:effectRef>
+      <a:fontRef idx="minor"/>
+    </dgm:style>
+  </dgm:styleLbl>
+  <dgm:styleLbl name="parChTrans1D4">
+    <dgm:scene3d>
+      <a:camera prst="orthographicFront"/>
+      <a:lightRig rig="threePt" dir="t"/>
+    </dgm:scene3d>
+    <dgm:sp3d/>
+    <dgm:txPr/>
+    <dgm:style>
+      <a:lnRef idx="2">
+        <a:scrgbClr r="0" g="0" b="0"/>
+      </a:lnRef>
+      <a:fillRef idx="0">
+        <a:scrgbClr r="0" g="0" b="0"/>
+      </a:fillRef>
+      <a:effectRef idx="0">
+        <a:scrgbClr r="0" g="0" b="0"/>
+      </a:effectRef>
+      <a:fontRef idx="minor"/>
+    </dgm:style>
+  </dgm:styleLbl>
+  <dgm:styleLbl name="fgAcc1">
+    <dgm:scene3d>
+      <a:camera prst="orthographicFront"/>
+      <a:lightRig rig="threePt" dir="t"/>
+    </dgm:scene3d>
+    <dgm:sp3d/>
+    <dgm:txPr/>
+    <dgm:style>
+      <a:lnRef idx="2">
+        <a:scrgbClr r="0" g="0" b="0"/>
+      </a:lnRef>
+      <a:fillRef idx="1">
+        <a:scrgbClr r="0" g="0" b="0"/>
+      </a:fillRef>
+      <a:effectRef idx="0">
+        <a:scrgbClr r="0" g="0" b="0"/>
+      </a:effectRef>
+      <a:fontRef idx="minor"/>
+    </dgm:style>
+  </dgm:styleLbl>
+  <dgm:styleLbl name="conFgAcc1">
+    <dgm:scene3d>
+      <a:camera prst="orthographicFront"/>
+      <a:lightRig rig="threePt" dir="t"/>
+    </dgm:scene3d>
+    <dgm:sp3d/>
+    <dgm:txPr/>
+    <dgm:style>
+      <a:lnRef idx="2">
+        <a:scrgbClr r="0" g="0" b="0"/>
+      </a:lnRef>
+      <a:fillRef idx="1">
+        <a:scrgbClr r="0" g="0" b="0"/>
+      </a:fillRef>
+      <a:effectRef idx="0">
+        <a:scrgbClr r="0" g="0" b="0"/>
+      </a:effectRef>
+      <a:fontRef idx="minor"/>
+    </dgm:style>
+  </dgm:styleLbl>
+  <dgm:styleLbl name="alignAcc1">
+    <dgm:scene3d>
+      <a:camera prst="orthographicFront"/>
+      <a:lightRig rig="threePt" dir="t"/>
+    </dgm:scene3d>
+    <dgm:sp3d/>
+    <dgm:txPr/>
+    <dgm:style>
+      <a:lnRef idx="2">
+        <a:scrgbClr r="0" g="0" b="0"/>
+      </a:lnRef>
+      <a:fillRef idx="1">
+        <a:scrgbClr r="0" g="0" b="0"/>
+      </a:fillRef>
+      <a:effectRef idx="0">
+        <a:scrgbClr r="0" g="0" b="0"/>
+      </a:effectRef>
+      <a:fontRef idx="minor"/>
+    </dgm:style>
+  </dgm:styleLbl>
+  <dgm:styleLbl name="trAlignAcc1">
+    <dgm:scene3d>
+      <a:camera prst="orthographicFront"/>
+      <a:lightRig rig="threePt" dir="t"/>
+    </dgm:scene3d>
+    <dgm:sp3d/>
+    <dgm:txPr/>
+    <dgm:style>
+      <a:lnRef idx="1">
+        <a:scrgbClr r="0" g="0" b="0"/>
+      </a:lnRef>
+      <a:fillRef idx="1">
+        <a:scrgbClr r="0" g="0" b="0"/>
+      </a:fillRef>
+      <a:effectRef idx="0">
+        <a:scrgbClr r="0" g="0" b="0"/>
+      </a:effectRef>
+      <a:fontRef idx="minor"/>
+    </dgm:style>
+  </dgm:styleLbl>
+  <dgm:styleLbl name="bgAcc1">
+    <dgm:scene3d>
+      <a:camera prst="orthographicFront"/>
+      <a:lightRig rig="threePt" dir="t"/>
+    </dgm:scene3d>
+    <dgm:sp3d/>
+    <dgm:txPr/>
+    <dgm:style>
+      <a:lnRef idx="2">
+        <a:scrgbClr r="0" g="0" b="0"/>
+      </a:lnRef>
+      <a:fillRef idx="1">
+        <a:scrgbClr r="0" g="0" b="0"/>
+      </a:fillRef>
+      <a:effectRef idx="0">
+        <a:scrgbClr r="0" g="0" b="0"/>
+      </a:effectRef>
+      <a:fontRef idx="minor"/>
+    </dgm:style>
+  </dgm:styleLbl>
+  <dgm:styleLbl name="solidFgAcc1">
+    <dgm:scene3d>
+      <a:camera prst="orthographicFront"/>
+      <a:lightRig rig="threePt" dir="t"/>
+    </dgm:scene3d>
+    <dgm:sp3d/>
+    <dgm:txPr/>
+    <dgm:style>
+      <a:lnRef idx="2">
+        <a:scrgbClr r="0" g="0" b="0"/>
+      </a:lnRef>
+      <a:fillRef idx="1">
+        <a:scrgbClr r="0" g="0" b="0"/>
+      </a:fillRef>
+      <a:effectRef idx="0">
+        <a:scrgbClr r="0" g="0" b="0"/>
+      </a:effectRef>
+      <a:fontRef idx="minor"/>
+    </dgm:style>
+  </dgm:styleLbl>
+  <dgm:styleLbl name="solidAlignAcc1">
+    <dgm:scene3d>
+      <a:camera prst="orthographicFront"/>
+      <a:lightRig rig="threePt" dir="t"/>
+    </dgm:scene3d>
+    <dgm:sp3d/>
+    <dgm:txPr/>
+    <dgm:style>
+      <a:lnRef idx="2">
+        <a:scrgbClr r="0" g="0" b="0"/>
+      </a:lnRef>
+      <a:fillRef idx="1">
+        <a:scrgbClr r="0" g="0" b="0"/>
+      </a:fillRef>
+      <a:effectRef idx="0">
+        <a:scrgbClr r="0" g="0" b="0"/>
+      </a:effectRef>
+      <a:fontRef idx="minor"/>
+    </dgm:style>
+  </dgm:styleLbl>
+  <dgm:styleLbl name="solidBgAcc1">
+    <dgm:scene3d>
+      <a:camera prst="orthographicFront"/>
+      <a:lightRig rig="threePt" dir="t"/>
+    </dgm:scene3d>
+    <dgm:sp3d/>
+    <dgm:txPr/>
+    <dgm:style>
+      <a:lnRef idx="2">
+        <a:scrgbClr r="0" g="0" b="0"/>
+      </a:lnRef>
+      <a:fillRef idx="1">
+        <a:scrgbClr r="0" g="0" b="0"/>
+      </a:fillRef>
+      <a:effectRef idx="0">
+        <a:scrgbClr r="0" g="0" b="0"/>
+      </a:effectRef>
+      <a:fontRef idx="minor"/>
+    </dgm:style>
+  </dgm:styleLbl>
+  <dgm:styleLbl name="fgAccFollowNode1">
+    <dgm:scene3d>
+      <a:camera prst="orthographicFront"/>
+      <a:lightRig rig="threePt" dir="t"/>
+    </dgm:scene3d>
+    <dgm:sp3d/>
+    <dgm:txPr/>
+    <dgm:style>
+      <a:lnRef idx="2">
+        <a:scrgbClr r="0" g="0" b="0"/>
+      </a:lnRef>
+      <a:fillRef idx="1">
+        <a:scrgbClr r="0" g="0" b="0"/>
+      </a:fillRef>
+      <a:effectRef idx="0">
+        <a:scrgbClr r="0" g="0" b="0"/>
+      </a:effectRef>
+      <a:fontRef idx="minor"/>
+    </dgm:style>
+  </dgm:styleLbl>
+  <dgm:styleLbl name="alignAccFollowNode1">
+    <dgm:scene3d>
+      <a:camera prst="orthographicFront"/>
+      <a:lightRig rig="threePt" dir="t"/>
+    </dgm:scene3d>
+    <dgm:sp3d/>
+    <dgm:txPr/>
+    <dgm:style>
+      <a:lnRef idx="2">
+        <a:scrgbClr r="0" g="0" b="0"/>
+      </a:lnRef>
+      <a:fillRef idx="1">
+        <a:scrgbClr r="0" g="0" b="0"/>
+      </a:fillRef>
+      <a:effectRef idx="0">
+        <a:scrgbClr r="0" g="0" b="0"/>
+      </a:effectRef>
+      <a:fontRef idx="minor"/>
+    </dgm:style>
+  </dgm:styleLbl>
+  <dgm:styleLbl name="bgAccFollowNode1">
+    <dgm:scene3d>
+      <a:camera prst="orthographicFront"/>
+      <a:lightRig rig="threePt" dir="t"/>
+    </dgm:scene3d>
+    <dgm:sp3d/>
+    <dgm:txPr/>
+    <dgm:style>
+      <a:lnRef idx="2">
+        <a:scrgbClr r="0" g="0" b="0"/>
+      </a:lnRef>
+      <a:fillRef idx="1">
+        <a:scrgbClr r="0" g="0" b="0"/>
+      </a:fillRef>
+      <a:effectRef idx="0">
+        <a:scrgbClr r="0" g="0" b="0"/>
+      </a:effectRef>
+      <a:fontRef idx="minor"/>
+    </dgm:style>
+  </dgm:styleLbl>
+  <dgm:styleLbl name="fgAcc0">
+    <dgm:scene3d>
+      <a:camera prst="orthographicFront"/>
+      <a:lightRig rig="threePt" dir="t"/>
+    </dgm:scene3d>
+    <dgm:sp3d/>
+    <dgm:txPr/>
+    <dgm:style>
+      <a:lnRef idx="2">
+        <a:scrgbClr r="0" g="0" b="0"/>
+      </a:lnRef>
+      <a:fillRef idx="1">
+        <a:scrgbClr r="0" g="0" b="0"/>
+      </a:fillRef>
+      <a:effectRef idx="0">
+        <a:scrgbClr r="0" g="0" b="0"/>
+      </a:effectRef>
+      <a:fontRef idx="minor"/>
+    </dgm:style>
+  </dgm:styleLbl>
+  <dgm:styleLbl name="fgAcc2">
+    <dgm:scene3d>
+      <a:camera prst="orthographicFront"/>
+      <a:lightRig rig="threePt" dir="t"/>
+    </dgm:scene3d>
+    <dgm:sp3d/>
+    <dgm:txPr/>
+    <dgm:style>
+      <a:lnRef idx="2">
+        <a:scrgbClr r="0" g="0" b="0"/>
+      </a:lnRef>
+      <a:fillRef idx="1">
+        <a:scrgbClr r="0" g="0" b="0"/>
+      </a:fillRef>
+      <a:effectRef idx="0">
+        <a:scrgbClr r="0" g="0" b="0"/>
+      </a:effectRef>
+      <a:fontRef idx="minor"/>
+    </dgm:style>
+  </dgm:styleLbl>
+  <dgm:styleLbl name="fgAcc3">
+    <dgm:scene3d>
+      <a:camera prst="orthographicFront"/>
+      <a:lightRig rig="threePt" dir="t"/>
+    </dgm:scene3d>
+    <dgm:sp3d/>
+    <dgm:txPr/>
+    <dgm:style>
+      <a:lnRef idx="2">
+        <a:scrgbClr r="0" g="0" b="0"/>
+      </a:lnRef>
+      <a:fillRef idx="1">
+        <a:scrgbClr r="0" g="0" b="0"/>
+      </a:fillRef>
+      <a:effectRef idx="0">
+        <a:scrgbClr r="0" g="0" b="0"/>
+      </a:effectRef>
+      <a:fontRef idx="minor"/>
+    </dgm:style>
+  </dgm:styleLbl>
+  <dgm:styleLbl name="fgAcc4">
+    <dgm:scene3d>
+      <a:camera prst="orthographicFront"/>
+      <a:lightRig rig="threePt" dir="t"/>
+    </dgm:scene3d>
+    <dgm:sp3d/>
+    <dgm:txPr/>
+    <dgm:style>
+      <a:lnRef idx="2">
+        <a:scrgbClr r="0" g="0" b="0"/>
+      </a:lnRef>
+      <a:fillRef idx="1">
+        <a:scrgbClr r="0" g="0" b="0"/>
+      </a:fillRef>
+      <a:effectRef idx="0">
+        <a:scrgbClr r="0" g="0" b="0"/>
+      </a:effectRef>
+      <a:fontRef idx="minor"/>
+    </dgm:style>
+  </dgm:styleLbl>
+  <dgm:styleLbl name="bgShp">
+    <dgm:scene3d>
+      <a:camera prst="orthographicFront"/>
+      <a:lightRig rig="threePt" dir="t"/>
+    </dgm:scene3d>
+    <dgm:sp3d/>
+    <dgm:txPr/>
+    <dgm:style>
+      <a:lnRef idx="0">
+        <a:scrgbClr r="0" g="0" b="0"/>
+      </a:lnRef>
+      <a:fillRef idx="1">
+        <a:scrgbClr r="0" g="0" b="0"/>
+      </a:fillRef>
+      <a:effectRef idx="0">
+        <a:scrgbClr r="0" g="0" b="0"/>
+      </a:effectRef>
+      <a:fontRef idx="minor"/>
+    </dgm:style>
+  </dgm:styleLbl>
+  <dgm:styleLbl name="dkBgShp">
+    <dgm:scene3d>
+      <a:camera prst="orthographicFront"/>
+      <a:lightRig rig="threePt" dir="t"/>
+    </dgm:scene3d>
+    <dgm:sp3d/>
+    <dgm:txPr/>
+    <dgm:style>
+      <a:lnRef idx="0">
+        <a:scrgbClr r="0" g="0" b="0"/>
+      </a:lnRef>
+      <a:fillRef idx="1">
+        <a:scrgbClr r="0" g="0" b="0"/>
+      </a:fillRef>
+      <a:effectRef idx="0">
+        <a:scrgbClr r="0" g="0" b="0"/>
+      </a:effectRef>
+      <a:fontRef idx="minor"/>
+    </dgm:style>
+  </dgm:styleLbl>
+  <dgm:styleLbl name="trBgShp">
+    <dgm:scene3d>
+      <a:camera prst="orthographicFront"/>
+      <a:lightRig rig="threePt" dir="t"/>
+    </dgm:scene3d>
+    <dgm:sp3d/>
+    <dgm:txPr/>
+    <dgm:style>
+      <a:lnRef idx="0">
+        <a:scrgbClr r="0" g="0" b="0"/>
+      </a:lnRef>
+      <a:fillRef idx="1">
+        <a:scrgbClr r="0" g="0" b="0"/>
+      </a:fillRef>
+      <a:effectRef idx="0">
+        <a:scrgbClr r="0" g="0" b="0"/>
+      </a:effectRef>
+      <a:fontRef idx="minor"/>
+    </dgm:style>
+  </dgm:styleLbl>
+  <dgm:styleLbl name="fgShp">
+    <dgm:scene3d>
+      <a:camera prst="orthographicFront"/>
+      <a:lightRig rig="threePt" dir="t"/>
+    </dgm:scene3d>
+    <dgm:sp3d/>
+    <dgm:txPr/>
+    <dgm:style>
+      <a:lnRef idx="2">
+        <a:scrgbClr r="0" g="0" b="0"/>
+      </a:lnRef>
+      <a:fillRef idx="1">
+        <a:scrgbClr r="0" g="0" b="0"/>
+      </a:fillRef>
+      <a:effectRef idx="0">
+        <a:scrgbClr r="0" g="0" b="0"/>
+      </a:effectRef>
+      <a:fontRef idx="minor"/>
+    </dgm:style>
+  </dgm:styleLbl>
+  <dgm:styleLbl name="revTx">
+    <dgm:scene3d>
+      <a:camera prst="orthographicFront"/>
+      <a:lightRig rig="threePt" dir="t"/>
+    </dgm:scene3d>
+    <dgm:sp3d/>
+    <dgm:txPr/>
+    <dgm:style>
+      <a:lnRef idx="0">
+        <a:scrgbClr r="0" g="0" b="0"/>
+      </a:lnRef>
+      <a:fillRef idx="0">
+        <a:scrgbClr r="0" g="0" b="0"/>
+      </a:fillRef>
+      <a:effectRef idx="0">
+        <a:scrgbClr r="0" g="0" b="0"/>
+      </a:effectRef>
+      <a:fontRef idx="minor"/>
+    </dgm:style>
+  </dgm:styleLbl>
+</dgm:styleDef>
+</file>
+
 <file path=ppt/notesMasters/notesMaster1.xml><?xml version="1.0" encoding="utf-8"?>
 <p:notesMaster xmlns:a="http://schemas.openxmlformats.org/drawingml/2006/main" xmlns:r="http://schemas.openxmlformats.org/officeDocument/2006/relationships" xmlns:p="http://schemas.openxmlformats.org/presentationml/2006/main">
   <p:cSld>
@@ -201,7 +4368,7 @@
           <a:p>
             <a:fld id="{1C00400B-9278-43CF-8C74-4C0FA987AB11}" type="datetimeFigureOut">
               <a:rPr lang="ru-RU" smtClean="0"/>
-              <a:t>02.02.2023</a:t>
+              <a:t>03.02.2023</a:t>
             </a:fld>
             <a:endParaRPr lang="ru-RU"/>
           </a:p>
@@ -549,12 +4716,15 @@
         </p:nvSpPr>
         <p:spPr>
           <a:xfrm>
-            <a:off x="1524000" y="1122363"/>
+            <a:off x="1523999" y="1678972"/>
             <a:ext cx="9144000" cy="2387600"/>
           </a:xfrm>
+          <a:prstGeom prst="rect">
+            <a:avLst/>
+          </a:prstGeom>
         </p:spPr>
         <p:txBody>
-          <a:bodyPr anchor="b"/>
+          <a:bodyPr anchor="ctr" anchorCtr="1"/>
           <a:lstStyle>
             <a:lvl1pPr algn="ctr">
               <a:defRPr sz="6000" b="0">
@@ -591,6 +4761,10 @@
             <a:off x="3799840" y="5166678"/>
             <a:ext cx="8249920" cy="1549082"/>
           </a:xfrm>
+          <a:prstGeom prst="rect">
+            <a:avLst/>
+          </a:prstGeom>
+          <a:noFill/>
         </p:spPr>
         <p:txBody>
           <a:bodyPr/>
@@ -664,8 +4838,8 @@
         </p:nvSpPr>
         <p:spPr>
           <a:xfrm rot="5400000">
-            <a:off x="136689" y="-136689"/>
-            <a:ext cx="1216057" cy="1489435"/>
+            <a:off x="178183" y="-178184"/>
+            <a:ext cx="1585218" cy="1941586"/>
           </a:xfrm>
           <a:prstGeom prst="rtTriangle">
             <a:avLst/>
@@ -717,7 +4891,7 @@
 
 <file path=ppt/slideLayouts/slideLayout2.xml><?xml version="1.0" encoding="utf-8"?>
 <p:sldLayout xmlns:a="http://schemas.openxmlformats.org/drawingml/2006/main" xmlns:r="http://schemas.openxmlformats.org/officeDocument/2006/relationships" xmlns:p="http://schemas.openxmlformats.org/presentationml/2006/main" preserve="1" userDrawn="1">
-  <p:cSld name="Пользовательский макет">
+  <p:cSld name="Пусто">
     <p:spTree>
       <p:nvGrpSpPr>
         <p:cNvPr id="1" name=""/>
@@ -734,10 +4908,10 @@
       </p:grpSpPr>
       <p:sp>
         <p:nvSpPr>
-          <p:cNvPr id="3" name="Прямоугольник: скругленные углы 2">
+          <p:cNvPr id="7" name="Прямоугольник: скругленные углы 6">
             <a:extLst>
               <a:ext uri="{FF2B5EF4-FFF2-40B4-BE49-F238E27FC236}">
-                <a16:creationId xmlns:a16="http://schemas.microsoft.com/office/drawing/2014/main" id="{A0FFC6C1-ED0D-65FC-8EB8-F9666BF18594}"/>
+                <a16:creationId xmlns:a16="http://schemas.microsoft.com/office/drawing/2014/main" id="{70CBFFBB-51AD-944E-D603-42FAC4C7FA71}"/>
               </a:ext>
             </a:extLst>
           </p:cNvPr>
@@ -755,8 +4929,10 @@
           <a:solidFill>
             <a:srgbClr val="D9CFC1"/>
           </a:solidFill>
-          <a:ln>
-            <a:noFill/>
+          <a:ln w="127000" cmpd="sng">
+            <a:solidFill>
+              <a:srgbClr val="A77E58"/>
+            </a:solidFill>
           </a:ln>
         </p:spPr>
         <p:style>
@@ -780,7 +4956,7 @@
           <a:lstStyle/>
           <a:p>
             <a:pPr algn="ctr"/>
-            <a:endParaRPr lang="ru-RU"/>
+            <a:endParaRPr lang="ru-RU" dirty="0"/>
           </a:p>
         </p:txBody>
       </p:sp>
@@ -805,6 +4981,9 @@
             <a:off x="2739535" y="0"/>
             <a:ext cx="6712928" cy="1325563"/>
           </a:xfrm>
+          <a:prstGeom prst="rect">
+            <a:avLst/>
+          </a:prstGeom>
           <a:noFill/>
           <a:ln>
             <a:noFill/>
@@ -825,7 +5004,7 @@
           </a:fontRef>
         </p:style>
         <p:txBody>
-          <a:bodyPr/>
+          <a:bodyPr anchor="ctr" anchorCtr="1"/>
           <a:lstStyle>
             <a:lvl1pPr algn="ctr">
               <a:defRPr>
@@ -900,31 +5079,35 @@
       </p:sp>
       <p:sp>
         <p:nvSpPr>
-          <p:cNvPr id="5" name="Номер слайда 4">
+          <p:cNvPr id="8" name="Номер слайда 4">
             <a:extLst>
               <a:ext uri="{FF2B5EF4-FFF2-40B4-BE49-F238E27FC236}">
-                <a16:creationId xmlns:a16="http://schemas.microsoft.com/office/drawing/2014/main" id="{625CCCE7-E527-E1D2-A183-D75E5B809ADC}"/>
+                <a16:creationId xmlns:a16="http://schemas.microsoft.com/office/drawing/2014/main" id="{A3B985C5-126E-9C78-7612-99006E06809D}"/>
               </a:ext>
             </a:extLst>
           </p:cNvPr>
-          <p:cNvSpPr>
-            <a:spLocks noGrp="1"/>
+          <p:cNvSpPr txBox="1">
+            <a:spLocks/>
           </p:cNvSpPr>
-          <p:nvPr>
-            <p:ph type="sldNum" sz="quarter" idx="12"/>
-          </p:nvPr>
+          <p:nvPr userDrawn="1"/>
         </p:nvSpPr>
         <p:spPr>
           <a:xfrm>
             <a:off x="138235" y="0"/>
             <a:ext cx="726440" cy="666115"/>
           </a:xfrm>
+          <a:prstGeom prst="rect">
+            <a:avLst/>
+          </a:prstGeom>
         </p:spPr>
         <p:txBody>
-          <a:bodyPr/>
+          <a:bodyPr wrap="none"/>
           <a:lstStyle>
-            <a:lvl1pPr algn="l">
-              <a:defRPr sz="3200">
+            <a:defPPr>
+              <a:defRPr lang="ru-RU"/>
+            </a:defPPr>
+            <a:lvl1pPr marL="0" algn="l" defTabSz="914400" rtl="0" eaLnBrk="1" latinLnBrk="0" hangingPunct="1">
+              <a:defRPr sz="3200" kern="1200">
                 <a:ln>
                   <a:solidFill>
                     <a:srgbClr val="BA3F1D"/>
@@ -938,14 +5121,115 @@
                 <a:cs typeface="Segoe UI" panose="020B0502040204020203" pitchFamily="34" charset="0"/>
               </a:defRPr>
             </a:lvl1pPr>
+            <a:lvl2pPr marL="457200" algn="l" defTabSz="914400" rtl="0" eaLnBrk="1" latinLnBrk="0" hangingPunct="1">
+              <a:defRPr sz="1800" kern="1200">
+                <a:solidFill>
+                  <a:schemeClr val="tx1"/>
+                </a:solidFill>
+                <a:latin typeface="+mn-lt"/>
+                <a:ea typeface="+mn-ea"/>
+                <a:cs typeface="+mn-cs"/>
+              </a:defRPr>
+            </a:lvl2pPr>
+            <a:lvl3pPr marL="914400" algn="l" defTabSz="914400" rtl="0" eaLnBrk="1" latinLnBrk="0" hangingPunct="1">
+              <a:defRPr sz="1800" kern="1200">
+                <a:solidFill>
+                  <a:schemeClr val="tx1"/>
+                </a:solidFill>
+                <a:latin typeface="+mn-lt"/>
+                <a:ea typeface="+mn-ea"/>
+                <a:cs typeface="+mn-cs"/>
+              </a:defRPr>
+            </a:lvl3pPr>
+            <a:lvl4pPr marL="1371600" algn="l" defTabSz="914400" rtl="0" eaLnBrk="1" latinLnBrk="0" hangingPunct="1">
+              <a:defRPr sz="1800" kern="1200">
+                <a:solidFill>
+                  <a:schemeClr val="tx1"/>
+                </a:solidFill>
+                <a:latin typeface="+mn-lt"/>
+                <a:ea typeface="+mn-ea"/>
+                <a:cs typeface="+mn-cs"/>
+              </a:defRPr>
+            </a:lvl4pPr>
+            <a:lvl5pPr marL="1828800" algn="l" defTabSz="914400" rtl="0" eaLnBrk="1" latinLnBrk="0" hangingPunct="1">
+              <a:defRPr sz="1800" kern="1200">
+                <a:solidFill>
+                  <a:schemeClr val="tx1"/>
+                </a:solidFill>
+                <a:latin typeface="+mn-lt"/>
+                <a:ea typeface="+mn-ea"/>
+                <a:cs typeface="+mn-cs"/>
+              </a:defRPr>
+            </a:lvl5pPr>
+            <a:lvl6pPr marL="2286000" algn="l" defTabSz="914400" rtl="0" eaLnBrk="1" latinLnBrk="0" hangingPunct="1">
+              <a:defRPr sz="1800" kern="1200">
+                <a:solidFill>
+                  <a:schemeClr val="tx1"/>
+                </a:solidFill>
+                <a:latin typeface="+mn-lt"/>
+                <a:ea typeface="+mn-ea"/>
+                <a:cs typeface="+mn-cs"/>
+              </a:defRPr>
+            </a:lvl6pPr>
+            <a:lvl7pPr marL="2743200" algn="l" defTabSz="914400" rtl="0" eaLnBrk="1" latinLnBrk="0" hangingPunct="1">
+              <a:defRPr sz="1800" kern="1200">
+                <a:solidFill>
+                  <a:schemeClr val="tx1"/>
+                </a:solidFill>
+                <a:latin typeface="+mn-lt"/>
+                <a:ea typeface="+mn-ea"/>
+                <a:cs typeface="+mn-cs"/>
+              </a:defRPr>
+            </a:lvl7pPr>
+            <a:lvl8pPr marL="3200400" algn="l" defTabSz="914400" rtl="0" eaLnBrk="1" latinLnBrk="0" hangingPunct="1">
+              <a:defRPr sz="1800" kern="1200">
+                <a:solidFill>
+                  <a:schemeClr val="tx1"/>
+                </a:solidFill>
+                <a:latin typeface="+mn-lt"/>
+                <a:ea typeface="+mn-ea"/>
+                <a:cs typeface="+mn-cs"/>
+              </a:defRPr>
+            </a:lvl8pPr>
+            <a:lvl9pPr marL="3657600" algn="l" defTabSz="914400" rtl="0" eaLnBrk="1" latinLnBrk="0" hangingPunct="1">
+              <a:defRPr sz="1800" kern="1200">
+                <a:solidFill>
+                  <a:schemeClr val="tx1"/>
+                </a:solidFill>
+                <a:latin typeface="+mn-lt"/>
+                <a:ea typeface="+mn-ea"/>
+                <a:cs typeface="+mn-cs"/>
+              </a:defRPr>
+            </a:lvl9pPr>
           </a:lstStyle>
           <a:p>
+            <a:pPr algn="l"/>
             <a:fld id="{E19FFA4B-D21D-4474-B476-EF8C54CF5913}" type="slidenum">
-              <a:rPr lang="ru-RU" smtClean="0"/>
-              <a:pPr/>
+              <a:rPr lang="ru-RU" smtClean="0">
+                <a:ln>
+                  <a:solidFill>
+                    <a:srgbClr val="BA3F1D"/>
+                  </a:solidFill>
+                  <a:round/>
+                </a:ln>
+                <a:solidFill>
+                  <a:srgbClr val="BA3F1D"/>
+                </a:solidFill>
+              </a:rPr>
+              <a:pPr algn="l"/>
               <a:t>‹#›</a:t>
             </a:fld>
-            <a:endParaRPr lang="ru-RU" dirty="0"/>
+            <a:endParaRPr lang="ru-RU" dirty="0">
+              <a:ln>
+                <a:solidFill>
+                  <a:srgbClr val="BA3F1D"/>
+                </a:solidFill>
+                <a:round/>
+              </a:ln>
+              <a:solidFill>
+                <a:srgbClr val="BA3F1D"/>
+              </a:solidFill>
+            </a:endParaRPr>
           </a:p>
         </p:txBody>
       </p:sp>
@@ -953,6 +5237,545 @@
     <p:extLst>
       <p:ext uri="{BB962C8B-B14F-4D97-AF65-F5344CB8AC3E}">
         <p14:creationId xmlns:p14="http://schemas.microsoft.com/office/powerpoint/2010/main" val="2496808785"/>
+      </p:ext>
+    </p:extLst>
+  </p:cSld>
+  <p:clrMapOvr>
+    <a:masterClrMapping/>
+  </p:clrMapOvr>
+</p:sldLayout>
+</file>
+
+<file path=ppt/slideLayouts/slideLayout3.xml><?xml version="1.0" encoding="utf-8"?>
+<p:sldLayout xmlns:a="http://schemas.openxmlformats.org/drawingml/2006/main" xmlns:r="http://schemas.openxmlformats.org/officeDocument/2006/relationships" xmlns:p="http://schemas.openxmlformats.org/presentationml/2006/main" preserve="1" userDrawn="1">
+  <p:cSld name="Ресурс">
+    <p:spTree>
+      <p:nvGrpSpPr>
+        <p:cNvPr id="1" name=""/>
+        <p:cNvGrpSpPr/>
+        <p:nvPr/>
+      </p:nvGrpSpPr>
+      <p:grpSpPr>
+        <a:xfrm>
+          <a:off x="0" y="0"/>
+          <a:ext cx="0" cy="0"/>
+          <a:chOff x="0" y="0"/>
+          <a:chExt cx="0" cy="0"/>
+        </a:xfrm>
+      </p:grpSpPr>
+      <p:sp>
+        <p:nvSpPr>
+          <p:cNvPr id="7" name="Прямоугольник: скругленные углы 6">
+            <a:extLst>
+              <a:ext uri="{FF2B5EF4-FFF2-40B4-BE49-F238E27FC236}">
+                <a16:creationId xmlns:a16="http://schemas.microsoft.com/office/drawing/2014/main" id="{70CBFFBB-51AD-944E-D603-42FAC4C7FA71}"/>
+              </a:ext>
+            </a:extLst>
+          </p:cNvPr>
+          <p:cNvSpPr/>
+          <p:nvPr userDrawn="1"/>
+        </p:nvSpPr>
+        <p:spPr>
+          <a:xfrm>
+            <a:off x="2460380" y="133168"/>
+            <a:ext cx="7271239" cy="1059229"/>
+          </a:xfrm>
+          <a:prstGeom prst="roundRect">
+            <a:avLst/>
+          </a:prstGeom>
+          <a:solidFill>
+            <a:srgbClr val="D9CFC1"/>
+          </a:solidFill>
+          <a:ln w="127000" cmpd="sng">
+            <a:solidFill>
+              <a:srgbClr val="A77E58"/>
+            </a:solidFill>
+          </a:ln>
+        </p:spPr>
+        <p:style>
+          <a:lnRef idx="2">
+            <a:schemeClr val="accent1">
+              <a:shade val="50000"/>
+            </a:schemeClr>
+          </a:lnRef>
+          <a:fillRef idx="1">
+            <a:schemeClr val="accent1"/>
+          </a:fillRef>
+          <a:effectRef idx="0">
+            <a:schemeClr val="accent1"/>
+          </a:effectRef>
+          <a:fontRef idx="minor">
+            <a:schemeClr val="lt1"/>
+          </a:fontRef>
+        </p:style>
+        <p:txBody>
+          <a:bodyPr rtlCol="0" anchor="ctr"/>
+          <a:lstStyle/>
+          <a:p>
+            <a:pPr algn="ctr"/>
+            <a:endParaRPr lang="ru-RU" dirty="0"/>
+          </a:p>
+        </p:txBody>
+      </p:sp>
+      <p:sp>
+        <p:nvSpPr>
+          <p:cNvPr id="2" name="Заголовок 1">
+            <a:extLst>
+              <a:ext uri="{FF2B5EF4-FFF2-40B4-BE49-F238E27FC236}">
+                <a16:creationId xmlns:a16="http://schemas.microsoft.com/office/drawing/2014/main" id="{CDD7E628-C214-6D7E-2335-8E6B7281ED57}"/>
+              </a:ext>
+            </a:extLst>
+          </p:cNvPr>
+          <p:cNvSpPr>
+            <a:spLocks noGrp="1"/>
+          </p:cNvSpPr>
+          <p:nvPr>
+            <p:ph type="title" hasCustomPrompt="1"/>
+          </p:nvPr>
+        </p:nvSpPr>
+        <p:spPr>
+          <a:xfrm>
+            <a:off x="2739535" y="0"/>
+            <a:ext cx="6712928" cy="1325563"/>
+          </a:xfrm>
+          <a:prstGeom prst="rect">
+            <a:avLst/>
+          </a:prstGeom>
+          <a:noFill/>
+          <a:ln>
+            <a:noFill/>
+          </a:ln>
+        </p:spPr>
+        <p:style>
+          <a:lnRef idx="2">
+            <a:schemeClr val="accent1"/>
+          </a:lnRef>
+          <a:fillRef idx="1">
+            <a:schemeClr val="lt1"/>
+          </a:fillRef>
+          <a:effectRef idx="0">
+            <a:schemeClr val="accent1"/>
+          </a:effectRef>
+          <a:fontRef idx="minor">
+            <a:schemeClr val="dk1"/>
+          </a:fontRef>
+        </p:style>
+        <p:txBody>
+          <a:bodyPr anchor="ctr" anchorCtr="1"/>
+          <a:lstStyle>
+            <a:lvl1pPr algn="ctr">
+              <a:defRPr>
+                <a:solidFill>
+                  <a:srgbClr val="BA3F1D"/>
+                </a:solidFill>
+                <a:latin typeface="Segoe UI Black" panose="020B0A02040204020203" pitchFamily="34" charset="0"/>
+                <a:ea typeface="Segoe UI Black" panose="020B0A02040204020203" pitchFamily="34" charset="0"/>
+                <a:cs typeface="Segoe UI" panose="020B0502040204020203" pitchFamily="34" charset="0"/>
+              </a:defRPr>
+            </a:lvl1pPr>
+          </a:lstStyle>
+          <a:p>
+            <a:r>
+              <a:rPr lang="ru-RU" dirty="0"/>
+              <a:t>ОБРАЗЕЦ ЗАГОЛОВКА</a:t>
+            </a:r>
+          </a:p>
+        </p:txBody>
+      </p:sp>
+      <p:sp>
+        <p:nvSpPr>
+          <p:cNvPr id="4" name="Прямоугольный треугольник 3">
+            <a:extLst>
+              <a:ext uri="{FF2B5EF4-FFF2-40B4-BE49-F238E27FC236}">
+                <a16:creationId xmlns:a16="http://schemas.microsoft.com/office/drawing/2014/main" id="{7DF49CE2-B619-B250-FBD1-D59AFFEE7291}"/>
+              </a:ext>
+            </a:extLst>
+          </p:cNvPr>
+          <p:cNvSpPr/>
+          <p:nvPr userDrawn="1"/>
+        </p:nvSpPr>
+        <p:spPr>
+          <a:xfrm rot="5400000">
+            <a:off x="136689" y="-136689"/>
+            <a:ext cx="1216057" cy="1489435"/>
+          </a:xfrm>
+          <a:prstGeom prst="rtTriangle">
+            <a:avLst/>
+          </a:prstGeom>
+          <a:solidFill>
+            <a:srgbClr val="80A1C1"/>
+          </a:solidFill>
+          <a:ln>
+            <a:noFill/>
+          </a:ln>
+        </p:spPr>
+        <p:style>
+          <a:lnRef idx="2">
+            <a:schemeClr val="accent1">
+              <a:shade val="50000"/>
+            </a:schemeClr>
+          </a:lnRef>
+          <a:fillRef idx="1">
+            <a:schemeClr val="accent1"/>
+          </a:fillRef>
+          <a:effectRef idx="0">
+            <a:schemeClr val="accent1"/>
+          </a:effectRef>
+          <a:fontRef idx="minor">
+            <a:schemeClr val="lt1"/>
+          </a:fontRef>
+        </p:style>
+        <p:txBody>
+          <a:bodyPr rtlCol="0" anchor="ctr"/>
+          <a:lstStyle/>
+          <a:p>
+            <a:pPr algn="ctr"/>
+            <a:endParaRPr lang="ru-RU"/>
+          </a:p>
+        </p:txBody>
+      </p:sp>
+      <p:sp>
+        <p:nvSpPr>
+          <p:cNvPr id="8" name="Номер слайда 4">
+            <a:extLst>
+              <a:ext uri="{FF2B5EF4-FFF2-40B4-BE49-F238E27FC236}">
+                <a16:creationId xmlns:a16="http://schemas.microsoft.com/office/drawing/2014/main" id="{A3B985C5-126E-9C78-7612-99006E06809D}"/>
+              </a:ext>
+            </a:extLst>
+          </p:cNvPr>
+          <p:cNvSpPr txBox="1">
+            <a:spLocks/>
+          </p:cNvSpPr>
+          <p:nvPr userDrawn="1"/>
+        </p:nvSpPr>
+        <p:spPr>
+          <a:xfrm>
+            <a:off x="138235" y="0"/>
+            <a:ext cx="726440" cy="666115"/>
+          </a:xfrm>
+          <a:prstGeom prst="rect">
+            <a:avLst/>
+          </a:prstGeom>
+        </p:spPr>
+        <p:txBody>
+          <a:bodyPr wrap="none"/>
+          <a:lstStyle>
+            <a:defPPr>
+              <a:defRPr lang="ru-RU"/>
+            </a:defPPr>
+            <a:lvl1pPr marL="0" algn="l" defTabSz="914400" rtl="0" eaLnBrk="1" latinLnBrk="0" hangingPunct="1">
+              <a:defRPr sz="3200" kern="1200">
+                <a:ln>
+                  <a:solidFill>
+                    <a:srgbClr val="BA3F1D"/>
+                  </a:solidFill>
+                </a:ln>
+                <a:solidFill>
+                  <a:srgbClr val="BA3F1D"/>
+                </a:solidFill>
+                <a:latin typeface="Segoe UI Black" panose="020B0A02040204020203" pitchFamily="34" charset="0"/>
+                <a:ea typeface="Segoe UI Black" panose="020B0A02040204020203" pitchFamily="34" charset="0"/>
+                <a:cs typeface="Segoe UI" panose="020B0502040204020203" pitchFamily="34" charset="0"/>
+              </a:defRPr>
+            </a:lvl1pPr>
+            <a:lvl2pPr marL="457200" algn="l" defTabSz="914400" rtl="0" eaLnBrk="1" latinLnBrk="0" hangingPunct="1">
+              <a:defRPr sz="1800" kern="1200">
+                <a:solidFill>
+                  <a:schemeClr val="tx1"/>
+                </a:solidFill>
+                <a:latin typeface="+mn-lt"/>
+                <a:ea typeface="+mn-ea"/>
+                <a:cs typeface="+mn-cs"/>
+              </a:defRPr>
+            </a:lvl2pPr>
+            <a:lvl3pPr marL="914400" algn="l" defTabSz="914400" rtl="0" eaLnBrk="1" latinLnBrk="0" hangingPunct="1">
+              <a:defRPr sz="1800" kern="1200">
+                <a:solidFill>
+                  <a:schemeClr val="tx1"/>
+                </a:solidFill>
+                <a:latin typeface="+mn-lt"/>
+                <a:ea typeface="+mn-ea"/>
+                <a:cs typeface="+mn-cs"/>
+              </a:defRPr>
+            </a:lvl3pPr>
+            <a:lvl4pPr marL="1371600" algn="l" defTabSz="914400" rtl="0" eaLnBrk="1" latinLnBrk="0" hangingPunct="1">
+              <a:defRPr sz="1800" kern="1200">
+                <a:solidFill>
+                  <a:schemeClr val="tx1"/>
+                </a:solidFill>
+                <a:latin typeface="+mn-lt"/>
+                <a:ea typeface="+mn-ea"/>
+                <a:cs typeface="+mn-cs"/>
+              </a:defRPr>
+            </a:lvl4pPr>
+            <a:lvl5pPr marL="1828800" algn="l" defTabSz="914400" rtl="0" eaLnBrk="1" latinLnBrk="0" hangingPunct="1">
+              <a:defRPr sz="1800" kern="1200">
+                <a:solidFill>
+                  <a:schemeClr val="tx1"/>
+                </a:solidFill>
+                <a:latin typeface="+mn-lt"/>
+                <a:ea typeface="+mn-ea"/>
+                <a:cs typeface="+mn-cs"/>
+              </a:defRPr>
+            </a:lvl5pPr>
+            <a:lvl6pPr marL="2286000" algn="l" defTabSz="914400" rtl="0" eaLnBrk="1" latinLnBrk="0" hangingPunct="1">
+              <a:defRPr sz="1800" kern="1200">
+                <a:solidFill>
+                  <a:schemeClr val="tx1"/>
+                </a:solidFill>
+                <a:latin typeface="+mn-lt"/>
+                <a:ea typeface="+mn-ea"/>
+                <a:cs typeface="+mn-cs"/>
+              </a:defRPr>
+            </a:lvl6pPr>
+            <a:lvl7pPr marL="2743200" algn="l" defTabSz="914400" rtl="0" eaLnBrk="1" latinLnBrk="0" hangingPunct="1">
+              <a:defRPr sz="1800" kern="1200">
+                <a:solidFill>
+                  <a:schemeClr val="tx1"/>
+                </a:solidFill>
+                <a:latin typeface="+mn-lt"/>
+                <a:ea typeface="+mn-ea"/>
+                <a:cs typeface="+mn-cs"/>
+              </a:defRPr>
+            </a:lvl7pPr>
+            <a:lvl8pPr marL="3200400" algn="l" defTabSz="914400" rtl="0" eaLnBrk="1" latinLnBrk="0" hangingPunct="1">
+              <a:defRPr sz="1800" kern="1200">
+                <a:solidFill>
+                  <a:schemeClr val="tx1"/>
+                </a:solidFill>
+                <a:latin typeface="+mn-lt"/>
+                <a:ea typeface="+mn-ea"/>
+                <a:cs typeface="+mn-cs"/>
+              </a:defRPr>
+            </a:lvl8pPr>
+            <a:lvl9pPr marL="3657600" algn="l" defTabSz="914400" rtl="0" eaLnBrk="1" latinLnBrk="0" hangingPunct="1">
+              <a:defRPr sz="1800" kern="1200">
+                <a:solidFill>
+                  <a:schemeClr val="tx1"/>
+                </a:solidFill>
+                <a:latin typeface="+mn-lt"/>
+                <a:ea typeface="+mn-ea"/>
+                <a:cs typeface="+mn-cs"/>
+              </a:defRPr>
+            </a:lvl9pPr>
+          </a:lstStyle>
+          <a:p>
+            <a:pPr algn="l"/>
+            <a:fld id="{E19FFA4B-D21D-4474-B476-EF8C54CF5913}" type="slidenum">
+              <a:rPr lang="ru-RU" smtClean="0">
+                <a:ln>
+                  <a:solidFill>
+                    <a:srgbClr val="BA3F1D"/>
+                  </a:solidFill>
+                  <a:round/>
+                </a:ln>
+                <a:solidFill>
+                  <a:srgbClr val="BA3F1D"/>
+                </a:solidFill>
+              </a:rPr>
+              <a:pPr algn="l"/>
+              <a:t>‹#›</a:t>
+            </a:fld>
+            <a:endParaRPr lang="ru-RU" dirty="0">
+              <a:ln>
+                <a:solidFill>
+                  <a:srgbClr val="BA3F1D"/>
+                </a:solidFill>
+                <a:round/>
+              </a:ln>
+              <a:solidFill>
+                <a:srgbClr val="BA3F1D"/>
+              </a:solidFill>
+            </a:endParaRPr>
+          </a:p>
+        </p:txBody>
+      </p:sp>
+      <p:sp>
+        <p:nvSpPr>
+          <p:cNvPr id="16" name="Прямоугольник: скругленные углы 15">
+            <a:extLst>
+              <a:ext uri="{FF2B5EF4-FFF2-40B4-BE49-F238E27FC236}">
+                <a16:creationId xmlns:a16="http://schemas.microsoft.com/office/drawing/2014/main" id="{BB76CBCA-281C-8094-B0BB-27E173602624}"/>
+              </a:ext>
+            </a:extLst>
+          </p:cNvPr>
+          <p:cNvSpPr/>
+          <p:nvPr userDrawn="1"/>
+        </p:nvSpPr>
+        <p:spPr>
+          <a:xfrm>
+            <a:off x="4582160" y="1543233"/>
+            <a:ext cx="7271239" cy="4940653"/>
+          </a:xfrm>
+          <a:prstGeom prst="roundRect">
+            <a:avLst/>
+          </a:prstGeom>
+          <a:solidFill>
+            <a:srgbClr val="D9CFC1"/>
+          </a:solidFill>
+          <a:ln w="127000" cmpd="sng">
+            <a:noFill/>
+          </a:ln>
+        </p:spPr>
+        <p:style>
+          <a:lnRef idx="2">
+            <a:schemeClr val="accent1">
+              <a:shade val="50000"/>
+            </a:schemeClr>
+          </a:lnRef>
+          <a:fillRef idx="1">
+            <a:schemeClr val="accent1"/>
+          </a:fillRef>
+          <a:effectRef idx="0">
+            <a:schemeClr val="accent1"/>
+          </a:effectRef>
+          <a:fontRef idx="minor">
+            <a:schemeClr val="lt1"/>
+          </a:fontRef>
+        </p:style>
+        <p:txBody>
+          <a:bodyPr rtlCol="0" anchor="ctr"/>
+          <a:lstStyle/>
+          <a:p>
+            <a:pPr algn="ctr"/>
+            <a:endParaRPr lang="ru-RU" dirty="0"/>
+          </a:p>
+        </p:txBody>
+      </p:sp>
+      <p:sp>
+        <p:nvSpPr>
+          <p:cNvPr id="18" name="Объект 17">
+            <a:extLst>
+              <a:ext uri="{FF2B5EF4-FFF2-40B4-BE49-F238E27FC236}">
+                <a16:creationId xmlns:a16="http://schemas.microsoft.com/office/drawing/2014/main" id="{E8120DB9-E026-0FD6-425C-351CF29A2684}"/>
+              </a:ext>
+            </a:extLst>
+          </p:cNvPr>
+          <p:cNvSpPr>
+            <a:spLocks noGrp="1"/>
+          </p:cNvSpPr>
+          <p:nvPr>
+            <p:ph sz="quarter" idx="11"/>
+          </p:nvPr>
+        </p:nvSpPr>
+        <p:spPr>
+          <a:xfrm>
+            <a:off x="4785678" y="1757044"/>
+            <a:ext cx="6928802" cy="4562475"/>
+          </a:xfrm>
+          <a:prstGeom prst="rect">
+            <a:avLst/>
+          </a:prstGeom>
+        </p:spPr>
+        <p:txBody>
+          <a:bodyPr/>
+          <a:lstStyle/>
+          <a:p>
+            <a:pPr lvl="0"/>
+            <a:r>
+              <a:rPr lang="ru-RU" dirty="0"/>
+              <a:t>Образец текста</a:t>
+            </a:r>
+          </a:p>
+          <a:p>
+            <a:pPr lvl="1"/>
+            <a:r>
+              <a:rPr lang="ru-RU" dirty="0"/>
+              <a:t>Второй уровень</a:t>
+            </a:r>
+          </a:p>
+          <a:p>
+            <a:pPr lvl="2"/>
+            <a:r>
+              <a:rPr lang="ru-RU" dirty="0"/>
+              <a:t>Третий уровень</a:t>
+            </a:r>
+          </a:p>
+          <a:p>
+            <a:pPr lvl="3"/>
+            <a:r>
+              <a:rPr lang="ru-RU" dirty="0"/>
+              <a:t>Четвертый уровень</a:t>
+            </a:r>
+          </a:p>
+          <a:p>
+            <a:pPr lvl="4"/>
+            <a:r>
+              <a:rPr lang="ru-RU" dirty="0"/>
+              <a:t>Пятый уровень</a:t>
+            </a:r>
+          </a:p>
+        </p:txBody>
+      </p:sp>
+      <p:sp>
+        <p:nvSpPr>
+          <p:cNvPr id="20" name="Объект 19">
+            <a:extLst>
+              <a:ext uri="{FF2B5EF4-FFF2-40B4-BE49-F238E27FC236}">
+                <a16:creationId xmlns:a16="http://schemas.microsoft.com/office/drawing/2014/main" id="{343D3BDB-2914-478B-F5DF-E3E36C769CB6}"/>
+              </a:ext>
+            </a:extLst>
+          </p:cNvPr>
+          <p:cNvSpPr>
+            <a:spLocks noGrp="1"/>
+          </p:cNvSpPr>
+          <p:nvPr>
+            <p:ph sz="quarter" idx="12"/>
+          </p:nvPr>
+        </p:nvSpPr>
+        <p:spPr>
+          <a:xfrm>
+            <a:off x="338601" y="1757044"/>
+            <a:ext cx="3959079" cy="4562475"/>
+          </a:xfrm>
+          <a:prstGeom prst="rect">
+            <a:avLst/>
+          </a:prstGeom>
+        </p:spPr>
+        <p:txBody>
+          <a:bodyPr/>
+          <a:lstStyle/>
+          <a:p>
+            <a:pPr lvl="0"/>
+            <a:r>
+              <a:rPr lang="ru-RU"/>
+              <a:t>Образец текста</a:t>
+            </a:r>
+          </a:p>
+          <a:p>
+            <a:pPr lvl="1"/>
+            <a:r>
+              <a:rPr lang="ru-RU"/>
+              <a:t>Второй уровень</a:t>
+            </a:r>
+          </a:p>
+          <a:p>
+            <a:pPr lvl="2"/>
+            <a:r>
+              <a:rPr lang="ru-RU"/>
+              <a:t>Третий уровень</a:t>
+            </a:r>
+          </a:p>
+          <a:p>
+            <a:pPr lvl="3"/>
+            <a:r>
+              <a:rPr lang="ru-RU"/>
+              <a:t>Четвертый уровень</a:t>
+            </a:r>
+          </a:p>
+          <a:p>
+            <a:pPr lvl="4"/>
+            <a:r>
+              <a:rPr lang="ru-RU"/>
+              <a:t>Пятый уровень</a:t>
+            </a:r>
+          </a:p>
+        </p:txBody>
+      </p:sp>
+    </p:spTree>
+    <p:extLst>
+      <p:ext uri="{BB962C8B-B14F-4D97-AF65-F5344CB8AC3E}">
+        <p14:creationId xmlns:p14="http://schemas.microsoft.com/office/powerpoint/2010/main" val="672118892"/>
       </p:ext>
     </p:extLst>
   </p:cSld>
@@ -989,215 +5812,351 @@
       </p:grpSpPr>
       <p:sp>
         <p:nvSpPr>
-          <p:cNvPr id="2" name="Title Placeholder 1"/>
-          <p:cNvSpPr>
-            <a:spLocks noGrp="1"/>
-          </p:cNvSpPr>
-          <p:nvPr>
-            <p:ph type="title"/>
-          </p:nvPr>
+          <p:cNvPr id="7" name="Прямоугольный треугольник 6">
+            <a:extLst>
+              <a:ext uri="{FF2B5EF4-FFF2-40B4-BE49-F238E27FC236}">
+                <a16:creationId xmlns:a16="http://schemas.microsoft.com/office/drawing/2014/main" id="{6B2082F0-7521-DEF3-3D0C-2802EFE4F70B}"/>
+              </a:ext>
+            </a:extLst>
+          </p:cNvPr>
+          <p:cNvSpPr/>
+          <p:nvPr userDrawn="1"/>
         </p:nvSpPr>
         <p:spPr>
-          <a:xfrm>
-            <a:off x="838200" y="365125"/>
-            <a:ext cx="10515600" cy="1325563"/>
+          <a:xfrm rot="5400000">
+            <a:off x="136689" y="-136689"/>
+            <a:ext cx="1216057" cy="1489435"/>
           </a:xfrm>
-          <a:prstGeom prst="rect">
+          <a:prstGeom prst="rtTriangle">
             <a:avLst/>
           </a:prstGeom>
+          <a:solidFill>
+            <a:srgbClr val="80A1C1"/>
+          </a:solidFill>
+          <a:ln>
+            <a:noFill/>
+          </a:ln>
         </p:spPr>
+        <p:style>
+          <a:lnRef idx="2">
+            <a:schemeClr val="accent1">
+              <a:shade val="50000"/>
+            </a:schemeClr>
+          </a:lnRef>
+          <a:fillRef idx="1">
+            <a:schemeClr val="accent1"/>
+          </a:fillRef>
+          <a:effectRef idx="0">
+            <a:schemeClr val="accent1"/>
+          </a:effectRef>
+          <a:fontRef idx="minor">
+            <a:schemeClr val="lt1"/>
+          </a:fontRef>
+        </p:style>
         <p:txBody>
-          <a:bodyPr vert="horz" lIns="91440" tIns="45720" rIns="91440" bIns="45720" rtlCol="0" anchor="ctr">
-            <a:normAutofit/>
-          </a:bodyPr>
+          <a:bodyPr rtlCol="0" anchor="ctr"/>
           <a:lstStyle/>
           <a:p>
-            <a:r>
-              <a:rPr lang="ru-RU"/>
-              <a:t>Образец заголовка</a:t>
-            </a:r>
-            <a:endParaRPr lang="en-US" dirty="0"/>
-          </a:p>
-        </p:txBody>
-      </p:sp>
-      <p:sp>
-        <p:nvSpPr>
-          <p:cNvPr id="3" name="Text Placeholder 2"/>
-          <p:cNvSpPr>
-            <a:spLocks noGrp="1"/>
-          </p:cNvSpPr>
-          <p:nvPr>
-            <p:ph type="body" idx="1"/>
-          </p:nvPr>
-        </p:nvSpPr>
-        <p:spPr>
-          <a:xfrm>
-            <a:off x="838200" y="1825625"/>
-            <a:ext cx="10515600" cy="4351338"/>
-          </a:xfrm>
-          <a:prstGeom prst="rect">
-            <a:avLst/>
-          </a:prstGeom>
-        </p:spPr>
-        <p:txBody>
-          <a:bodyPr vert="horz" lIns="91440" tIns="45720" rIns="91440" bIns="45720" rtlCol="0">
-            <a:normAutofit/>
-          </a:bodyPr>
-          <a:lstStyle/>
-          <a:p>
-            <a:pPr lvl="0"/>
-            <a:r>
-              <a:rPr lang="ru-RU"/>
-              <a:t>Образец текста</a:t>
-            </a:r>
-          </a:p>
-          <a:p>
-            <a:pPr lvl="1"/>
-            <a:r>
-              <a:rPr lang="ru-RU"/>
-              <a:t>Второй уровень</a:t>
-            </a:r>
-          </a:p>
-          <a:p>
-            <a:pPr lvl="2"/>
-            <a:r>
-              <a:rPr lang="ru-RU"/>
-              <a:t>Третий уровень</a:t>
-            </a:r>
-          </a:p>
-          <a:p>
-            <a:pPr lvl="3"/>
-            <a:r>
-              <a:rPr lang="ru-RU"/>
-              <a:t>Четвертый уровень</a:t>
-            </a:r>
-          </a:p>
-          <a:p>
-            <a:pPr lvl="4"/>
-            <a:r>
-              <a:rPr lang="ru-RU"/>
-              <a:t>Пятый уровень</a:t>
-            </a:r>
-            <a:endParaRPr lang="en-US" dirty="0"/>
-          </a:p>
-        </p:txBody>
-      </p:sp>
-      <p:sp>
-        <p:nvSpPr>
-          <p:cNvPr id="4" name="Date Placeholder 3"/>
-          <p:cNvSpPr>
-            <a:spLocks noGrp="1"/>
-          </p:cNvSpPr>
-          <p:nvPr>
-            <p:ph type="dt" sz="half" idx="2"/>
-          </p:nvPr>
-        </p:nvSpPr>
-        <p:spPr>
-          <a:xfrm>
-            <a:off x="838200" y="6356350"/>
-            <a:ext cx="2743200" cy="365125"/>
-          </a:xfrm>
-          <a:prstGeom prst="rect">
-            <a:avLst/>
-          </a:prstGeom>
-        </p:spPr>
-        <p:txBody>
-          <a:bodyPr vert="horz" lIns="91440" tIns="45720" rIns="91440" bIns="45720" rtlCol="0" anchor="ctr"/>
-          <a:lstStyle>
-            <a:lvl1pPr algn="l">
-              <a:defRPr sz="1200">
-                <a:solidFill>
-                  <a:schemeClr val="tx1">
-                    <a:tint val="75000"/>
-                  </a:schemeClr>
-                </a:solidFill>
-              </a:defRPr>
-            </a:lvl1pPr>
-          </a:lstStyle>
-          <a:p>
-            <a:fld id="{C136EF7D-4BFA-420B-A356-8D1747094DFC}" type="datetime1">
-              <a:rPr lang="ru-RU" smtClean="0"/>
-              <a:t>02.02.2023</a:t>
-            </a:fld>
+            <a:pPr algn="ctr"/>
             <a:endParaRPr lang="ru-RU"/>
           </a:p>
         </p:txBody>
       </p:sp>
       <p:sp>
         <p:nvSpPr>
-          <p:cNvPr id="5" name="Footer Placeholder 4"/>
-          <p:cNvSpPr>
-            <a:spLocks noGrp="1"/>
+          <p:cNvPr id="10" name="Заголовок 1">
+            <a:extLst>
+              <a:ext uri="{FF2B5EF4-FFF2-40B4-BE49-F238E27FC236}">
+                <a16:creationId xmlns:a16="http://schemas.microsoft.com/office/drawing/2014/main" id="{03AC2295-FEC5-863E-73A4-F4C94A9C7CFE}"/>
+              </a:ext>
+            </a:extLst>
+          </p:cNvPr>
+          <p:cNvSpPr txBox="1">
+            <a:spLocks/>
           </p:cNvSpPr>
-          <p:nvPr>
-            <p:ph type="ftr" sz="quarter" idx="3"/>
-          </p:nvPr>
+          <p:nvPr userDrawn="1"/>
         </p:nvSpPr>
         <p:spPr>
           <a:xfrm>
-            <a:off x="4038600" y="6356350"/>
-            <a:ext cx="4114800" cy="365125"/>
+            <a:off x="2739535" y="0"/>
+            <a:ext cx="6712928" cy="1325563"/>
           </a:xfrm>
           <a:prstGeom prst="rect">
             <a:avLst/>
           </a:prstGeom>
+          <a:noFill/>
+          <a:ln w="12700" cap="flat" cmpd="sng" algn="ctr">
+            <a:noFill/>
+            <a:prstDash val="solid"/>
+            <a:miter lim="800000"/>
+          </a:ln>
         </p:spPr>
+        <p:style>
+          <a:lnRef idx="2">
+            <a:schemeClr val="accent1"/>
+          </a:lnRef>
+          <a:fillRef idx="1">
+            <a:schemeClr val="lt1"/>
+          </a:fillRef>
+          <a:effectRef idx="0">
+            <a:schemeClr val="accent1"/>
+          </a:effectRef>
+          <a:fontRef idx="minor">
+            <a:schemeClr val="dk1"/>
+          </a:fontRef>
+        </p:style>
         <p:txBody>
-          <a:bodyPr vert="horz" lIns="91440" tIns="45720" rIns="91440" bIns="45720" rtlCol="0" anchor="ctr"/>
+          <a:bodyPr anchor="ctr" anchorCtr="1"/>
           <a:lstStyle>
-            <a:lvl1pPr algn="ctr">
-              <a:defRPr sz="1200">
+            <a:lvl1pPr algn="ctr" defTabSz="914400" rtl="0" eaLnBrk="1" latinLnBrk="0" hangingPunct="1">
+              <a:lnSpc>
+                <a:spcPct val="90000"/>
+              </a:lnSpc>
+              <a:spcBef>
+                <a:spcPct val="0"/>
+              </a:spcBef>
+              <a:buNone/>
+              <a:defRPr sz="4400" kern="1200">
                 <a:solidFill>
-                  <a:schemeClr val="tx1">
-                    <a:tint val="75000"/>
-                  </a:schemeClr>
+                  <a:srgbClr val="BA3F1D"/>
                 </a:solidFill>
+                <a:latin typeface="Segoe UI Black" panose="020B0A02040204020203" pitchFamily="34" charset="0"/>
+                <a:ea typeface="Segoe UI Black" panose="020B0A02040204020203" pitchFamily="34" charset="0"/>
+                <a:cs typeface="Segoe UI" panose="020B0502040204020203" pitchFamily="34" charset="0"/>
               </a:defRPr>
             </a:lvl1pPr>
+            <a:lvl2pPr>
+              <a:defRPr>
+                <a:solidFill>
+                  <a:schemeClr val="dk1"/>
+                </a:solidFill>
+                <a:latin typeface="+mn-lt"/>
+                <a:ea typeface="+mn-ea"/>
+                <a:cs typeface="+mn-cs"/>
+              </a:defRPr>
+            </a:lvl2pPr>
+            <a:lvl3pPr>
+              <a:defRPr>
+                <a:solidFill>
+                  <a:schemeClr val="dk1"/>
+                </a:solidFill>
+                <a:latin typeface="+mn-lt"/>
+                <a:ea typeface="+mn-ea"/>
+                <a:cs typeface="+mn-cs"/>
+              </a:defRPr>
+            </a:lvl3pPr>
+            <a:lvl4pPr>
+              <a:defRPr>
+                <a:solidFill>
+                  <a:schemeClr val="dk1"/>
+                </a:solidFill>
+                <a:latin typeface="+mn-lt"/>
+                <a:ea typeface="+mn-ea"/>
+                <a:cs typeface="+mn-cs"/>
+              </a:defRPr>
+            </a:lvl4pPr>
+            <a:lvl5pPr>
+              <a:defRPr>
+                <a:solidFill>
+                  <a:schemeClr val="dk1"/>
+                </a:solidFill>
+                <a:latin typeface="+mn-lt"/>
+                <a:ea typeface="+mn-ea"/>
+                <a:cs typeface="+mn-cs"/>
+              </a:defRPr>
+            </a:lvl5pPr>
+            <a:lvl6pPr>
+              <a:defRPr>
+                <a:solidFill>
+                  <a:schemeClr val="dk1"/>
+                </a:solidFill>
+                <a:latin typeface="+mn-lt"/>
+                <a:ea typeface="+mn-ea"/>
+                <a:cs typeface="+mn-cs"/>
+              </a:defRPr>
+            </a:lvl6pPr>
+            <a:lvl7pPr>
+              <a:defRPr>
+                <a:solidFill>
+                  <a:schemeClr val="dk1"/>
+                </a:solidFill>
+                <a:latin typeface="+mn-lt"/>
+                <a:ea typeface="+mn-ea"/>
+                <a:cs typeface="+mn-cs"/>
+              </a:defRPr>
+            </a:lvl7pPr>
+            <a:lvl8pPr>
+              <a:defRPr>
+                <a:solidFill>
+                  <a:schemeClr val="dk1"/>
+                </a:solidFill>
+                <a:latin typeface="+mn-lt"/>
+                <a:ea typeface="+mn-ea"/>
+                <a:cs typeface="+mn-cs"/>
+              </a:defRPr>
+            </a:lvl8pPr>
+            <a:lvl9pPr>
+              <a:defRPr>
+                <a:solidFill>
+                  <a:schemeClr val="dk1"/>
+                </a:solidFill>
+                <a:latin typeface="+mn-lt"/>
+                <a:ea typeface="+mn-ea"/>
+                <a:cs typeface="+mn-cs"/>
+              </a:defRPr>
+            </a:lvl9pPr>
           </a:lstStyle>
           <a:p>
-            <a:endParaRPr lang="ru-RU"/>
+            <a:endParaRPr lang="ru-RU" dirty="0"/>
           </a:p>
         </p:txBody>
       </p:sp>
       <p:sp>
         <p:nvSpPr>
-          <p:cNvPr id="6" name="Slide Number Placeholder 5"/>
-          <p:cNvSpPr>
-            <a:spLocks noGrp="1"/>
+          <p:cNvPr id="11" name="Заголовок 1">
+            <a:extLst>
+              <a:ext uri="{FF2B5EF4-FFF2-40B4-BE49-F238E27FC236}">
+                <a16:creationId xmlns:a16="http://schemas.microsoft.com/office/drawing/2014/main" id="{D6222294-754C-3970-F0EF-20DFF6A54DA4}"/>
+              </a:ext>
+            </a:extLst>
+          </p:cNvPr>
+          <p:cNvSpPr txBox="1">
+            <a:spLocks/>
           </p:cNvSpPr>
-          <p:nvPr>
-            <p:ph type="sldNum" sz="quarter" idx="4"/>
-          </p:nvPr>
+          <p:nvPr userDrawn="1"/>
         </p:nvSpPr>
         <p:spPr>
           <a:xfrm>
-            <a:off x="8610600" y="6356350"/>
-            <a:ext cx="2743200" cy="365125"/>
+            <a:off x="2891935" y="152400"/>
+            <a:ext cx="6712928" cy="1325563"/>
           </a:xfrm>
           <a:prstGeom prst="rect">
             <a:avLst/>
           </a:prstGeom>
+          <a:noFill/>
+          <a:ln w="12700" cap="flat" cmpd="sng" algn="ctr">
+            <a:noFill/>
+            <a:prstDash val="solid"/>
+            <a:miter lim="800000"/>
+          </a:ln>
         </p:spPr>
+        <p:style>
+          <a:lnRef idx="2">
+            <a:schemeClr val="accent1"/>
+          </a:lnRef>
+          <a:fillRef idx="1">
+            <a:schemeClr val="lt1"/>
+          </a:fillRef>
+          <a:effectRef idx="0">
+            <a:schemeClr val="accent1"/>
+          </a:effectRef>
+          <a:fontRef idx="minor">
+            <a:schemeClr val="dk1"/>
+          </a:fontRef>
+        </p:style>
         <p:txBody>
-          <a:bodyPr vert="horz" lIns="91440" tIns="45720" rIns="91440" bIns="45720" rtlCol="0" anchor="ctr"/>
+          <a:bodyPr anchor="ctr" anchorCtr="1"/>
           <a:lstStyle>
-            <a:lvl1pPr algn="r">
-              <a:defRPr sz="1200">
+            <a:lvl1pPr algn="ctr" defTabSz="914400" rtl="0" eaLnBrk="1" latinLnBrk="0" hangingPunct="1">
+              <a:lnSpc>
+                <a:spcPct val="90000"/>
+              </a:lnSpc>
+              <a:spcBef>
+                <a:spcPct val="0"/>
+              </a:spcBef>
+              <a:buNone/>
+              <a:defRPr sz="4400" kern="1200">
                 <a:solidFill>
-                  <a:schemeClr val="tx1">
-                    <a:tint val="75000"/>
-                  </a:schemeClr>
+                  <a:srgbClr val="BA3F1D"/>
                 </a:solidFill>
+                <a:latin typeface="Segoe UI Black" panose="020B0A02040204020203" pitchFamily="34" charset="0"/>
+                <a:ea typeface="Segoe UI Black" panose="020B0A02040204020203" pitchFamily="34" charset="0"/>
+                <a:cs typeface="Segoe UI" panose="020B0502040204020203" pitchFamily="34" charset="0"/>
               </a:defRPr>
             </a:lvl1pPr>
+            <a:lvl2pPr>
+              <a:defRPr>
+                <a:solidFill>
+                  <a:schemeClr val="dk1"/>
+                </a:solidFill>
+                <a:latin typeface="+mn-lt"/>
+                <a:ea typeface="+mn-ea"/>
+                <a:cs typeface="+mn-cs"/>
+              </a:defRPr>
+            </a:lvl2pPr>
+            <a:lvl3pPr>
+              <a:defRPr>
+                <a:solidFill>
+                  <a:schemeClr val="dk1"/>
+                </a:solidFill>
+                <a:latin typeface="+mn-lt"/>
+                <a:ea typeface="+mn-ea"/>
+                <a:cs typeface="+mn-cs"/>
+              </a:defRPr>
+            </a:lvl3pPr>
+            <a:lvl4pPr>
+              <a:defRPr>
+                <a:solidFill>
+                  <a:schemeClr val="dk1"/>
+                </a:solidFill>
+                <a:latin typeface="+mn-lt"/>
+                <a:ea typeface="+mn-ea"/>
+                <a:cs typeface="+mn-cs"/>
+              </a:defRPr>
+            </a:lvl4pPr>
+            <a:lvl5pPr>
+              <a:defRPr>
+                <a:solidFill>
+                  <a:schemeClr val="dk1"/>
+                </a:solidFill>
+                <a:latin typeface="+mn-lt"/>
+                <a:ea typeface="+mn-ea"/>
+                <a:cs typeface="+mn-cs"/>
+              </a:defRPr>
+            </a:lvl5pPr>
+            <a:lvl6pPr>
+              <a:defRPr>
+                <a:solidFill>
+                  <a:schemeClr val="dk1"/>
+                </a:solidFill>
+                <a:latin typeface="+mn-lt"/>
+                <a:ea typeface="+mn-ea"/>
+                <a:cs typeface="+mn-cs"/>
+              </a:defRPr>
+            </a:lvl6pPr>
+            <a:lvl7pPr>
+              <a:defRPr>
+                <a:solidFill>
+                  <a:schemeClr val="dk1"/>
+                </a:solidFill>
+                <a:latin typeface="+mn-lt"/>
+                <a:ea typeface="+mn-ea"/>
+                <a:cs typeface="+mn-cs"/>
+              </a:defRPr>
+            </a:lvl7pPr>
+            <a:lvl8pPr>
+              <a:defRPr>
+                <a:solidFill>
+                  <a:schemeClr val="dk1"/>
+                </a:solidFill>
+                <a:latin typeface="+mn-lt"/>
+                <a:ea typeface="+mn-ea"/>
+                <a:cs typeface="+mn-cs"/>
+              </a:defRPr>
+            </a:lvl8pPr>
+            <a:lvl9pPr>
+              <a:defRPr>
+                <a:solidFill>
+                  <a:schemeClr val="dk1"/>
+                </a:solidFill>
+                <a:latin typeface="+mn-lt"/>
+                <a:ea typeface="+mn-ea"/>
+                <a:cs typeface="+mn-cs"/>
+              </a:defRPr>
+            </a:lvl9pPr>
           </a:lstStyle>
           <a:p>
-            <a:fld id="{E19FFA4B-D21D-4474-B476-EF8C54CF5913}" type="slidenum">
-              <a:rPr lang="ru-RU" smtClean="0"/>
-              <a:t>‹#›</a:t>
-            </a:fld>
-            <a:endParaRPr lang="ru-RU"/>
+            <a:endParaRPr lang="ru-RU" dirty="0"/>
           </a:p>
         </p:txBody>
       </p:sp>
@@ -1212,6 +6171,7 @@
   <p:sldLayoutIdLst>
     <p:sldLayoutId id="2147483723" r:id="rId1"/>
     <p:sldLayoutId id="2147483724" r:id="rId2"/>
+    <p:sldLayoutId id="2147483725" r:id="rId3"/>
   </p:sldLayoutIdLst>
   <p:hf hdr="0" ftr="0" dt="0"/>
   <p:txStyles>
@@ -1226,7 +6186,7 @@
         <a:buNone/>
         <a:defRPr sz="4400" kern="1200">
           <a:solidFill>
-            <a:schemeClr val="tx1"/>
+            <a:srgbClr val="BA3F1D"/>
           </a:solidFill>
           <a:latin typeface="+mj-lt"/>
           <a:ea typeface="+mj-ea"/>
@@ -1516,6 +6476,56 @@
       </p:grpSpPr>
       <p:sp>
         <p:nvSpPr>
+          <p:cNvPr id="5" name="Прямоугольник: скругленные углы 4">
+            <a:extLst>
+              <a:ext uri="{FF2B5EF4-FFF2-40B4-BE49-F238E27FC236}">
+                <a16:creationId xmlns:a16="http://schemas.microsoft.com/office/drawing/2014/main" id="{0D1F8D59-68CC-8192-D345-FCE63A7CE61D}"/>
+              </a:ext>
+            </a:extLst>
+          </p:cNvPr>
+          <p:cNvSpPr/>
+          <p:nvPr/>
+        </p:nvSpPr>
+        <p:spPr>
+          <a:xfrm>
+            <a:off x="5293360" y="4785360"/>
+            <a:ext cx="6711047" cy="1879600"/>
+          </a:xfrm>
+          <a:prstGeom prst="roundRect">
+            <a:avLst/>
+          </a:prstGeom>
+          <a:solidFill>
+            <a:srgbClr val="D9CFC1"/>
+          </a:solidFill>
+          <a:ln>
+            <a:noFill/>
+          </a:ln>
+        </p:spPr>
+        <p:style>
+          <a:lnRef idx="2">
+            <a:schemeClr val="accent1"/>
+          </a:lnRef>
+          <a:fillRef idx="1">
+            <a:schemeClr val="lt1"/>
+          </a:fillRef>
+          <a:effectRef idx="0">
+            <a:schemeClr val="accent1"/>
+          </a:effectRef>
+          <a:fontRef idx="minor">
+            <a:schemeClr val="dk1"/>
+          </a:fontRef>
+        </p:style>
+        <p:txBody>
+          <a:bodyPr rtlCol="0" anchor="ctr"/>
+          <a:lstStyle/>
+          <a:p>
+            <a:pPr algn="ctr"/>
+            <a:endParaRPr lang="ru-RU"/>
+          </a:p>
+        </p:txBody>
+      </p:sp>
+      <p:sp>
+        <p:nvSpPr>
           <p:cNvPr id="2" name="Заголовок 1">
             <a:extLst>
               <a:ext uri="{FF2B5EF4-FFF2-40B4-BE49-F238E27FC236}">
@@ -1532,7 +6542,7 @@
         </p:nvSpPr>
         <p:spPr>
           <a:xfrm>
-            <a:off x="518160" y="1490273"/>
+            <a:off x="518160" y="1622353"/>
             <a:ext cx="11236960" cy="2387600"/>
           </a:xfrm>
         </p:spPr>
@@ -1613,58 +6623,6 @@
           </a:p>
         </p:txBody>
       </p:sp>
-      <p:sp>
-        <p:nvSpPr>
-          <p:cNvPr id="6" name="Прямоугольный треугольник 5">
-            <a:extLst>
-              <a:ext uri="{FF2B5EF4-FFF2-40B4-BE49-F238E27FC236}">
-                <a16:creationId xmlns:a16="http://schemas.microsoft.com/office/drawing/2014/main" id="{57993F3E-4945-428B-4262-7BDF76F9C86D}"/>
-              </a:ext>
-            </a:extLst>
-          </p:cNvPr>
-          <p:cNvSpPr/>
-          <p:nvPr/>
-        </p:nvSpPr>
-        <p:spPr>
-          <a:xfrm rot="5400000">
-            <a:off x="136689" y="-136689"/>
-            <a:ext cx="1216057" cy="1489435"/>
-          </a:xfrm>
-          <a:prstGeom prst="rtTriangle">
-            <a:avLst/>
-          </a:prstGeom>
-          <a:solidFill>
-            <a:srgbClr val="80A1C1"/>
-          </a:solidFill>
-          <a:ln>
-            <a:noFill/>
-          </a:ln>
-        </p:spPr>
-        <p:style>
-          <a:lnRef idx="2">
-            <a:schemeClr val="accent1">
-              <a:shade val="50000"/>
-            </a:schemeClr>
-          </a:lnRef>
-          <a:fillRef idx="1">
-            <a:schemeClr val="accent1"/>
-          </a:fillRef>
-          <a:effectRef idx="0">
-            <a:schemeClr val="accent1"/>
-          </a:effectRef>
-          <a:fontRef idx="minor">
-            <a:schemeClr val="lt1"/>
-          </a:fontRef>
-        </p:style>
-        <p:txBody>
-          <a:bodyPr rtlCol="0" anchor="ctr"/>
-          <a:lstStyle/>
-          <a:p>
-            <a:pPr algn="ctr"/>
-            <a:endParaRPr lang="ru-RU"/>
-          </a:p>
-        </p:txBody>
-      </p:sp>
     </p:spTree>
     <p:extLst>
       <p:ext uri="{BB962C8B-B14F-4D97-AF65-F5344CB8AC3E}">
@@ -1697,10 +6655,10 @@
       </p:grpSpPr>
       <p:sp>
         <p:nvSpPr>
-          <p:cNvPr id="2" name="Заголовок 1">
+          <p:cNvPr id="5" name="Заголовок 4">
             <a:extLst>
               <a:ext uri="{FF2B5EF4-FFF2-40B4-BE49-F238E27FC236}">
-                <a16:creationId xmlns:a16="http://schemas.microsoft.com/office/drawing/2014/main" id="{D1990A6E-3CD1-8381-1B92-78B8AA455E8A}"/>
+                <a16:creationId xmlns:a16="http://schemas.microsoft.com/office/drawing/2014/main" id="{33FD2620-60F6-A03E-53AA-7F697B38478F}"/>
               </a:ext>
             </a:extLst>
           </p:cNvPr>
@@ -1717,40 +6675,48 @@
           <a:lstStyle/>
           <a:p>
             <a:r>
-              <a:rPr lang="ru-RU" dirty="0" err="1"/>
-              <a:t>Заголовочек</a:t>
+              <a:rPr lang="ru-RU" dirty="0"/>
+              <a:t>ТЕЕЕЕЕЕЕЕЕЕЕЕЕЕЕЕКСТ</a:t>
             </a:r>
-            <a:endParaRPr lang="ru-RU" dirty="0"/>
           </a:p>
         </p:txBody>
       </p:sp>
       <p:sp>
         <p:nvSpPr>
-          <p:cNvPr id="3" name="Номер слайда 2">
+          <p:cNvPr id="9" name="TextBox 8">
             <a:extLst>
               <a:ext uri="{FF2B5EF4-FFF2-40B4-BE49-F238E27FC236}">
-                <a16:creationId xmlns:a16="http://schemas.microsoft.com/office/drawing/2014/main" id="{60B66D83-3EEB-FF9C-0750-89FAF2C7C66C}"/>
+                <a16:creationId xmlns:a16="http://schemas.microsoft.com/office/drawing/2014/main" id="{A6223DB4-ED2B-81B4-0928-486D9F6E4A84}"/>
               </a:ext>
             </a:extLst>
           </p:cNvPr>
-          <p:cNvSpPr>
-            <a:spLocks noGrp="1"/>
-          </p:cNvSpPr>
-          <p:nvPr>
-            <p:ph type="sldNum" sz="quarter" idx="12"/>
-          </p:nvPr>
+          <p:cNvSpPr txBox="1"/>
+          <p:nvPr/>
         </p:nvSpPr>
-        <p:spPr/>
+        <p:spPr>
+          <a:xfrm>
+            <a:off x="5232400" y="3244334"/>
+            <a:ext cx="1873333" cy="369332"/>
+          </a:xfrm>
+          <a:prstGeom prst="rect">
+            <a:avLst/>
+          </a:prstGeom>
+          <a:noFill/>
+        </p:spPr>
         <p:txBody>
-          <a:bodyPr/>
+          <a:bodyPr wrap="none" rtlCol="0">
+            <a:spAutoFit/>
+          </a:bodyPr>
           <a:lstStyle/>
           <a:p>
-            <a:fld id="{E19FFA4B-D21D-4474-B476-EF8C54CF5913}" type="slidenum">
-              <a:rPr lang="ru-RU" smtClean="0"/>
-              <a:pPr/>
-              <a:t>2</a:t>
-            </a:fld>
-            <a:endParaRPr lang="ru-RU" dirty="0"/>
+            <a:r>
+              <a:rPr lang="ru-RU" dirty="0">
+                <a:solidFill>
+                  <a:srgbClr val="80A1C1"/>
+                </a:solidFill>
+              </a:rPr>
+              <a:t>Тут ничего нет…</a:t>
+            </a:r>
           </a:p>
         </p:txBody>
       </p:sp>
@@ -1767,45 +6733,189 @@
 </p:sld>
 </file>
 
+<file path=ppt/slides/slide3.xml><?xml version="1.0" encoding="utf-8"?>
+<p:sld xmlns:a="http://schemas.openxmlformats.org/drawingml/2006/main" xmlns:r="http://schemas.openxmlformats.org/officeDocument/2006/relationships" xmlns:p="http://schemas.openxmlformats.org/presentationml/2006/main">
+  <p:cSld>
+    <p:spTree>
+      <p:nvGrpSpPr>
+        <p:cNvPr id="1" name=""/>
+        <p:cNvGrpSpPr/>
+        <p:nvPr/>
+      </p:nvGrpSpPr>
+      <p:grpSpPr>
+        <a:xfrm>
+          <a:off x="0" y="0"/>
+          <a:ext cx="0" cy="0"/>
+          <a:chOff x="0" y="0"/>
+          <a:chExt cx="0" cy="0"/>
+        </a:xfrm>
+      </p:grpSpPr>
+      <p:sp>
+        <p:nvSpPr>
+          <p:cNvPr id="2" name="Заголовок 1">
+            <a:extLst>
+              <a:ext uri="{FF2B5EF4-FFF2-40B4-BE49-F238E27FC236}">
+                <a16:creationId xmlns:a16="http://schemas.microsoft.com/office/drawing/2014/main" id="{E043C33E-9F43-C94B-FDB8-2272DBF7BC00}"/>
+              </a:ext>
+            </a:extLst>
+          </p:cNvPr>
+          <p:cNvSpPr>
+            <a:spLocks noGrp="1"/>
+          </p:cNvSpPr>
+          <p:nvPr>
+            <p:ph type="title"/>
+          </p:nvPr>
+        </p:nvSpPr>
+        <p:spPr/>
+        <p:txBody>
+          <a:bodyPr/>
+          <a:lstStyle/>
+          <a:p>
+            <a:r>
+              <a:rPr lang="ru-RU" dirty="0"/>
+              <a:t>КАЙФ</a:t>
+            </a:r>
+          </a:p>
+        </p:txBody>
+      </p:sp>
+      <p:graphicFrame>
+        <p:nvGraphicFramePr>
+          <p:cNvPr id="7" name="Объект 6">
+            <a:extLst>
+              <a:ext uri="{FF2B5EF4-FFF2-40B4-BE49-F238E27FC236}">
+                <a16:creationId xmlns:a16="http://schemas.microsoft.com/office/drawing/2014/main" id="{95B07A4B-C76E-DACB-57BC-8247ACA762A1}"/>
+              </a:ext>
+            </a:extLst>
+          </p:cNvPr>
+          <p:cNvGraphicFramePr>
+            <a:graphicFrameLocks noGrp="1"/>
+          </p:cNvGraphicFramePr>
+          <p:nvPr>
+            <p:ph sz="quarter" idx="11"/>
+            <p:extLst>
+              <p:ext uri="{D42A27DB-BD31-4B8C-83A1-F6EECF244321}">
+                <p14:modId xmlns:p14="http://schemas.microsoft.com/office/powerpoint/2010/main" val="1374379360"/>
+              </p:ext>
+            </p:extLst>
+          </p:nvPr>
+        </p:nvGraphicFramePr>
+        <p:xfrm>
+          <a:off x="4786313" y="1757363"/>
+          <a:ext cx="6785927" cy="4562475"/>
+        </p:xfrm>
+        <a:graphic>
+          <a:graphicData uri="http://schemas.openxmlformats.org/drawingml/2006/diagram">
+            <dgm:relIds xmlns:dgm="http://schemas.openxmlformats.org/drawingml/2006/diagram" xmlns:r="http://schemas.openxmlformats.org/officeDocument/2006/relationships" r:dm="rId2" r:lo="rId3" r:qs="rId4" r:cs="rId5"/>
+          </a:graphicData>
+        </a:graphic>
+      </p:graphicFrame>
+      <p:sp>
+        <p:nvSpPr>
+          <p:cNvPr id="4" name="Объект 3">
+            <a:extLst>
+              <a:ext uri="{FF2B5EF4-FFF2-40B4-BE49-F238E27FC236}">
+                <a16:creationId xmlns:a16="http://schemas.microsoft.com/office/drawing/2014/main" id="{FC1F07BC-B803-5759-AAA9-15E83374354C}"/>
+              </a:ext>
+            </a:extLst>
+          </p:cNvPr>
+          <p:cNvSpPr>
+            <a:spLocks noGrp="1"/>
+          </p:cNvSpPr>
+          <p:nvPr>
+            <p:ph sz="quarter" idx="12"/>
+          </p:nvPr>
+        </p:nvSpPr>
+        <p:spPr/>
+        <p:txBody>
+          <a:bodyPr/>
+          <a:lstStyle/>
+          <a:p>
+            <a:pPr algn="just"/>
+            <a:r>
+              <a:rPr lang="ru-RU" sz="3200" dirty="0">
+                <a:solidFill>
+                  <a:srgbClr val="80A1C1"/>
+                </a:solidFill>
+              </a:rPr>
+              <a:t>На этом слайде вы можете увидеть, чем занимался Иван вместо сочинения</a:t>
+            </a:r>
+          </a:p>
+          <a:p>
+            <a:pPr algn="just"/>
+            <a:r>
+              <a:rPr lang="ru-RU" sz="3200" dirty="0">
+                <a:solidFill>
+                  <a:srgbClr val="80A1C1"/>
+                </a:solidFill>
+              </a:rPr>
+              <a:t>А ещё Иван завтра полуживой будет</a:t>
+            </a:r>
+          </a:p>
+          <a:p>
+            <a:pPr algn="just"/>
+            <a:r>
+              <a:rPr lang="ru-RU" sz="3200" dirty="0">
+                <a:solidFill>
+                  <a:srgbClr val="80A1C1"/>
+                </a:solidFill>
+              </a:rPr>
+              <a:t>Ибо спать надо ночью</a:t>
+            </a:r>
+          </a:p>
+        </p:txBody>
+      </p:sp>
+    </p:spTree>
+    <p:extLst>
+      <p:ext uri="{BB962C8B-B14F-4D97-AF65-F5344CB8AC3E}">
+        <p14:creationId xmlns:p14="http://schemas.microsoft.com/office/powerpoint/2010/main" val="2166389280"/>
+      </p:ext>
+    </p:extLst>
+  </p:cSld>
+  <p:clrMapOvr>
+    <a:masterClrMapping/>
+  </p:clrMapOvr>
+</p:sld>
+</file>
+
 <file path=ppt/theme/theme1.xml><?xml version="1.0" encoding="utf-8"?>
 <a:theme xmlns:a="http://schemas.openxmlformats.org/drawingml/2006/main" name="Тема Office">
   <a:themeElements>
-    <a:clrScheme name="Стандартная">
+    <a:clrScheme name="Другая 1">
       <a:dk1>
-        <a:sysClr val="windowText" lastClr="000000"/>
+        <a:srgbClr val="000000"/>
       </a:dk1>
       <a:lt1>
-        <a:sysClr val="window" lastClr="FFFFFF"/>
+        <a:srgbClr val="EEE3AB"/>
       </a:lt1>
       <a:dk2>
-        <a:srgbClr val="44546A"/>
+        <a:srgbClr val="EEE3AB"/>
       </a:dk2>
       <a:lt2>
-        <a:srgbClr val="E7E6E6"/>
+        <a:srgbClr val="D9CFC1"/>
       </a:lt2>
       <a:accent1>
-        <a:srgbClr val="4472C4"/>
+        <a:srgbClr val="80A1C1"/>
       </a:accent1>
       <a:accent2>
-        <a:srgbClr val="ED7D31"/>
+        <a:srgbClr val="A77E58"/>
       </a:accent2>
       <a:accent3>
-        <a:srgbClr val="A5A5A5"/>
+        <a:srgbClr val="BA3F1D"/>
       </a:accent3>
       <a:accent4>
-        <a:srgbClr val="FFC000"/>
+        <a:srgbClr val="80A1C1"/>
       </a:accent4>
       <a:accent5>
-        <a:srgbClr val="5B9BD5"/>
+        <a:srgbClr val="A77E58"/>
       </a:accent5>
       <a:accent6>
-        <a:srgbClr val="70AD47"/>
+        <a:srgbClr val="BA3F1D"/>
       </a:accent6>
       <a:hlink>
         <a:srgbClr val="0563C1"/>
       </a:hlink>
       <a:folHlink>
-        <a:srgbClr val="954F72"/>
+        <a:srgbClr val="0563C1"/>
       </a:folHlink>
     </a:clrScheme>
     <a:fontScheme name="Другая 1">
